--- a/CSharpLab.pptx
+++ b/CSharpLab.pptx
@@ -310,7 +310,7 @@
           <a:bodyPr lIns="0" rIns="0" tIns="0" bIns="0" anchor="b"/>
           <a:p>
             <a:pPr algn="r"/>
-            <a:fld id="{CB712802-7F0D-4772-A95D-CE72D8C71E3B}" type="slidenum">
+            <a:fld id="{2C4C3D8D-D5F4-4E0D-B516-590DDE7C6982}" type="slidenum">
               <a:rPr b="0" lang="en-US" sz="1400" spc="-1" strike="noStrike">
                 <a:solidFill>
                   <a:srgbClr val="000000"/>
@@ -363,7 +363,7 @@
       </p:grpSpPr>
       <p:sp>
         <p:nvSpPr>
-          <p:cNvPr id="300" name="PlaceHolder 1"/>
+          <p:cNvPr id="297" name="PlaceHolder 1"/>
           <p:cNvSpPr>
             <a:spLocks noGrp="1"/>
           </p:cNvSpPr>
@@ -374,7 +374,7 @@
         <p:spPr>
           <a:xfrm>
             <a:off x="685800" y="4343400"/>
-            <a:ext cx="5482800" cy="4111200"/>
+            <a:ext cx="5482440" cy="4110840"/>
           </a:xfrm>
           <a:prstGeom prst="rect">
             <a:avLst/>
@@ -1086,14 +1086,14 @@
       </p:sp>
       <p:sp>
         <p:nvSpPr>
-          <p:cNvPr id="301" name="CustomShape 2"/>
+          <p:cNvPr id="298" name="CustomShape 2"/>
           <p:cNvSpPr/>
           <p:nvPr/>
         </p:nvSpPr>
         <p:spPr>
           <a:xfrm>
             <a:off x="3884760" y="8685360"/>
-            <a:ext cx="2968200" cy="453600"/>
+            <a:ext cx="2967840" cy="453240"/>
           </a:xfrm>
           <a:prstGeom prst="rect">
             <a:avLst/>
@@ -1134,7 +1134,7 @@
       </p:grpSpPr>
       <p:sp>
         <p:nvSpPr>
-          <p:cNvPr id="302" name="PlaceHolder 1"/>
+          <p:cNvPr id="299" name="PlaceHolder 1"/>
           <p:cNvSpPr>
             <a:spLocks noGrp="1"/>
           </p:cNvSpPr>
@@ -1145,7 +1145,7 @@
         <p:spPr>
           <a:xfrm>
             <a:off x="685800" y="4343400"/>
-            <a:ext cx="5482800" cy="4111200"/>
+            <a:ext cx="5482440" cy="4110840"/>
           </a:xfrm>
           <a:prstGeom prst="rect">
             <a:avLst/>
@@ -1857,14 +1857,14 @@
       </p:sp>
       <p:sp>
         <p:nvSpPr>
-          <p:cNvPr id="303" name="CustomShape 2"/>
+          <p:cNvPr id="300" name="CustomShape 2"/>
           <p:cNvSpPr/>
           <p:nvPr/>
         </p:nvSpPr>
         <p:spPr>
           <a:xfrm>
             <a:off x="3884760" y="8685360"/>
-            <a:ext cx="2968200" cy="453600"/>
+            <a:ext cx="2967840" cy="453240"/>
           </a:xfrm>
           <a:prstGeom prst="rect">
             <a:avLst/>
@@ -1905,7 +1905,7 @@
       </p:grpSpPr>
       <p:sp>
         <p:nvSpPr>
-          <p:cNvPr id="304" name="PlaceHolder 1"/>
+          <p:cNvPr id="301" name="PlaceHolder 1"/>
           <p:cNvSpPr>
             <a:spLocks noGrp="1"/>
           </p:cNvSpPr>
@@ -1916,7 +1916,7 @@
         <p:spPr>
           <a:xfrm>
             <a:off x="685800" y="4343400"/>
-            <a:ext cx="5482800" cy="4111200"/>
+            <a:ext cx="5482440" cy="4110840"/>
           </a:xfrm>
           <a:prstGeom prst="rect">
             <a:avLst/>
@@ -2628,14 +2628,14 @@
       </p:sp>
       <p:sp>
         <p:nvSpPr>
-          <p:cNvPr id="305" name="CustomShape 2"/>
+          <p:cNvPr id="302" name="CustomShape 2"/>
           <p:cNvSpPr/>
           <p:nvPr/>
         </p:nvSpPr>
         <p:spPr>
           <a:xfrm>
             <a:off x="3884760" y="8685360"/>
-            <a:ext cx="2968200" cy="453600"/>
+            <a:ext cx="2967840" cy="453240"/>
           </a:xfrm>
           <a:prstGeom prst="rect">
             <a:avLst/>
@@ -2676,7 +2676,7 @@
       </p:grpSpPr>
       <p:sp>
         <p:nvSpPr>
-          <p:cNvPr id="306" name="PlaceHolder 1"/>
+          <p:cNvPr id="303" name="PlaceHolder 1"/>
           <p:cNvSpPr>
             <a:spLocks noGrp="1"/>
           </p:cNvSpPr>
@@ -2687,7 +2687,7 @@
         <p:spPr>
           <a:xfrm>
             <a:off x="685800" y="4343400"/>
-            <a:ext cx="5482800" cy="4111200"/>
+            <a:ext cx="5482440" cy="4110840"/>
           </a:xfrm>
           <a:prstGeom prst="rect">
             <a:avLst/>
@@ -3399,14 +3399,14 @@
       </p:sp>
       <p:sp>
         <p:nvSpPr>
-          <p:cNvPr id="307" name="CustomShape 2"/>
+          <p:cNvPr id="304" name="CustomShape 2"/>
           <p:cNvSpPr/>
           <p:nvPr/>
         </p:nvSpPr>
         <p:spPr>
           <a:xfrm>
             <a:off x="3884760" y="8685360"/>
-            <a:ext cx="2968200" cy="453600"/>
+            <a:ext cx="2967840" cy="453240"/>
           </a:xfrm>
           <a:prstGeom prst="rect">
             <a:avLst/>
@@ -3447,7 +3447,7 @@
       </p:grpSpPr>
       <p:sp>
         <p:nvSpPr>
-          <p:cNvPr id="308" name="PlaceHolder 1"/>
+          <p:cNvPr id="305" name="PlaceHolder 1"/>
           <p:cNvSpPr>
             <a:spLocks noGrp="1"/>
           </p:cNvSpPr>
@@ -3458,7 +3458,7 @@
         <p:spPr>
           <a:xfrm>
             <a:off x="685800" y="4343400"/>
-            <a:ext cx="5482800" cy="4111200"/>
+            <a:ext cx="5482440" cy="4110840"/>
           </a:xfrm>
           <a:prstGeom prst="rect">
             <a:avLst/>
@@ -4170,14 +4170,14 @@
       </p:sp>
       <p:sp>
         <p:nvSpPr>
-          <p:cNvPr id="309" name="CustomShape 2"/>
+          <p:cNvPr id="306" name="CustomShape 2"/>
           <p:cNvSpPr/>
           <p:nvPr/>
         </p:nvSpPr>
         <p:spPr>
           <a:xfrm>
             <a:off x="3884760" y="8685360"/>
-            <a:ext cx="2968200" cy="453600"/>
+            <a:ext cx="2967840" cy="453240"/>
           </a:xfrm>
           <a:prstGeom prst="rect">
             <a:avLst/>
@@ -4218,7 +4218,7 @@
       </p:grpSpPr>
       <p:sp>
         <p:nvSpPr>
-          <p:cNvPr id="310" name="PlaceHolder 1"/>
+          <p:cNvPr id="307" name="PlaceHolder 1"/>
           <p:cNvSpPr>
             <a:spLocks noGrp="1"/>
           </p:cNvSpPr>
@@ -4229,7 +4229,7 @@
         <p:spPr>
           <a:xfrm>
             <a:off x="685800" y="4343400"/>
-            <a:ext cx="5482800" cy="4111200"/>
+            <a:ext cx="5482440" cy="4110840"/>
           </a:xfrm>
           <a:prstGeom prst="rect">
             <a:avLst/>
@@ -4941,14 +4941,14 @@
       </p:sp>
       <p:sp>
         <p:nvSpPr>
-          <p:cNvPr id="311" name="CustomShape 2"/>
+          <p:cNvPr id="308" name="CustomShape 2"/>
           <p:cNvSpPr/>
           <p:nvPr/>
         </p:nvSpPr>
         <p:spPr>
           <a:xfrm>
             <a:off x="3884760" y="8685360"/>
-            <a:ext cx="2968200" cy="453600"/>
+            <a:ext cx="2967840" cy="453240"/>
           </a:xfrm>
           <a:prstGeom prst="rect">
             <a:avLst/>
@@ -4989,7 +4989,7 @@
       </p:grpSpPr>
       <p:sp>
         <p:nvSpPr>
-          <p:cNvPr id="312" name="PlaceHolder 1"/>
+          <p:cNvPr id="309" name="PlaceHolder 1"/>
           <p:cNvSpPr>
             <a:spLocks noGrp="1"/>
           </p:cNvSpPr>
@@ -5000,7 +5000,7 @@
         <p:spPr>
           <a:xfrm>
             <a:off x="685800" y="4343400"/>
-            <a:ext cx="5482800" cy="4111200"/>
+            <a:ext cx="5482440" cy="4110840"/>
           </a:xfrm>
           <a:prstGeom prst="rect">
             <a:avLst/>
@@ -5069,7 +5069,7 @@
               </a:rPr>
               <a:t>，它是一種網路架構風格，他並不是一種標準。</a:t>
             </a:r>
-            <a:endParaRPr b="0" lang="en-US" sz="1800" spc="-1" strike="noStrike">
+            <a:endParaRPr b="0" lang="en-US" sz="2000" spc="-1" strike="noStrike">
               <a:solidFill>
                 <a:srgbClr val="000000"/>
               </a:solidFill>
@@ -5262,20 +5262,20 @@
               </a:rPr>
               <a:t>RESTful</a:t>
             </a:r>
-            <a:endParaRPr b="0" lang="en-US" sz="1800" spc="-1" strike="noStrike">
-              <a:solidFill>
-                <a:srgbClr val="000000"/>
-              </a:solidFill>
-              <a:uFill>
-                <a:solidFill>
-                  <a:srgbClr val="ffffff"/>
-                </a:solidFill>
-              </a:uFill>
-              <a:latin typeface="Arial"/>
-            </a:endParaRPr>
-          </a:p>
-          <a:p>
-            <a:endParaRPr b="0" lang="en-US" sz="1800" spc="-1" strike="noStrike">
+            <a:endParaRPr b="0" lang="en-US" sz="2000" spc="-1" strike="noStrike">
+              <a:solidFill>
+                <a:srgbClr val="000000"/>
+              </a:solidFill>
+              <a:uFill>
+                <a:solidFill>
+                  <a:srgbClr val="ffffff"/>
+                </a:solidFill>
+              </a:uFill>
+              <a:latin typeface="Arial"/>
+            </a:endParaRPr>
+          </a:p>
+          <a:p>
+            <a:endParaRPr b="0" lang="en-US" sz="2000" spc="-1" strike="noStrike">
               <a:solidFill>
                 <a:srgbClr val="000000"/>
               </a:solidFill>
@@ -5333,7 +5333,7 @@
               </a:rPr>
               <a:t>:</a:t>
             </a:r>
-            <a:endParaRPr b="0" lang="en-US" sz="1800" spc="-1" strike="noStrike">
+            <a:endParaRPr b="0" lang="en-US" sz="2000" spc="-1" strike="noStrike">
               <a:solidFill>
                 <a:srgbClr val="000000"/>
               </a:solidFill>
@@ -5406,7 +5406,7 @@
               </a:rPr>
               <a:t>端</a:t>
             </a:r>
-            <a:endParaRPr b="0" lang="en-US" sz="1800" spc="-1" strike="noStrike">
+            <a:endParaRPr b="0" lang="en-US" sz="2000" spc="-1" strike="noStrike">
               <a:solidFill>
                 <a:srgbClr val="000000"/>
               </a:solidFill>
@@ -5479,7 +5479,7 @@
               </a:rPr>
               <a:t>來達到更快的回應速度</a:t>
             </a:r>
-            <a:endParaRPr b="0" lang="en-US" sz="1800" spc="-1" strike="noStrike">
+            <a:endParaRPr b="0" lang="en-US" sz="2000" spc="-1" strike="noStrike">
               <a:solidFill>
                 <a:srgbClr val="000000"/>
               </a:solidFill>
@@ -5522,7 +5522,7 @@
               </a:rPr>
               <a:t>界面與資料分離</a:t>
             </a:r>
-            <a:endParaRPr b="0" lang="en-US" sz="1800" spc="-1" strike="noStrike">
+            <a:endParaRPr b="0" lang="en-US" sz="2000" spc="-1" strike="noStrike">
               <a:solidFill>
                 <a:srgbClr val="000000"/>
               </a:solidFill>
@@ -5565,7 +5565,7 @@
               </a:rPr>
               <a:t>節省伺服器的計算資源</a:t>
             </a:r>
-            <a:endParaRPr b="0" lang="en-US" sz="1800" spc="-1" strike="noStrike">
+            <a:endParaRPr b="0" lang="en-US" sz="2000" spc="-1" strike="noStrike">
               <a:solidFill>
                 <a:srgbClr val="000000"/>
               </a:solidFill>
@@ -5683,20 +5683,20 @@
               </a:rPr>
               <a:t>!</a:t>
             </a:r>
-            <a:endParaRPr b="0" lang="en-US" sz="1800" spc="-1" strike="noStrike">
-              <a:solidFill>
-                <a:srgbClr val="000000"/>
-              </a:solidFill>
-              <a:uFill>
-                <a:solidFill>
-                  <a:srgbClr val="ffffff"/>
-                </a:solidFill>
-              </a:uFill>
-              <a:latin typeface="Arial"/>
-            </a:endParaRPr>
-          </a:p>
-          <a:p>
-            <a:endParaRPr b="0" lang="en-US" sz="1800" spc="-1" strike="noStrike">
+            <a:endParaRPr b="0" lang="en-US" sz="2000" spc="-1" strike="noStrike">
+              <a:solidFill>
+                <a:srgbClr val="000000"/>
+              </a:solidFill>
+              <a:uFill>
+                <a:solidFill>
+                  <a:srgbClr val="ffffff"/>
+                </a:solidFill>
+              </a:uFill>
+              <a:latin typeface="Arial"/>
+            </a:endParaRPr>
+          </a:p>
+          <a:p>
+            <a:endParaRPr b="0" lang="en-US" sz="2000" spc="-1" strike="noStrike">
               <a:solidFill>
                 <a:srgbClr val="000000"/>
               </a:solidFill>
@@ -5712,14 +5712,14 @@
       </p:sp>
       <p:sp>
         <p:nvSpPr>
-          <p:cNvPr id="313" name="CustomShape 2"/>
+          <p:cNvPr id="310" name="CustomShape 2"/>
           <p:cNvSpPr/>
           <p:nvPr/>
         </p:nvSpPr>
         <p:spPr>
           <a:xfrm>
             <a:off x="3884760" y="8685360"/>
-            <a:ext cx="2968200" cy="453600"/>
+            <a:ext cx="2967840" cy="453240"/>
           </a:xfrm>
           <a:prstGeom prst="rect">
             <a:avLst/>
@@ -5760,7 +5760,7 @@
       </p:grpSpPr>
       <p:sp>
         <p:nvSpPr>
-          <p:cNvPr id="314" name="PlaceHolder 1"/>
+          <p:cNvPr id="311" name="PlaceHolder 1"/>
           <p:cNvSpPr>
             <a:spLocks noGrp="1"/>
           </p:cNvSpPr>
@@ -5771,7 +5771,7 @@
         <p:spPr>
           <a:xfrm>
             <a:off x="685800" y="4343400"/>
-            <a:ext cx="5482800" cy="4111200"/>
+            <a:ext cx="5482440" cy="4110840"/>
           </a:xfrm>
           <a:prstGeom prst="rect">
             <a:avLst/>
@@ -6483,14 +6483,14 @@
       </p:sp>
       <p:sp>
         <p:nvSpPr>
-          <p:cNvPr id="315" name="CustomShape 2"/>
+          <p:cNvPr id="312" name="CustomShape 2"/>
           <p:cNvSpPr/>
           <p:nvPr/>
         </p:nvSpPr>
         <p:spPr>
           <a:xfrm>
             <a:off x="3884760" y="8685360"/>
-            <a:ext cx="2968200" cy="453600"/>
+            <a:ext cx="2967840" cy="453240"/>
           </a:xfrm>
           <a:prstGeom prst="rect">
             <a:avLst/>
@@ -6531,7 +6531,7 @@
       </p:grpSpPr>
       <p:sp>
         <p:nvSpPr>
-          <p:cNvPr id="316" name="PlaceHolder 1"/>
+          <p:cNvPr id="313" name="PlaceHolder 1"/>
           <p:cNvSpPr>
             <a:spLocks noGrp="1"/>
           </p:cNvSpPr>
@@ -6542,7 +6542,7 @@
         <p:spPr>
           <a:xfrm>
             <a:off x="685800" y="4343400"/>
-            <a:ext cx="5482800" cy="4111200"/>
+            <a:ext cx="5482440" cy="4110840"/>
           </a:xfrm>
           <a:prstGeom prst="rect">
             <a:avLst/>
@@ -7254,14 +7254,14 @@
       </p:sp>
       <p:sp>
         <p:nvSpPr>
-          <p:cNvPr id="317" name="CustomShape 2"/>
+          <p:cNvPr id="314" name="CustomShape 2"/>
           <p:cNvSpPr/>
           <p:nvPr/>
         </p:nvSpPr>
         <p:spPr>
           <a:xfrm>
             <a:off x="3884760" y="8685360"/>
-            <a:ext cx="2968200" cy="453600"/>
+            <a:ext cx="2967840" cy="453240"/>
           </a:xfrm>
           <a:prstGeom prst="rect">
             <a:avLst/>
@@ -7302,7 +7302,7 @@
       </p:grpSpPr>
       <p:sp>
         <p:nvSpPr>
-          <p:cNvPr id="318" name="PlaceHolder 1"/>
+          <p:cNvPr id="315" name="PlaceHolder 1"/>
           <p:cNvSpPr>
             <a:spLocks noGrp="1"/>
           </p:cNvSpPr>
@@ -7313,7 +7313,7 @@
         <p:spPr>
           <a:xfrm>
             <a:off x="685800" y="4343400"/>
-            <a:ext cx="5482800" cy="4111200"/>
+            <a:ext cx="5482440" cy="4110840"/>
           </a:xfrm>
           <a:prstGeom prst="rect">
             <a:avLst/>
@@ -8025,14 +8025,14 @@
       </p:sp>
       <p:sp>
         <p:nvSpPr>
-          <p:cNvPr id="319" name="CustomShape 2"/>
+          <p:cNvPr id="316" name="CustomShape 2"/>
           <p:cNvSpPr/>
           <p:nvPr/>
         </p:nvSpPr>
         <p:spPr>
           <a:xfrm>
             <a:off x="3884760" y="8685360"/>
-            <a:ext cx="2968200" cy="453600"/>
+            <a:ext cx="2967840" cy="453240"/>
           </a:xfrm>
           <a:prstGeom prst="rect">
             <a:avLst/>
@@ -8073,7 +8073,7 @@
       </p:grpSpPr>
       <p:sp>
         <p:nvSpPr>
-          <p:cNvPr id="320" name="PlaceHolder 1"/>
+          <p:cNvPr id="317" name="PlaceHolder 1"/>
           <p:cNvSpPr>
             <a:spLocks noGrp="1"/>
           </p:cNvSpPr>
@@ -8084,7 +8084,7 @@
         <p:spPr>
           <a:xfrm>
             <a:off x="685800" y="4343400"/>
-            <a:ext cx="5482800" cy="4111200"/>
+            <a:ext cx="5482440" cy="4110840"/>
           </a:xfrm>
           <a:prstGeom prst="rect">
             <a:avLst/>
@@ -8796,14 +8796,14 @@
       </p:sp>
       <p:sp>
         <p:nvSpPr>
-          <p:cNvPr id="321" name="CustomShape 2"/>
+          <p:cNvPr id="318" name="CustomShape 2"/>
           <p:cNvSpPr/>
           <p:nvPr/>
         </p:nvSpPr>
         <p:spPr>
           <a:xfrm>
             <a:off x="3884760" y="8685360"/>
-            <a:ext cx="2968200" cy="453600"/>
+            <a:ext cx="2967840" cy="453240"/>
           </a:xfrm>
           <a:prstGeom prst="rect">
             <a:avLst/>
@@ -8844,7 +8844,7 @@
       </p:grpSpPr>
       <p:sp>
         <p:nvSpPr>
-          <p:cNvPr id="322" name="PlaceHolder 1"/>
+          <p:cNvPr id="319" name="PlaceHolder 1"/>
           <p:cNvSpPr>
             <a:spLocks noGrp="1"/>
           </p:cNvSpPr>
@@ -8855,7 +8855,7 @@
         <p:spPr>
           <a:xfrm>
             <a:off x="685800" y="4343400"/>
-            <a:ext cx="5482800" cy="4111200"/>
+            <a:ext cx="5482440" cy="4110840"/>
           </a:xfrm>
           <a:prstGeom prst="rect">
             <a:avLst/>
@@ -9567,14 +9567,14 @@
       </p:sp>
       <p:sp>
         <p:nvSpPr>
-          <p:cNvPr id="323" name="CustomShape 2"/>
+          <p:cNvPr id="320" name="CustomShape 2"/>
           <p:cNvSpPr/>
           <p:nvPr/>
         </p:nvSpPr>
         <p:spPr>
           <a:xfrm>
             <a:off x="3884760" y="8685360"/>
-            <a:ext cx="2968200" cy="453600"/>
+            <a:ext cx="2967840" cy="453240"/>
           </a:xfrm>
           <a:prstGeom prst="rect">
             <a:avLst/>
@@ -9615,7 +9615,7 @@
       </p:grpSpPr>
       <p:sp>
         <p:nvSpPr>
-          <p:cNvPr id="324" name="PlaceHolder 1"/>
+          <p:cNvPr id="321" name="PlaceHolder 1"/>
           <p:cNvSpPr>
             <a:spLocks noGrp="1"/>
           </p:cNvSpPr>
@@ -9626,7 +9626,7 @@
         <p:spPr>
           <a:xfrm>
             <a:off x="685800" y="4343400"/>
-            <a:ext cx="5482800" cy="4111200"/>
+            <a:ext cx="5482440" cy="4110840"/>
           </a:xfrm>
           <a:prstGeom prst="rect">
             <a:avLst/>
@@ -10338,14 +10338,14 @@
       </p:sp>
       <p:sp>
         <p:nvSpPr>
-          <p:cNvPr id="325" name="CustomShape 2"/>
+          <p:cNvPr id="322" name="CustomShape 2"/>
           <p:cNvSpPr/>
           <p:nvPr/>
         </p:nvSpPr>
         <p:spPr>
           <a:xfrm>
             <a:off x="3884760" y="8685360"/>
-            <a:ext cx="2968200" cy="453600"/>
+            <a:ext cx="2967840" cy="453240"/>
           </a:xfrm>
           <a:prstGeom prst="rect">
             <a:avLst/>
@@ -10386,7 +10386,7 @@
       </p:grpSpPr>
       <p:sp>
         <p:nvSpPr>
-          <p:cNvPr id="326" name="PlaceHolder 1"/>
+          <p:cNvPr id="323" name="PlaceHolder 1"/>
           <p:cNvSpPr>
             <a:spLocks noGrp="1"/>
           </p:cNvSpPr>
@@ -10397,7 +10397,7 @@
         <p:spPr>
           <a:xfrm>
             <a:off x="685800" y="4343400"/>
-            <a:ext cx="5482800" cy="4111200"/>
+            <a:ext cx="5482440" cy="4110840"/>
           </a:xfrm>
           <a:prstGeom prst="rect">
             <a:avLst/>
@@ -11109,14 +11109,14 @@
       </p:sp>
       <p:sp>
         <p:nvSpPr>
-          <p:cNvPr id="327" name="CustomShape 2"/>
+          <p:cNvPr id="324" name="CustomShape 2"/>
           <p:cNvSpPr/>
           <p:nvPr/>
         </p:nvSpPr>
         <p:spPr>
           <a:xfrm>
             <a:off x="3884760" y="8685360"/>
-            <a:ext cx="2968200" cy="453600"/>
+            <a:ext cx="2967840" cy="453240"/>
           </a:xfrm>
           <a:prstGeom prst="rect">
             <a:avLst/>
@@ -11157,7 +11157,7 @@
       </p:grpSpPr>
       <p:sp>
         <p:nvSpPr>
-          <p:cNvPr id="328" name="PlaceHolder 1"/>
+          <p:cNvPr id="325" name="PlaceHolder 1"/>
           <p:cNvSpPr>
             <a:spLocks noGrp="1"/>
           </p:cNvSpPr>
@@ -11168,7 +11168,7 @@
         <p:spPr>
           <a:xfrm>
             <a:off x="685800" y="4343400"/>
-            <a:ext cx="5482800" cy="4111200"/>
+            <a:ext cx="5482440" cy="4110840"/>
           </a:xfrm>
           <a:prstGeom prst="rect">
             <a:avLst/>
@@ -11880,14 +11880,14 @@
       </p:sp>
       <p:sp>
         <p:nvSpPr>
-          <p:cNvPr id="329" name="CustomShape 2"/>
+          <p:cNvPr id="326" name="CustomShape 2"/>
           <p:cNvSpPr/>
           <p:nvPr/>
         </p:nvSpPr>
         <p:spPr>
           <a:xfrm>
             <a:off x="3884760" y="8685360"/>
-            <a:ext cx="2968200" cy="453600"/>
+            <a:ext cx="2967840" cy="453240"/>
           </a:xfrm>
           <a:prstGeom prst="rect">
             <a:avLst/>
@@ -11928,7 +11928,7 @@
       </p:grpSpPr>
       <p:sp>
         <p:nvSpPr>
-          <p:cNvPr id="330" name="PlaceHolder 1"/>
+          <p:cNvPr id="327" name="PlaceHolder 1"/>
           <p:cNvSpPr>
             <a:spLocks noGrp="1"/>
           </p:cNvSpPr>
@@ -11939,7 +11939,7 @@
         <p:spPr>
           <a:xfrm>
             <a:off x="685800" y="4343400"/>
-            <a:ext cx="5482800" cy="4111200"/>
+            <a:ext cx="5482440" cy="4110840"/>
           </a:xfrm>
           <a:prstGeom prst="rect">
             <a:avLst/>
@@ -12651,14 +12651,14 @@
       </p:sp>
       <p:sp>
         <p:nvSpPr>
-          <p:cNvPr id="331" name="CustomShape 2"/>
+          <p:cNvPr id="328" name="CustomShape 2"/>
           <p:cNvSpPr/>
           <p:nvPr/>
         </p:nvSpPr>
         <p:spPr>
           <a:xfrm>
             <a:off x="3884760" y="8685360"/>
-            <a:ext cx="2968200" cy="453600"/>
+            <a:ext cx="2967840" cy="453240"/>
           </a:xfrm>
           <a:prstGeom prst="rect">
             <a:avLst/>
@@ -12699,7 +12699,7 @@
       </p:grpSpPr>
       <p:sp>
         <p:nvSpPr>
-          <p:cNvPr id="332" name="PlaceHolder 1"/>
+          <p:cNvPr id="329" name="PlaceHolder 1"/>
           <p:cNvSpPr>
             <a:spLocks noGrp="1"/>
           </p:cNvSpPr>
@@ -12710,7 +12710,7 @@
         <p:spPr>
           <a:xfrm>
             <a:off x="685800" y="4343400"/>
-            <a:ext cx="5482800" cy="4111200"/>
+            <a:ext cx="5482440" cy="4110840"/>
           </a:xfrm>
           <a:prstGeom prst="rect">
             <a:avLst/>
@@ -13422,14 +13422,14 @@
       </p:sp>
       <p:sp>
         <p:nvSpPr>
-          <p:cNvPr id="333" name="CustomShape 2"/>
+          <p:cNvPr id="330" name="CustomShape 2"/>
           <p:cNvSpPr/>
           <p:nvPr/>
         </p:nvSpPr>
         <p:spPr>
           <a:xfrm>
             <a:off x="3884760" y="8685360"/>
-            <a:ext cx="2968200" cy="453600"/>
+            <a:ext cx="2967840" cy="453240"/>
           </a:xfrm>
           <a:prstGeom prst="rect">
             <a:avLst/>
@@ -13470,7 +13470,7 @@
       </p:grpSpPr>
       <p:sp>
         <p:nvSpPr>
-          <p:cNvPr id="334" name="PlaceHolder 1"/>
+          <p:cNvPr id="331" name="PlaceHolder 1"/>
           <p:cNvSpPr>
             <a:spLocks noGrp="1"/>
           </p:cNvSpPr>
@@ -13481,7 +13481,7 @@
         <p:spPr>
           <a:xfrm>
             <a:off x="685800" y="4343400"/>
-            <a:ext cx="5482800" cy="4111200"/>
+            <a:ext cx="5482440" cy="4110840"/>
           </a:xfrm>
           <a:prstGeom prst="rect">
             <a:avLst/>
@@ -13550,7 +13550,7 @@
               </a:rPr>
               <a:t>，它是一種網路架構風格，他並不是一種標準。</a:t>
             </a:r>
-            <a:endParaRPr b="0" lang="en-US" sz="1800" spc="-1" strike="noStrike">
+            <a:endParaRPr b="0" lang="en-US" sz="2000" spc="-1" strike="noStrike">
               <a:solidFill>
                 <a:srgbClr val="000000"/>
               </a:solidFill>
@@ -13743,20 +13743,20 @@
               </a:rPr>
               <a:t>RESTful</a:t>
             </a:r>
-            <a:endParaRPr b="0" lang="en-US" sz="1800" spc="-1" strike="noStrike">
-              <a:solidFill>
-                <a:srgbClr val="000000"/>
-              </a:solidFill>
-              <a:uFill>
-                <a:solidFill>
-                  <a:srgbClr val="ffffff"/>
-                </a:solidFill>
-              </a:uFill>
-              <a:latin typeface="Arial"/>
-            </a:endParaRPr>
-          </a:p>
-          <a:p>
-            <a:endParaRPr b="0" lang="en-US" sz="1800" spc="-1" strike="noStrike">
+            <a:endParaRPr b="0" lang="en-US" sz="2000" spc="-1" strike="noStrike">
+              <a:solidFill>
+                <a:srgbClr val="000000"/>
+              </a:solidFill>
+              <a:uFill>
+                <a:solidFill>
+                  <a:srgbClr val="ffffff"/>
+                </a:solidFill>
+              </a:uFill>
+              <a:latin typeface="Arial"/>
+            </a:endParaRPr>
+          </a:p>
+          <a:p>
+            <a:endParaRPr b="0" lang="en-US" sz="2000" spc="-1" strike="noStrike">
               <a:solidFill>
                 <a:srgbClr val="000000"/>
               </a:solidFill>
@@ -13814,7 +13814,7 @@
               </a:rPr>
               <a:t>:</a:t>
             </a:r>
-            <a:endParaRPr b="0" lang="en-US" sz="1800" spc="-1" strike="noStrike">
+            <a:endParaRPr b="0" lang="en-US" sz="2000" spc="-1" strike="noStrike">
               <a:solidFill>
                 <a:srgbClr val="000000"/>
               </a:solidFill>
@@ -13887,7 +13887,7 @@
               </a:rPr>
               <a:t>端</a:t>
             </a:r>
-            <a:endParaRPr b="0" lang="en-US" sz="1800" spc="-1" strike="noStrike">
+            <a:endParaRPr b="0" lang="en-US" sz="2000" spc="-1" strike="noStrike">
               <a:solidFill>
                 <a:srgbClr val="000000"/>
               </a:solidFill>
@@ -13960,7 +13960,7 @@
               </a:rPr>
               <a:t>來達到更快的回應速度</a:t>
             </a:r>
-            <a:endParaRPr b="0" lang="en-US" sz="1800" spc="-1" strike="noStrike">
+            <a:endParaRPr b="0" lang="en-US" sz="2000" spc="-1" strike="noStrike">
               <a:solidFill>
                 <a:srgbClr val="000000"/>
               </a:solidFill>
@@ -14003,7 +14003,7 @@
               </a:rPr>
               <a:t>界面與資料分離</a:t>
             </a:r>
-            <a:endParaRPr b="0" lang="en-US" sz="1800" spc="-1" strike="noStrike">
+            <a:endParaRPr b="0" lang="en-US" sz="2000" spc="-1" strike="noStrike">
               <a:solidFill>
                 <a:srgbClr val="000000"/>
               </a:solidFill>
@@ -14046,7 +14046,7 @@
               </a:rPr>
               <a:t>節省伺服器的計算資源</a:t>
             </a:r>
-            <a:endParaRPr b="0" lang="en-US" sz="1800" spc="-1" strike="noStrike">
+            <a:endParaRPr b="0" lang="en-US" sz="2000" spc="-1" strike="noStrike">
               <a:solidFill>
                 <a:srgbClr val="000000"/>
               </a:solidFill>
@@ -14164,20 +14164,20 @@
               </a:rPr>
               <a:t>!</a:t>
             </a:r>
-            <a:endParaRPr b="0" lang="en-US" sz="1800" spc="-1" strike="noStrike">
-              <a:solidFill>
-                <a:srgbClr val="000000"/>
-              </a:solidFill>
-              <a:uFill>
-                <a:solidFill>
-                  <a:srgbClr val="ffffff"/>
-                </a:solidFill>
-              </a:uFill>
-              <a:latin typeface="Arial"/>
-            </a:endParaRPr>
-          </a:p>
-          <a:p>
-            <a:endParaRPr b="0" lang="en-US" sz="1800" spc="-1" strike="noStrike">
+            <a:endParaRPr b="0" lang="en-US" sz="2000" spc="-1" strike="noStrike">
+              <a:solidFill>
+                <a:srgbClr val="000000"/>
+              </a:solidFill>
+              <a:uFill>
+                <a:solidFill>
+                  <a:srgbClr val="ffffff"/>
+                </a:solidFill>
+              </a:uFill>
+              <a:latin typeface="Arial"/>
+            </a:endParaRPr>
+          </a:p>
+          <a:p>
+            <a:endParaRPr b="0" lang="en-US" sz="2000" spc="-1" strike="noStrike">
               <a:solidFill>
                 <a:srgbClr val="000000"/>
               </a:solidFill>
@@ -14193,14 +14193,14 @@
       </p:sp>
       <p:sp>
         <p:nvSpPr>
-          <p:cNvPr id="335" name="CustomShape 2"/>
+          <p:cNvPr id="332" name="CustomShape 2"/>
           <p:cNvSpPr/>
           <p:nvPr/>
         </p:nvSpPr>
         <p:spPr>
           <a:xfrm>
             <a:off x="3884760" y="8685360"/>
-            <a:ext cx="2968200" cy="453600"/>
+            <a:ext cx="2967840" cy="453240"/>
           </a:xfrm>
           <a:prstGeom prst="rect">
             <a:avLst/>
@@ -14241,7 +14241,7 @@
       </p:grpSpPr>
       <p:sp>
         <p:nvSpPr>
-          <p:cNvPr id="336" name="PlaceHolder 1"/>
+          <p:cNvPr id="333" name="PlaceHolder 1"/>
           <p:cNvSpPr>
             <a:spLocks noGrp="1"/>
           </p:cNvSpPr>
@@ -14252,7 +14252,7 @@
         <p:spPr>
           <a:xfrm>
             <a:off x="685800" y="4343400"/>
-            <a:ext cx="5482800" cy="4111200"/>
+            <a:ext cx="5482440" cy="4110840"/>
           </a:xfrm>
           <a:prstGeom prst="rect">
             <a:avLst/>
@@ -14964,14 +14964,14 @@
       </p:sp>
       <p:sp>
         <p:nvSpPr>
-          <p:cNvPr id="337" name="CustomShape 2"/>
+          <p:cNvPr id="334" name="CustomShape 2"/>
           <p:cNvSpPr/>
           <p:nvPr/>
         </p:nvSpPr>
         <p:spPr>
           <a:xfrm>
             <a:off x="3884760" y="8685360"/>
-            <a:ext cx="2968200" cy="453600"/>
+            <a:ext cx="2967840" cy="453240"/>
           </a:xfrm>
           <a:prstGeom prst="rect">
             <a:avLst/>
@@ -15012,7 +15012,7 @@
       </p:grpSpPr>
       <p:sp>
         <p:nvSpPr>
-          <p:cNvPr id="338" name="PlaceHolder 1"/>
+          <p:cNvPr id="335" name="PlaceHolder 1"/>
           <p:cNvSpPr>
             <a:spLocks noGrp="1"/>
           </p:cNvSpPr>
@@ -15023,7 +15023,7 @@
         <p:spPr>
           <a:xfrm>
             <a:off x="685800" y="4343400"/>
-            <a:ext cx="5482800" cy="4111200"/>
+            <a:ext cx="5482440" cy="4110840"/>
           </a:xfrm>
           <a:prstGeom prst="rect">
             <a:avLst/>
@@ -15735,14 +15735,14 @@
       </p:sp>
       <p:sp>
         <p:nvSpPr>
-          <p:cNvPr id="339" name="CustomShape 2"/>
+          <p:cNvPr id="336" name="CustomShape 2"/>
           <p:cNvSpPr/>
           <p:nvPr/>
         </p:nvSpPr>
         <p:spPr>
           <a:xfrm>
             <a:off x="3884760" y="8685360"/>
-            <a:ext cx="2968200" cy="453600"/>
+            <a:ext cx="2967840" cy="453240"/>
           </a:xfrm>
           <a:prstGeom prst="rect">
             <a:avLst/>
@@ -15783,7 +15783,7 @@
       </p:grpSpPr>
       <p:sp>
         <p:nvSpPr>
-          <p:cNvPr id="340" name="PlaceHolder 1"/>
+          <p:cNvPr id="337" name="PlaceHolder 1"/>
           <p:cNvSpPr>
             <a:spLocks noGrp="1"/>
           </p:cNvSpPr>
@@ -15794,7 +15794,7 @@
         <p:spPr>
           <a:xfrm>
             <a:off x="685800" y="4343400"/>
-            <a:ext cx="5482800" cy="4111200"/>
+            <a:ext cx="5482440" cy="4110840"/>
           </a:xfrm>
           <a:prstGeom prst="rect">
             <a:avLst/>
@@ -16506,14 +16506,14 @@
       </p:sp>
       <p:sp>
         <p:nvSpPr>
-          <p:cNvPr id="341" name="CustomShape 2"/>
+          <p:cNvPr id="338" name="CustomShape 2"/>
           <p:cNvSpPr/>
           <p:nvPr/>
         </p:nvSpPr>
         <p:spPr>
           <a:xfrm>
             <a:off x="3884760" y="8685360"/>
-            <a:ext cx="2968200" cy="453600"/>
+            <a:ext cx="2967840" cy="453240"/>
           </a:xfrm>
           <a:prstGeom prst="rect">
             <a:avLst/>
@@ -16554,7 +16554,7 @@
       </p:grpSpPr>
       <p:sp>
         <p:nvSpPr>
-          <p:cNvPr id="342" name="PlaceHolder 1"/>
+          <p:cNvPr id="339" name="PlaceHolder 1"/>
           <p:cNvSpPr>
             <a:spLocks noGrp="1"/>
           </p:cNvSpPr>
@@ -16565,7 +16565,7 @@
         <p:spPr>
           <a:xfrm>
             <a:off x="685800" y="4343400"/>
-            <a:ext cx="5482800" cy="4111200"/>
+            <a:ext cx="5482440" cy="4110840"/>
           </a:xfrm>
           <a:prstGeom prst="rect">
             <a:avLst/>
@@ -16634,7 +16634,7 @@
               </a:rPr>
               <a:t>，它是一種網路架構風格，他並不是一種標準。</a:t>
             </a:r>
-            <a:endParaRPr b="0" lang="en-US" sz="1800" spc="-1" strike="noStrike">
+            <a:endParaRPr b="0" lang="en-US" sz="2000" spc="-1" strike="noStrike">
               <a:solidFill>
                 <a:srgbClr val="000000"/>
               </a:solidFill>
@@ -16827,20 +16827,20 @@
               </a:rPr>
               <a:t>RESTful</a:t>
             </a:r>
-            <a:endParaRPr b="0" lang="en-US" sz="1800" spc="-1" strike="noStrike">
-              <a:solidFill>
-                <a:srgbClr val="000000"/>
-              </a:solidFill>
-              <a:uFill>
-                <a:solidFill>
-                  <a:srgbClr val="ffffff"/>
-                </a:solidFill>
-              </a:uFill>
-              <a:latin typeface="Arial"/>
-            </a:endParaRPr>
-          </a:p>
-          <a:p>
-            <a:endParaRPr b="0" lang="en-US" sz="1800" spc="-1" strike="noStrike">
+            <a:endParaRPr b="0" lang="en-US" sz="2000" spc="-1" strike="noStrike">
+              <a:solidFill>
+                <a:srgbClr val="000000"/>
+              </a:solidFill>
+              <a:uFill>
+                <a:solidFill>
+                  <a:srgbClr val="ffffff"/>
+                </a:solidFill>
+              </a:uFill>
+              <a:latin typeface="Arial"/>
+            </a:endParaRPr>
+          </a:p>
+          <a:p>
+            <a:endParaRPr b="0" lang="en-US" sz="2000" spc="-1" strike="noStrike">
               <a:solidFill>
                 <a:srgbClr val="000000"/>
               </a:solidFill>
@@ -16898,7 +16898,7 @@
               </a:rPr>
               <a:t>:</a:t>
             </a:r>
-            <a:endParaRPr b="0" lang="en-US" sz="1800" spc="-1" strike="noStrike">
+            <a:endParaRPr b="0" lang="en-US" sz="2000" spc="-1" strike="noStrike">
               <a:solidFill>
                 <a:srgbClr val="000000"/>
               </a:solidFill>
@@ -16971,7 +16971,7 @@
               </a:rPr>
               <a:t>端</a:t>
             </a:r>
-            <a:endParaRPr b="0" lang="en-US" sz="1800" spc="-1" strike="noStrike">
+            <a:endParaRPr b="0" lang="en-US" sz="2000" spc="-1" strike="noStrike">
               <a:solidFill>
                 <a:srgbClr val="000000"/>
               </a:solidFill>
@@ -17044,7 +17044,7 @@
               </a:rPr>
               <a:t>來達到更快的回應速度</a:t>
             </a:r>
-            <a:endParaRPr b="0" lang="en-US" sz="1800" spc="-1" strike="noStrike">
+            <a:endParaRPr b="0" lang="en-US" sz="2000" spc="-1" strike="noStrike">
               <a:solidFill>
                 <a:srgbClr val="000000"/>
               </a:solidFill>
@@ -17087,7 +17087,7 @@
               </a:rPr>
               <a:t>界面與資料分離</a:t>
             </a:r>
-            <a:endParaRPr b="0" lang="en-US" sz="1800" spc="-1" strike="noStrike">
+            <a:endParaRPr b="0" lang="en-US" sz="2000" spc="-1" strike="noStrike">
               <a:solidFill>
                 <a:srgbClr val="000000"/>
               </a:solidFill>
@@ -17130,7 +17130,7 @@
               </a:rPr>
               <a:t>節省伺服器的計算資源</a:t>
             </a:r>
-            <a:endParaRPr b="0" lang="en-US" sz="1800" spc="-1" strike="noStrike">
+            <a:endParaRPr b="0" lang="en-US" sz="2000" spc="-1" strike="noStrike">
               <a:solidFill>
                 <a:srgbClr val="000000"/>
               </a:solidFill>
@@ -17248,20 +17248,20 @@
               </a:rPr>
               <a:t>!</a:t>
             </a:r>
-            <a:endParaRPr b="0" lang="en-US" sz="1800" spc="-1" strike="noStrike">
-              <a:solidFill>
-                <a:srgbClr val="000000"/>
-              </a:solidFill>
-              <a:uFill>
-                <a:solidFill>
-                  <a:srgbClr val="ffffff"/>
-                </a:solidFill>
-              </a:uFill>
-              <a:latin typeface="Arial"/>
-            </a:endParaRPr>
-          </a:p>
-          <a:p>
-            <a:endParaRPr b="0" lang="en-US" sz="1800" spc="-1" strike="noStrike">
+            <a:endParaRPr b="0" lang="en-US" sz="2000" spc="-1" strike="noStrike">
+              <a:solidFill>
+                <a:srgbClr val="000000"/>
+              </a:solidFill>
+              <a:uFill>
+                <a:solidFill>
+                  <a:srgbClr val="ffffff"/>
+                </a:solidFill>
+              </a:uFill>
+              <a:latin typeface="Arial"/>
+            </a:endParaRPr>
+          </a:p>
+          <a:p>
+            <a:endParaRPr b="0" lang="en-US" sz="2000" spc="-1" strike="noStrike">
               <a:solidFill>
                 <a:srgbClr val="000000"/>
               </a:solidFill>
@@ -17277,14 +17277,14 @@
       </p:sp>
       <p:sp>
         <p:nvSpPr>
-          <p:cNvPr id="343" name="CustomShape 2"/>
+          <p:cNvPr id="340" name="CustomShape 2"/>
           <p:cNvSpPr/>
           <p:nvPr/>
         </p:nvSpPr>
         <p:spPr>
           <a:xfrm>
             <a:off x="3884760" y="8685360"/>
-            <a:ext cx="2968200" cy="453600"/>
+            <a:ext cx="2967840" cy="453240"/>
           </a:xfrm>
           <a:prstGeom prst="rect">
             <a:avLst/>
@@ -17325,7 +17325,7 @@
       </p:grpSpPr>
       <p:sp>
         <p:nvSpPr>
-          <p:cNvPr id="344" name="PlaceHolder 1"/>
+          <p:cNvPr id="341" name="PlaceHolder 1"/>
           <p:cNvSpPr>
             <a:spLocks noGrp="1"/>
           </p:cNvSpPr>
@@ -17336,7 +17336,7 @@
         <p:spPr>
           <a:xfrm>
             <a:off x="685800" y="4343400"/>
-            <a:ext cx="5482800" cy="4111200"/>
+            <a:ext cx="5482440" cy="4110840"/>
           </a:xfrm>
           <a:prstGeom prst="rect">
             <a:avLst/>
@@ -17405,7 +17405,7 @@
               </a:rPr>
               <a:t>，它是一種網路架構風格，他並不是一種標準。</a:t>
             </a:r>
-            <a:endParaRPr b="0" lang="en-US" sz="1800" spc="-1" strike="noStrike">
+            <a:endParaRPr b="0" lang="en-US" sz="2000" spc="-1" strike="noStrike">
               <a:solidFill>
                 <a:srgbClr val="000000"/>
               </a:solidFill>
@@ -17598,20 +17598,20 @@
               </a:rPr>
               <a:t>RESTful</a:t>
             </a:r>
-            <a:endParaRPr b="0" lang="en-US" sz="1800" spc="-1" strike="noStrike">
-              <a:solidFill>
-                <a:srgbClr val="000000"/>
-              </a:solidFill>
-              <a:uFill>
-                <a:solidFill>
-                  <a:srgbClr val="ffffff"/>
-                </a:solidFill>
-              </a:uFill>
-              <a:latin typeface="Arial"/>
-            </a:endParaRPr>
-          </a:p>
-          <a:p>
-            <a:endParaRPr b="0" lang="en-US" sz="1800" spc="-1" strike="noStrike">
+            <a:endParaRPr b="0" lang="en-US" sz="2000" spc="-1" strike="noStrike">
+              <a:solidFill>
+                <a:srgbClr val="000000"/>
+              </a:solidFill>
+              <a:uFill>
+                <a:solidFill>
+                  <a:srgbClr val="ffffff"/>
+                </a:solidFill>
+              </a:uFill>
+              <a:latin typeface="Arial"/>
+            </a:endParaRPr>
+          </a:p>
+          <a:p>
+            <a:endParaRPr b="0" lang="en-US" sz="2000" spc="-1" strike="noStrike">
               <a:solidFill>
                 <a:srgbClr val="000000"/>
               </a:solidFill>
@@ -17669,7 +17669,7 @@
               </a:rPr>
               <a:t>:</a:t>
             </a:r>
-            <a:endParaRPr b="0" lang="en-US" sz="1800" spc="-1" strike="noStrike">
+            <a:endParaRPr b="0" lang="en-US" sz="2000" spc="-1" strike="noStrike">
               <a:solidFill>
                 <a:srgbClr val="000000"/>
               </a:solidFill>
@@ -17742,7 +17742,7 @@
               </a:rPr>
               <a:t>端</a:t>
             </a:r>
-            <a:endParaRPr b="0" lang="en-US" sz="1800" spc="-1" strike="noStrike">
+            <a:endParaRPr b="0" lang="en-US" sz="2000" spc="-1" strike="noStrike">
               <a:solidFill>
                 <a:srgbClr val="000000"/>
               </a:solidFill>
@@ -17815,7 +17815,7 @@
               </a:rPr>
               <a:t>來達到更快的回應速度</a:t>
             </a:r>
-            <a:endParaRPr b="0" lang="en-US" sz="1800" spc="-1" strike="noStrike">
+            <a:endParaRPr b="0" lang="en-US" sz="2000" spc="-1" strike="noStrike">
               <a:solidFill>
                 <a:srgbClr val="000000"/>
               </a:solidFill>
@@ -17858,7 +17858,7 @@
               </a:rPr>
               <a:t>界面與資料分離</a:t>
             </a:r>
-            <a:endParaRPr b="0" lang="en-US" sz="1800" spc="-1" strike="noStrike">
+            <a:endParaRPr b="0" lang="en-US" sz="2000" spc="-1" strike="noStrike">
               <a:solidFill>
                 <a:srgbClr val="000000"/>
               </a:solidFill>
@@ -17901,7 +17901,7 @@
               </a:rPr>
               <a:t>節省伺服器的計算資源</a:t>
             </a:r>
-            <a:endParaRPr b="0" lang="en-US" sz="1800" spc="-1" strike="noStrike">
+            <a:endParaRPr b="0" lang="en-US" sz="2000" spc="-1" strike="noStrike">
               <a:solidFill>
                 <a:srgbClr val="000000"/>
               </a:solidFill>
@@ -18019,20 +18019,20 @@
               </a:rPr>
               <a:t>!</a:t>
             </a:r>
-            <a:endParaRPr b="0" lang="en-US" sz="1800" spc="-1" strike="noStrike">
-              <a:solidFill>
-                <a:srgbClr val="000000"/>
-              </a:solidFill>
-              <a:uFill>
-                <a:solidFill>
-                  <a:srgbClr val="ffffff"/>
-                </a:solidFill>
-              </a:uFill>
-              <a:latin typeface="Arial"/>
-            </a:endParaRPr>
-          </a:p>
-          <a:p>
-            <a:endParaRPr b="0" lang="en-US" sz="1800" spc="-1" strike="noStrike">
+            <a:endParaRPr b="0" lang="en-US" sz="2000" spc="-1" strike="noStrike">
+              <a:solidFill>
+                <a:srgbClr val="000000"/>
+              </a:solidFill>
+              <a:uFill>
+                <a:solidFill>
+                  <a:srgbClr val="ffffff"/>
+                </a:solidFill>
+              </a:uFill>
+              <a:latin typeface="Arial"/>
+            </a:endParaRPr>
+          </a:p>
+          <a:p>
+            <a:endParaRPr b="0" lang="en-US" sz="2000" spc="-1" strike="noStrike">
               <a:solidFill>
                 <a:srgbClr val="000000"/>
               </a:solidFill>
@@ -18048,14 +18048,14 @@
       </p:sp>
       <p:sp>
         <p:nvSpPr>
-          <p:cNvPr id="345" name="CustomShape 2"/>
+          <p:cNvPr id="342" name="CustomShape 2"/>
           <p:cNvSpPr/>
           <p:nvPr/>
         </p:nvSpPr>
         <p:spPr>
           <a:xfrm>
             <a:off x="3884760" y="8685360"/>
-            <a:ext cx="2968200" cy="453600"/>
+            <a:ext cx="2967840" cy="453240"/>
           </a:xfrm>
           <a:prstGeom prst="rect">
             <a:avLst/>
@@ -18096,7 +18096,7 @@
       </p:grpSpPr>
       <p:sp>
         <p:nvSpPr>
-          <p:cNvPr id="346" name="PlaceHolder 1"/>
+          <p:cNvPr id="343" name="PlaceHolder 1"/>
           <p:cNvSpPr>
             <a:spLocks noGrp="1"/>
           </p:cNvSpPr>
@@ -18107,7 +18107,7 @@
         <p:spPr>
           <a:xfrm>
             <a:off x="685800" y="4343400"/>
-            <a:ext cx="5482800" cy="4111200"/>
+            <a:ext cx="5482440" cy="4110840"/>
           </a:xfrm>
           <a:prstGeom prst="rect">
             <a:avLst/>
@@ -18176,7 +18176,7 @@
               </a:rPr>
               <a:t>，它是一種網路架構風格，他並不是一種標準。</a:t>
             </a:r>
-            <a:endParaRPr b="0" lang="en-US" sz="1800" spc="-1" strike="noStrike">
+            <a:endParaRPr b="0" lang="en-US" sz="2000" spc="-1" strike="noStrike">
               <a:solidFill>
                 <a:srgbClr val="000000"/>
               </a:solidFill>
@@ -18369,20 +18369,20 @@
               </a:rPr>
               <a:t>RESTful</a:t>
             </a:r>
-            <a:endParaRPr b="0" lang="en-US" sz="1800" spc="-1" strike="noStrike">
-              <a:solidFill>
-                <a:srgbClr val="000000"/>
-              </a:solidFill>
-              <a:uFill>
-                <a:solidFill>
-                  <a:srgbClr val="ffffff"/>
-                </a:solidFill>
-              </a:uFill>
-              <a:latin typeface="Arial"/>
-            </a:endParaRPr>
-          </a:p>
-          <a:p>
-            <a:endParaRPr b="0" lang="en-US" sz="1800" spc="-1" strike="noStrike">
+            <a:endParaRPr b="0" lang="en-US" sz="2000" spc="-1" strike="noStrike">
+              <a:solidFill>
+                <a:srgbClr val="000000"/>
+              </a:solidFill>
+              <a:uFill>
+                <a:solidFill>
+                  <a:srgbClr val="ffffff"/>
+                </a:solidFill>
+              </a:uFill>
+              <a:latin typeface="Arial"/>
+            </a:endParaRPr>
+          </a:p>
+          <a:p>
+            <a:endParaRPr b="0" lang="en-US" sz="2000" spc="-1" strike="noStrike">
               <a:solidFill>
                 <a:srgbClr val="000000"/>
               </a:solidFill>
@@ -18440,7 +18440,7 @@
               </a:rPr>
               <a:t>:</a:t>
             </a:r>
-            <a:endParaRPr b="0" lang="en-US" sz="1800" spc="-1" strike="noStrike">
+            <a:endParaRPr b="0" lang="en-US" sz="2000" spc="-1" strike="noStrike">
               <a:solidFill>
                 <a:srgbClr val="000000"/>
               </a:solidFill>
@@ -18513,7 +18513,7 @@
               </a:rPr>
               <a:t>端</a:t>
             </a:r>
-            <a:endParaRPr b="0" lang="en-US" sz="1800" spc="-1" strike="noStrike">
+            <a:endParaRPr b="0" lang="en-US" sz="2000" spc="-1" strike="noStrike">
               <a:solidFill>
                 <a:srgbClr val="000000"/>
               </a:solidFill>
@@ -18586,7 +18586,7 @@
               </a:rPr>
               <a:t>來達到更快的回應速度</a:t>
             </a:r>
-            <a:endParaRPr b="0" lang="en-US" sz="1800" spc="-1" strike="noStrike">
+            <a:endParaRPr b="0" lang="en-US" sz="2000" spc="-1" strike="noStrike">
               <a:solidFill>
                 <a:srgbClr val="000000"/>
               </a:solidFill>
@@ -18629,7 +18629,7 @@
               </a:rPr>
               <a:t>界面與資料分離</a:t>
             </a:r>
-            <a:endParaRPr b="0" lang="en-US" sz="1800" spc="-1" strike="noStrike">
+            <a:endParaRPr b="0" lang="en-US" sz="2000" spc="-1" strike="noStrike">
               <a:solidFill>
                 <a:srgbClr val="000000"/>
               </a:solidFill>
@@ -18672,7 +18672,7 @@
               </a:rPr>
               <a:t>節省伺服器的計算資源</a:t>
             </a:r>
-            <a:endParaRPr b="0" lang="en-US" sz="1800" spc="-1" strike="noStrike">
+            <a:endParaRPr b="0" lang="en-US" sz="2000" spc="-1" strike="noStrike">
               <a:solidFill>
                 <a:srgbClr val="000000"/>
               </a:solidFill>
@@ -18790,20 +18790,20 @@
               </a:rPr>
               <a:t>!</a:t>
             </a:r>
-            <a:endParaRPr b="0" lang="en-US" sz="1800" spc="-1" strike="noStrike">
-              <a:solidFill>
-                <a:srgbClr val="000000"/>
-              </a:solidFill>
-              <a:uFill>
-                <a:solidFill>
-                  <a:srgbClr val="ffffff"/>
-                </a:solidFill>
-              </a:uFill>
-              <a:latin typeface="Arial"/>
-            </a:endParaRPr>
-          </a:p>
-          <a:p>
-            <a:endParaRPr b="0" lang="en-US" sz="1800" spc="-1" strike="noStrike">
+            <a:endParaRPr b="0" lang="en-US" sz="2000" spc="-1" strike="noStrike">
+              <a:solidFill>
+                <a:srgbClr val="000000"/>
+              </a:solidFill>
+              <a:uFill>
+                <a:solidFill>
+                  <a:srgbClr val="ffffff"/>
+                </a:solidFill>
+              </a:uFill>
+              <a:latin typeface="Arial"/>
+            </a:endParaRPr>
+          </a:p>
+          <a:p>
+            <a:endParaRPr b="0" lang="en-US" sz="2000" spc="-1" strike="noStrike">
               <a:solidFill>
                 <a:srgbClr val="000000"/>
               </a:solidFill>
@@ -18819,14 +18819,14 @@
       </p:sp>
       <p:sp>
         <p:nvSpPr>
-          <p:cNvPr id="347" name="CustomShape 2"/>
+          <p:cNvPr id="344" name="CustomShape 2"/>
           <p:cNvSpPr/>
           <p:nvPr/>
         </p:nvSpPr>
         <p:spPr>
           <a:xfrm>
             <a:off x="3884760" y="8685360"/>
-            <a:ext cx="2968200" cy="453600"/>
+            <a:ext cx="2967840" cy="453240"/>
           </a:xfrm>
           <a:prstGeom prst="rect">
             <a:avLst/>
@@ -18867,7 +18867,7 @@
       </p:grpSpPr>
       <p:sp>
         <p:nvSpPr>
-          <p:cNvPr id="348" name="PlaceHolder 1"/>
+          <p:cNvPr id="345" name="PlaceHolder 1"/>
           <p:cNvSpPr>
             <a:spLocks noGrp="1"/>
           </p:cNvSpPr>
@@ -18878,7 +18878,7 @@
         <p:spPr>
           <a:xfrm>
             <a:off x="685800" y="4343400"/>
-            <a:ext cx="5482800" cy="4111200"/>
+            <a:ext cx="5482440" cy="4110840"/>
           </a:xfrm>
           <a:prstGeom prst="rect">
             <a:avLst/>
@@ -18947,7 +18947,7 @@
               </a:rPr>
               <a:t>，它是一種網路架構風格，他並不是一種標準。</a:t>
             </a:r>
-            <a:endParaRPr b="0" lang="en-US" sz="1800" spc="-1" strike="noStrike">
+            <a:endParaRPr b="0" lang="en-US" sz="2000" spc="-1" strike="noStrike">
               <a:solidFill>
                 <a:srgbClr val="000000"/>
               </a:solidFill>
@@ -19140,20 +19140,20 @@
               </a:rPr>
               <a:t>RESTful</a:t>
             </a:r>
-            <a:endParaRPr b="0" lang="en-US" sz="1800" spc="-1" strike="noStrike">
-              <a:solidFill>
-                <a:srgbClr val="000000"/>
-              </a:solidFill>
-              <a:uFill>
-                <a:solidFill>
-                  <a:srgbClr val="ffffff"/>
-                </a:solidFill>
-              </a:uFill>
-              <a:latin typeface="Arial"/>
-            </a:endParaRPr>
-          </a:p>
-          <a:p>
-            <a:endParaRPr b="0" lang="en-US" sz="1800" spc="-1" strike="noStrike">
+            <a:endParaRPr b="0" lang="en-US" sz="2000" spc="-1" strike="noStrike">
+              <a:solidFill>
+                <a:srgbClr val="000000"/>
+              </a:solidFill>
+              <a:uFill>
+                <a:solidFill>
+                  <a:srgbClr val="ffffff"/>
+                </a:solidFill>
+              </a:uFill>
+              <a:latin typeface="Arial"/>
+            </a:endParaRPr>
+          </a:p>
+          <a:p>
+            <a:endParaRPr b="0" lang="en-US" sz="2000" spc="-1" strike="noStrike">
               <a:solidFill>
                 <a:srgbClr val="000000"/>
               </a:solidFill>
@@ -19211,7 +19211,7 @@
               </a:rPr>
               <a:t>:</a:t>
             </a:r>
-            <a:endParaRPr b="0" lang="en-US" sz="1800" spc="-1" strike="noStrike">
+            <a:endParaRPr b="0" lang="en-US" sz="2000" spc="-1" strike="noStrike">
               <a:solidFill>
                 <a:srgbClr val="000000"/>
               </a:solidFill>
@@ -19284,7 +19284,7 @@
               </a:rPr>
               <a:t>端</a:t>
             </a:r>
-            <a:endParaRPr b="0" lang="en-US" sz="1800" spc="-1" strike="noStrike">
+            <a:endParaRPr b="0" lang="en-US" sz="2000" spc="-1" strike="noStrike">
               <a:solidFill>
                 <a:srgbClr val="000000"/>
               </a:solidFill>
@@ -19357,7 +19357,7 @@
               </a:rPr>
               <a:t>來達到更快的回應速度</a:t>
             </a:r>
-            <a:endParaRPr b="0" lang="en-US" sz="1800" spc="-1" strike="noStrike">
+            <a:endParaRPr b="0" lang="en-US" sz="2000" spc="-1" strike="noStrike">
               <a:solidFill>
                 <a:srgbClr val="000000"/>
               </a:solidFill>
@@ -19400,7 +19400,7 @@
               </a:rPr>
               <a:t>界面與資料分離</a:t>
             </a:r>
-            <a:endParaRPr b="0" lang="en-US" sz="1800" spc="-1" strike="noStrike">
+            <a:endParaRPr b="0" lang="en-US" sz="2000" spc="-1" strike="noStrike">
               <a:solidFill>
                 <a:srgbClr val="000000"/>
               </a:solidFill>
@@ -19443,7 +19443,7 @@
               </a:rPr>
               <a:t>節省伺服器的計算資源</a:t>
             </a:r>
-            <a:endParaRPr b="0" lang="en-US" sz="1800" spc="-1" strike="noStrike">
+            <a:endParaRPr b="0" lang="en-US" sz="2000" spc="-1" strike="noStrike">
               <a:solidFill>
                 <a:srgbClr val="000000"/>
               </a:solidFill>
@@ -19561,20 +19561,20 @@
               </a:rPr>
               <a:t>!</a:t>
             </a:r>
-            <a:endParaRPr b="0" lang="en-US" sz="1800" spc="-1" strike="noStrike">
-              <a:solidFill>
-                <a:srgbClr val="000000"/>
-              </a:solidFill>
-              <a:uFill>
-                <a:solidFill>
-                  <a:srgbClr val="ffffff"/>
-                </a:solidFill>
-              </a:uFill>
-              <a:latin typeface="Arial"/>
-            </a:endParaRPr>
-          </a:p>
-          <a:p>
-            <a:endParaRPr b="0" lang="en-US" sz="1800" spc="-1" strike="noStrike">
+            <a:endParaRPr b="0" lang="en-US" sz="2000" spc="-1" strike="noStrike">
+              <a:solidFill>
+                <a:srgbClr val="000000"/>
+              </a:solidFill>
+              <a:uFill>
+                <a:solidFill>
+                  <a:srgbClr val="ffffff"/>
+                </a:solidFill>
+              </a:uFill>
+              <a:latin typeface="Arial"/>
+            </a:endParaRPr>
+          </a:p>
+          <a:p>
+            <a:endParaRPr b="0" lang="en-US" sz="2000" spc="-1" strike="noStrike">
               <a:solidFill>
                 <a:srgbClr val="000000"/>
               </a:solidFill>
@@ -19590,14 +19590,14 @@
       </p:sp>
       <p:sp>
         <p:nvSpPr>
-          <p:cNvPr id="349" name="CustomShape 2"/>
+          <p:cNvPr id="346" name="CustomShape 2"/>
           <p:cNvSpPr/>
           <p:nvPr/>
         </p:nvSpPr>
         <p:spPr>
           <a:xfrm>
             <a:off x="3884760" y="8685360"/>
-            <a:ext cx="2968200" cy="453600"/>
+            <a:ext cx="2967840" cy="453240"/>
           </a:xfrm>
           <a:prstGeom prst="rect">
             <a:avLst/>
@@ -19638,7 +19638,7 @@
       </p:grpSpPr>
       <p:sp>
         <p:nvSpPr>
-          <p:cNvPr id="350" name="PlaceHolder 1"/>
+          <p:cNvPr id="347" name="PlaceHolder 1"/>
           <p:cNvSpPr>
             <a:spLocks noGrp="1"/>
           </p:cNvSpPr>
@@ -19649,7 +19649,7 @@
         <p:spPr>
           <a:xfrm>
             <a:off x="685800" y="4343400"/>
-            <a:ext cx="5482800" cy="4111200"/>
+            <a:ext cx="5482440" cy="4110840"/>
           </a:xfrm>
           <a:prstGeom prst="rect">
             <a:avLst/>
@@ -19718,7 +19718,7 @@
               </a:rPr>
               <a:t>，它是一種網路架構風格，他並不是一種標準。</a:t>
             </a:r>
-            <a:endParaRPr b="0" lang="en-US" sz="1800" spc="-1" strike="noStrike">
+            <a:endParaRPr b="0" lang="en-US" sz="2000" spc="-1" strike="noStrike">
               <a:solidFill>
                 <a:srgbClr val="000000"/>
               </a:solidFill>
@@ -19911,20 +19911,20 @@
               </a:rPr>
               <a:t>RESTful</a:t>
             </a:r>
-            <a:endParaRPr b="0" lang="en-US" sz="1800" spc="-1" strike="noStrike">
-              <a:solidFill>
-                <a:srgbClr val="000000"/>
-              </a:solidFill>
-              <a:uFill>
-                <a:solidFill>
-                  <a:srgbClr val="ffffff"/>
-                </a:solidFill>
-              </a:uFill>
-              <a:latin typeface="Arial"/>
-            </a:endParaRPr>
-          </a:p>
-          <a:p>
-            <a:endParaRPr b="0" lang="en-US" sz="1800" spc="-1" strike="noStrike">
+            <a:endParaRPr b="0" lang="en-US" sz="2000" spc="-1" strike="noStrike">
+              <a:solidFill>
+                <a:srgbClr val="000000"/>
+              </a:solidFill>
+              <a:uFill>
+                <a:solidFill>
+                  <a:srgbClr val="ffffff"/>
+                </a:solidFill>
+              </a:uFill>
+              <a:latin typeface="Arial"/>
+            </a:endParaRPr>
+          </a:p>
+          <a:p>
+            <a:endParaRPr b="0" lang="en-US" sz="2000" spc="-1" strike="noStrike">
               <a:solidFill>
                 <a:srgbClr val="000000"/>
               </a:solidFill>
@@ -19982,7 +19982,7 @@
               </a:rPr>
               <a:t>:</a:t>
             </a:r>
-            <a:endParaRPr b="0" lang="en-US" sz="1800" spc="-1" strike="noStrike">
+            <a:endParaRPr b="0" lang="en-US" sz="2000" spc="-1" strike="noStrike">
               <a:solidFill>
                 <a:srgbClr val="000000"/>
               </a:solidFill>
@@ -20055,7 +20055,7 @@
               </a:rPr>
               <a:t>端</a:t>
             </a:r>
-            <a:endParaRPr b="0" lang="en-US" sz="1800" spc="-1" strike="noStrike">
+            <a:endParaRPr b="0" lang="en-US" sz="2000" spc="-1" strike="noStrike">
               <a:solidFill>
                 <a:srgbClr val="000000"/>
               </a:solidFill>
@@ -20128,7 +20128,7 @@
               </a:rPr>
               <a:t>來達到更快的回應速度</a:t>
             </a:r>
-            <a:endParaRPr b="0" lang="en-US" sz="1800" spc="-1" strike="noStrike">
+            <a:endParaRPr b="0" lang="en-US" sz="2000" spc="-1" strike="noStrike">
               <a:solidFill>
                 <a:srgbClr val="000000"/>
               </a:solidFill>
@@ -20171,7 +20171,7 @@
               </a:rPr>
               <a:t>界面與資料分離</a:t>
             </a:r>
-            <a:endParaRPr b="0" lang="en-US" sz="1800" spc="-1" strike="noStrike">
+            <a:endParaRPr b="0" lang="en-US" sz="2000" spc="-1" strike="noStrike">
               <a:solidFill>
                 <a:srgbClr val="000000"/>
               </a:solidFill>
@@ -20214,7 +20214,7 @@
               </a:rPr>
               <a:t>節省伺服器的計算資源</a:t>
             </a:r>
-            <a:endParaRPr b="0" lang="en-US" sz="1800" spc="-1" strike="noStrike">
+            <a:endParaRPr b="0" lang="en-US" sz="2000" spc="-1" strike="noStrike">
               <a:solidFill>
                 <a:srgbClr val="000000"/>
               </a:solidFill>
@@ -20332,20 +20332,20 @@
               </a:rPr>
               <a:t>!</a:t>
             </a:r>
-            <a:endParaRPr b="0" lang="en-US" sz="1800" spc="-1" strike="noStrike">
-              <a:solidFill>
-                <a:srgbClr val="000000"/>
-              </a:solidFill>
-              <a:uFill>
-                <a:solidFill>
-                  <a:srgbClr val="ffffff"/>
-                </a:solidFill>
-              </a:uFill>
-              <a:latin typeface="Arial"/>
-            </a:endParaRPr>
-          </a:p>
-          <a:p>
-            <a:endParaRPr b="0" lang="en-US" sz="1800" spc="-1" strike="noStrike">
+            <a:endParaRPr b="0" lang="en-US" sz="2000" spc="-1" strike="noStrike">
+              <a:solidFill>
+                <a:srgbClr val="000000"/>
+              </a:solidFill>
+              <a:uFill>
+                <a:solidFill>
+                  <a:srgbClr val="ffffff"/>
+                </a:solidFill>
+              </a:uFill>
+              <a:latin typeface="Arial"/>
+            </a:endParaRPr>
+          </a:p>
+          <a:p>
+            <a:endParaRPr b="0" lang="en-US" sz="2000" spc="-1" strike="noStrike">
               <a:solidFill>
                 <a:srgbClr val="000000"/>
               </a:solidFill>
@@ -20361,14 +20361,14 @@
       </p:sp>
       <p:sp>
         <p:nvSpPr>
-          <p:cNvPr id="351" name="CustomShape 2"/>
+          <p:cNvPr id="348" name="CustomShape 2"/>
           <p:cNvSpPr/>
           <p:nvPr/>
         </p:nvSpPr>
         <p:spPr>
           <a:xfrm>
             <a:off x="3884760" y="8685360"/>
-            <a:ext cx="2968200" cy="453600"/>
+            <a:ext cx="2967840" cy="453240"/>
           </a:xfrm>
           <a:prstGeom prst="rect">
             <a:avLst/>
@@ -20409,7 +20409,7 @@
       </p:grpSpPr>
       <p:sp>
         <p:nvSpPr>
-          <p:cNvPr id="352" name="PlaceHolder 1"/>
+          <p:cNvPr id="349" name="PlaceHolder 1"/>
           <p:cNvSpPr>
             <a:spLocks noGrp="1"/>
           </p:cNvSpPr>
@@ -20420,7 +20420,7 @@
         <p:spPr>
           <a:xfrm>
             <a:off x="685800" y="4343400"/>
-            <a:ext cx="5482800" cy="4111200"/>
+            <a:ext cx="5482440" cy="4110840"/>
           </a:xfrm>
           <a:prstGeom prst="rect">
             <a:avLst/>
@@ -20489,7 +20489,7 @@
               </a:rPr>
               <a:t>，它是一種網路架構風格，他並不是一種標準。</a:t>
             </a:r>
-            <a:endParaRPr b="0" lang="en-US" sz="1800" spc="-1" strike="noStrike">
+            <a:endParaRPr b="0" lang="en-US" sz="2000" spc="-1" strike="noStrike">
               <a:solidFill>
                 <a:srgbClr val="000000"/>
               </a:solidFill>
@@ -20682,20 +20682,20 @@
               </a:rPr>
               <a:t>RESTful</a:t>
             </a:r>
-            <a:endParaRPr b="0" lang="en-US" sz="1800" spc="-1" strike="noStrike">
-              <a:solidFill>
-                <a:srgbClr val="000000"/>
-              </a:solidFill>
-              <a:uFill>
-                <a:solidFill>
-                  <a:srgbClr val="ffffff"/>
-                </a:solidFill>
-              </a:uFill>
-              <a:latin typeface="Arial"/>
-            </a:endParaRPr>
-          </a:p>
-          <a:p>
-            <a:endParaRPr b="0" lang="en-US" sz="1800" spc="-1" strike="noStrike">
+            <a:endParaRPr b="0" lang="en-US" sz="2000" spc="-1" strike="noStrike">
+              <a:solidFill>
+                <a:srgbClr val="000000"/>
+              </a:solidFill>
+              <a:uFill>
+                <a:solidFill>
+                  <a:srgbClr val="ffffff"/>
+                </a:solidFill>
+              </a:uFill>
+              <a:latin typeface="Arial"/>
+            </a:endParaRPr>
+          </a:p>
+          <a:p>
+            <a:endParaRPr b="0" lang="en-US" sz="2000" spc="-1" strike="noStrike">
               <a:solidFill>
                 <a:srgbClr val="000000"/>
               </a:solidFill>
@@ -20753,7 +20753,7 @@
               </a:rPr>
               <a:t>:</a:t>
             </a:r>
-            <a:endParaRPr b="0" lang="en-US" sz="1800" spc="-1" strike="noStrike">
+            <a:endParaRPr b="0" lang="en-US" sz="2000" spc="-1" strike="noStrike">
               <a:solidFill>
                 <a:srgbClr val="000000"/>
               </a:solidFill>
@@ -20826,7 +20826,7 @@
               </a:rPr>
               <a:t>端</a:t>
             </a:r>
-            <a:endParaRPr b="0" lang="en-US" sz="1800" spc="-1" strike="noStrike">
+            <a:endParaRPr b="0" lang="en-US" sz="2000" spc="-1" strike="noStrike">
               <a:solidFill>
                 <a:srgbClr val="000000"/>
               </a:solidFill>
@@ -20899,7 +20899,7 @@
               </a:rPr>
               <a:t>來達到更快的回應速度</a:t>
             </a:r>
-            <a:endParaRPr b="0" lang="en-US" sz="1800" spc="-1" strike="noStrike">
+            <a:endParaRPr b="0" lang="en-US" sz="2000" spc="-1" strike="noStrike">
               <a:solidFill>
                 <a:srgbClr val="000000"/>
               </a:solidFill>
@@ -20942,7 +20942,7 @@
               </a:rPr>
               <a:t>界面與資料分離</a:t>
             </a:r>
-            <a:endParaRPr b="0" lang="en-US" sz="1800" spc="-1" strike="noStrike">
+            <a:endParaRPr b="0" lang="en-US" sz="2000" spc="-1" strike="noStrike">
               <a:solidFill>
                 <a:srgbClr val="000000"/>
               </a:solidFill>
@@ -20985,7 +20985,7 @@
               </a:rPr>
               <a:t>節省伺服器的計算資源</a:t>
             </a:r>
-            <a:endParaRPr b="0" lang="en-US" sz="1800" spc="-1" strike="noStrike">
+            <a:endParaRPr b="0" lang="en-US" sz="2000" spc="-1" strike="noStrike">
               <a:solidFill>
                 <a:srgbClr val="000000"/>
               </a:solidFill>
@@ -21103,20 +21103,20 @@
               </a:rPr>
               <a:t>!</a:t>
             </a:r>
-            <a:endParaRPr b="0" lang="en-US" sz="1800" spc="-1" strike="noStrike">
-              <a:solidFill>
-                <a:srgbClr val="000000"/>
-              </a:solidFill>
-              <a:uFill>
-                <a:solidFill>
-                  <a:srgbClr val="ffffff"/>
-                </a:solidFill>
-              </a:uFill>
-              <a:latin typeface="Arial"/>
-            </a:endParaRPr>
-          </a:p>
-          <a:p>
-            <a:endParaRPr b="0" lang="en-US" sz="1800" spc="-1" strike="noStrike">
+            <a:endParaRPr b="0" lang="en-US" sz="2000" spc="-1" strike="noStrike">
+              <a:solidFill>
+                <a:srgbClr val="000000"/>
+              </a:solidFill>
+              <a:uFill>
+                <a:solidFill>
+                  <a:srgbClr val="ffffff"/>
+                </a:solidFill>
+              </a:uFill>
+              <a:latin typeface="Arial"/>
+            </a:endParaRPr>
+          </a:p>
+          <a:p>
+            <a:endParaRPr b="0" lang="en-US" sz="2000" spc="-1" strike="noStrike">
               <a:solidFill>
                 <a:srgbClr val="000000"/>
               </a:solidFill>
@@ -21132,14 +21132,14 @@
       </p:sp>
       <p:sp>
         <p:nvSpPr>
-          <p:cNvPr id="353" name="CustomShape 2"/>
+          <p:cNvPr id="350" name="CustomShape 2"/>
           <p:cNvSpPr/>
           <p:nvPr/>
         </p:nvSpPr>
         <p:spPr>
           <a:xfrm>
             <a:off x="3884760" y="8685360"/>
-            <a:ext cx="2968200" cy="453600"/>
+            <a:ext cx="2967840" cy="453240"/>
           </a:xfrm>
           <a:prstGeom prst="rect">
             <a:avLst/>
@@ -21180,7 +21180,7 @@
       </p:grpSpPr>
       <p:sp>
         <p:nvSpPr>
-          <p:cNvPr id="354" name="PlaceHolder 1"/>
+          <p:cNvPr id="351" name="PlaceHolder 1"/>
           <p:cNvSpPr>
             <a:spLocks noGrp="1"/>
           </p:cNvSpPr>
@@ -21191,7 +21191,7 @@
         <p:spPr>
           <a:xfrm>
             <a:off x="685800" y="4343400"/>
-            <a:ext cx="5482800" cy="4111200"/>
+            <a:ext cx="5482440" cy="4110840"/>
           </a:xfrm>
           <a:prstGeom prst="rect">
             <a:avLst/>
@@ -21260,7 +21260,7 @@
               </a:rPr>
               <a:t>，它是一種網路架構風格，他並不是一種標準。</a:t>
             </a:r>
-            <a:endParaRPr b="0" lang="en-US" sz="1800" spc="-1" strike="noStrike">
+            <a:endParaRPr b="0" lang="en-US" sz="2000" spc="-1" strike="noStrike">
               <a:solidFill>
                 <a:srgbClr val="000000"/>
               </a:solidFill>
@@ -21453,20 +21453,20 @@
               </a:rPr>
               <a:t>RESTful</a:t>
             </a:r>
-            <a:endParaRPr b="0" lang="en-US" sz="1800" spc="-1" strike="noStrike">
-              <a:solidFill>
-                <a:srgbClr val="000000"/>
-              </a:solidFill>
-              <a:uFill>
-                <a:solidFill>
-                  <a:srgbClr val="ffffff"/>
-                </a:solidFill>
-              </a:uFill>
-              <a:latin typeface="Arial"/>
-            </a:endParaRPr>
-          </a:p>
-          <a:p>
-            <a:endParaRPr b="0" lang="en-US" sz="1800" spc="-1" strike="noStrike">
+            <a:endParaRPr b="0" lang="en-US" sz="2000" spc="-1" strike="noStrike">
+              <a:solidFill>
+                <a:srgbClr val="000000"/>
+              </a:solidFill>
+              <a:uFill>
+                <a:solidFill>
+                  <a:srgbClr val="ffffff"/>
+                </a:solidFill>
+              </a:uFill>
+              <a:latin typeface="Arial"/>
+            </a:endParaRPr>
+          </a:p>
+          <a:p>
+            <a:endParaRPr b="0" lang="en-US" sz="2000" spc="-1" strike="noStrike">
               <a:solidFill>
                 <a:srgbClr val="000000"/>
               </a:solidFill>
@@ -21524,7 +21524,7 @@
               </a:rPr>
               <a:t>:</a:t>
             </a:r>
-            <a:endParaRPr b="0" lang="en-US" sz="1800" spc="-1" strike="noStrike">
+            <a:endParaRPr b="0" lang="en-US" sz="2000" spc="-1" strike="noStrike">
               <a:solidFill>
                 <a:srgbClr val="000000"/>
               </a:solidFill>
@@ -21597,7 +21597,7 @@
               </a:rPr>
               <a:t>端</a:t>
             </a:r>
-            <a:endParaRPr b="0" lang="en-US" sz="1800" spc="-1" strike="noStrike">
+            <a:endParaRPr b="0" lang="en-US" sz="2000" spc="-1" strike="noStrike">
               <a:solidFill>
                 <a:srgbClr val="000000"/>
               </a:solidFill>
@@ -21670,7 +21670,7 @@
               </a:rPr>
               <a:t>來達到更快的回應速度</a:t>
             </a:r>
-            <a:endParaRPr b="0" lang="en-US" sz="1800" spc="-1" strike="noStrike">
+            <a:endParaRPr b="0" lang="en-US" sz="2000" spc="-1" strike="noStrike">
               <a:solidFill>
                 <a:srgbClr val="000000"/>
               </a:solidFill>
@@ -21713,7 +21713,7 @@
               </a:rPr>
               <a:t>界面與資料分離</a:t>
             </a:r>
-            <a:endParaRPr b="0" lang="en-US" sz="1800" spc="-1" strike="noStrike">
+            <a:endParaRPr b="0" lang="en-US" sz="2000" spc="-1" strike="noStrike">
               <a:solidFill>
                 <a:srgbClr val="000000"/>
               </a:solidFill>
@@ -21756,7 +21756,7 @@
               </a:rPr>
               <a:t>節省伺服器的計算資源</a:t>
             </a:r>
-            <a:endParaRPr b="0" lang="en-US" sz="1800" spc="-1" strike="noStrike">
+            <a:endParaRPr b="0" lang="en-US" sz="2000" spc="-1" strike="noStrike">
               <a:solidFill>
                 <a:srgbClr val="000000"/>
               </a:solidFill>
@@ -21874,20 +21874,20 @@
               </a:rPr>
               <a:t>!</a:t>
             </a:r>
-            <a:endParaRPr b="0" lang="en-US" sz="1800" spc="-1" strike="noStrike">
-              <a:solidFill>
-                <a:srgbClr val="000000"/>
-              </a:solidFill>
-              <a:uFill>
-                <a:solidFill>
-                  <a:srgbClr val="ffffff"/>
-                </a:solidFill>
-              </a:uFill>
-              <a:latin typeface="Arial"/>
-            </a:endParaRPr>
-          </a:p>
-          <a:p>
-            <a:endParaRPr b="0" lang="en-US" sz="1800" spc="-1" strike="noStrike">
+            <a:endParaRPr b="0" lang="en-US" sz="2000" spc="-1" strike="noStrike">
+              <a:solidFill>
+                <a:srgbClr val="000000"/>
+              </a:solidFill>
+              <a:uFill>
+                <a:solidFill>
+                  <a:srgbClr val="ffffff"/>
+                </a:solidFill>
+              </a:uFill>
+              <a:latin typeface="Arial"/>
+            </a:endParaRPr>
+          </a:p>
+          <a:p>
+            <a:endParaRPr b="0" lang="en-US" sz="2000" spc="-1" strike="noStrike">
               <a:solidFill>
                 <a:srgbClr val="000000"/>
               </a:solidFill>
@@ -21903,14 +21903,14 @@
       </p:sp>
       <p:sp>
         <p:nvSpPr>
-          <p:cNvPr id="355" name="CustomShape 2"/>
+          <p:cNvPr id="352" name="CustomShape 2"/>
           <p:cNvSpPr/>
           <p:nvPr/>
         </p:nvSpPr>
         <p:spPr>
           <a:xfrm>
             <a:off x="3884760" y="8685360"/>
-            <a:ext cx="2968200" cy="453600"/>
+            <a:ext cx="2967840" cy="453240"/>
           </a:xfrm>
           <a:prstGeom prst="rect">
             <a:avLst/>
@@ -21951,7 +21951,7 @@
       </p:grpSpPr>
       <p:sp>
         <p:nvSpPr>
-          <p:cNvPr id="288" name="PlaceHolder 1"/>
+          <p:cNvPr id="285" name="PlaceHolder 1"/>
           <p:cNvSpPr>
             <a:spLocks noGrp="1"/>
           </p:cNvSpPr>
@@ -21962,7 +21962,7 @@
         <p:spPr>
           <a:xfrm>
             <a:off x="685800" y="4343400"/>
-            <a:ext cx="5482800" cy="4111200"/>
+            <a:ext cx="5482440" cy="4110840"/>
           </a:xfrm>
           <a:prstGeom prst="rect">
             <a:avLst/>
@@ -22674,14 +22674,14 @@
       </p:sp>
       <p:sp>
         <p:nvSpPr>
-          <p:cNvPr id="289" name="CustomShape 2"/>
+          <p:cNvPr id="286" name="CustomShape 2"/>
           <p:cNvSpPr/>
           <p:nvPr/>
         </p:nvSpPr>
         <p:spPr>
           <a:xfrm>
             <a:off x="3884760" y="8685360"/>
-            <a:ext cx="2968200" cy="453600"/>
+            <a:ext cx="2967840" cy="453240"/>
           </a:xfrm>
           <a:prstGeom prst="rect">
             <a:avLst/>
@@ -22722,7 +22722,7 @@
       </p:grpSpPr>
       <p:sp>
         <p:nvSpPr>
-          <p:cNvPr id="356" name="PlaceHolder 1"/>
+          <p:cNvPr id="353" name="PlaceHolder 1"/>
           <p:cNvSpPr>
             <a:spLocks noGrp="1"/>
           </p:cNvSpPr>
@@ -22733,7 +22733,7 @@
         <p:spPr>
           <a:xfrm>
             <a:off x="685800" y="4343400"/>
-            <a:ext cx="5482800" cy="4111200"/>
+            <a:ext cx="5482440" cy="4110840"/>
           </a:xfrm>
           <a:prstGeom prst="rect">
             <a:avLst/>
@@ -23445,14 +23445,14 @@
       </p:sp>
       <p:sp>
         <p:nvSpPr>
-          <p:cNvPr id="357" name="CustomShape 2"/>
+          <p:cNvPr id="354" name="CustomShape 2"/>
           <p:cNvSpPr/>
           <p:nvPr/>
         </p:nvSpPr>
         <p:spPr>
           <a:xfrm>
             <a:off x="3884760" y="8685360"/>
-            <a:ext cx="2968200" cy="453600"/>
+            <a:ext cx="2967840" cy="453240"/>
           </a:xfrm>
           <a:prstGeom prst="rect">
             <a:avLst/>
@@ -23493,7 +23493,7 @@
       </p:grpSpPr>
       <p:sp>
         <p:nvSpPr>
-          <p:cNvPr id="358" name="PlaceHolder 1"/>
+          <p:cNvPr id="355" name="PlaceHolder 1"/>
           <p:cNvSpPr>
             <a:spLocks noGrp="1"/>
           </p:cNvSpPr>
@@ -23504,7 +23504,7 @@
         <p:spPr>
           <a:xfrm>
             <a:off x="685800" y="4343400"/>
-            <a:ext cx="5482800" cy="4111200"/>
+            <a:ext cx="5482440" cy="4110840"/>
           </a:xfrm>
           <a:prstGeom prst="rect">
             <a:avLst/>
@@ -23573,7 +23573,7 @@
               </a:rPr>
               <a:t>，它是一種網路架構風格，他並不是一種標準。</a:t>
             </a:r>
-            <a:endParaRPr b="0" lang="en-US" sz="1800" spc="-1" strike="noStrike">
+            <a:endParaRPr b="0" lang="en-US" sz="2000" spc="-1" strike="noStrike">
               <a:solidFill>
                 <a:srgbClr val="000000"/>
               </a:solidFill>
@@ -23766,20 +23766,20 @@
               </a:rPr>
               <a:t>RESTful</a:t>
             </a:r>
-            <a:endParaRPr b="0" lang="en-US" sz="1800" spc="-1" strike="noStrike">
-              <a:solidFill>
-                <a:srgbClr val="000000"/>
-              </a:solidFill>
-              <a:uFill>
-                <a:solidFill>
-                  <a:srgbClr val="ffffff"/>
-                </a:solidFill>
-              </a:uFill>
-              <a:latin typeface="Arial"/>
-            </a:endParaRPr>
-          </a:p>
-          <a:p>
-            <a:endParaRPr b="0" lang="en-US" sz="1800" spc="-1" strike="noStrike">
+            <a:endParaRPr b="0" lang="en-US" sz="2000" spc="-1" strike="noStrike">
+              <a:solidFill>
+                <a:srgbClr val="000000"/>
+              </a:solidFill>
+              <a:uFill>
+                <a:solidFill>
+                  <a:srgbClr val="ffffff"/>
+                </a:solidFill>
+              </a:uFill>
+              <a:latin typeface="Arial"/>
+            </a:endParaRPr>
+          </a:p>
+          <a:p>
+            <a:endParaRPr b="0" lang="en-US" sz="2000" spc="-1" strike="noStrike">
               <a:solidFill>
                 <a:srgbClr val="000000"/>
               </a:solidFill>
@@ -23837,7 +23837,7 @@
               </a:rPr>
               <a:t>:</a:t>
             </a:r>
-            <a:endParaRPr b="0" lang="en-US" sz="1800" spc="-1" strike="noStrike">
+            <a:endParaRPr b="0" lang="en-US" sz="2000" spc="-1" strike="noStrike">
               <a:solidFill>
                 <a:srgbClr val="000000"/>
               </a:solidFill>
@@ -23910,7 +23910,7 @@
               </a:rPr>
               <a:t>端</a:t>
             </a:r>
-            <a:endParaRPr b="0" lang="en-US" sz="1800" spc="-1" strike="noStrike">
+            <a:endParaRPr b="0" lang="en-US" sz="2000" spc="-1" strike="noStrike">
               <a:solidFill>
                 <a:srgbClr val="000000"/>
               </a:solidFill>
@@ -23983,7 +23983,7 @@
               </a:rPr>
               <a:t>來達到更快的回應速度</a:t>
             </a:r>
-            <a:endParaRPr b="0" lang="en-US" sz="1800" spc="-1" strike="noStrike">
+            <a:endParaRPr b="0" lang="en-US" sz="2000" spc="-1" strike="noStrike">
               <a:solidFill>
                 <a:srgbClr val="000000"/>
               </a:solidFill>
@@ -24026,7 +24026,7 @@
               </a:rPr>
               <a:t>界面與資料分離</a:t>
             </a:r>
-            <a:endParaRPr b="0" lang="en-US" sz="1800" spc="-1" strike="noStrike">
+            <a:endParaRPr b="0" lang="en-US" sz="2000" spc="-1" strike="noStrike">
               <a:solidFill>
                 <a:srgbClr val="000000"/>
               </a:solidFill>
@@ -24069,7 +24069,7 @@
               </a:rPr>
               <a:t>節省伺服器的計算資源</a:t>
             </a:r>
-            <a:endParaRPr b="0" lang="en-US" sz="1800" spc="-1" strike="noStrike">
+            <a:endParaRPr b="0" lang="en-US" sz="2000" spc="-1" strike="noStrike">
               <a:solidFill>
                 <a:srgbClr val="000000"/>
               </a:solidFill>
@@ -24187,20 +24187,20 @@
               </a:rPr>
               <a:t>!</a:t>
             </a:r>
-            <a:endParaRPr b="0" lang="en-US" sz="1800" spc="-1" strike="noStrike">
-              <a:solidFill>
-                <a:srgbClr val="000000"/>
-              </a:solidFill>
-              <a:uFill>
-                <a:solidFill>
-                  <a:srgbClr val="ffffff"/>
-                </a:solidFill>
-              </a:uFill>
-              <a:latin typeface="Arial"/>
-            </a:endParaRPr>
-          </a:p>
-          <a:p>
-            <a:endParaRPr b="0" lang="en-US" sz="1800" spc="-1" strike="noStrike">
+            <a:endParaRPr b="0" lang="en-US" sz="2000" spc="-1" strike="noStrike">
+              <a:solidFill>
+                <a:srgbClr val="000000"/>
+              </a:solidFill>
+              <a:uFill>
+                <a:solidFill>
+                  <a:srgbClr val="ffffff"/>
+                </a:solidFill>
+              </a:uFill>
+              <a:latin typeface="Arial"/>
+            </a:endParaRPr>
+          </a:p>
+          <a:p>
+            <a:endParaRPr b="0" lang="en-US" sz="2000" spc="-1" strike="noStrike">
               <a:solidFill>
                 <a:srgbClr val="000000"/>
               </a:solidFill>
@@ -24216,14 +24216,14 @@
       </p:sp>
       <p:sp>
         <p:nvSpPr>
-          <p:cNvPr id="359" name="CustomShape 2"/>
+          <p:cNvPr id="356" name="CustomShape 2"/>
           <p:cNvSpPr/>
           <p:nvPr/>
         </p:nvSpPr>
         <p:spPr>
           <a:xfrm>
             <a:off x="3884760" y="8685360"/>
-            <a:ext cx="2968200" cy="453600"/>
+            <a:ext cx="2967840" cy="453240"/>
           </a:xfrm>
           <a:prstGeom prst="rect">
             <a:avLst/>
@@ -24264,7 +24264,7 @@
       </p:grpSpPr>
       <p:sp>
         <p:nvSpPr>
-          <p:cNvPr id="360" name="PlaceHolder 1"/>
+          <p:cNvPr id="357" name="PlaceHolder 1"/>
           <p:cNvSpPr>
             <a:spLocks noGrp="1"/>
           </p:cNvSpPr>
@@ -24275,7 +24275,7 @@
         <p:spPr>
           <a:xfrm>
             <a:off x="685800" y="4343400"/>
-            <a:ext cx="5482800" cy="4111200"/>
+            <a:ext cx="5482440" cy="4110840"/>
           </a:xfrm>
           <a:prstGeom prst="rect">
             <a:avLst/>
@@ -24344,7 +24344,7 @@
               </a:rPr>
               <a:t>，它是一種網路架構風格，他並不是一種標準。</a:t>
             </a:r>
-            <a:endParaRPr b="0" lang="en-US" sz="1800" spc="-1" strike="noStrike">
+            <a:endParaRPr b="0" lang="en-US" sz="2000" spc="-1" strike="noStrike">
               <a:solidFill>
                 <a:srgbClr val="000000"/>
               </a:solidFill>
@@ -24537,20 +24537,20 @@
               </a:rPr>
               <a:t>RESTful</a:t>
             </a:r>
-            <a:endParaRPr b="0" lang="en-US" sz="1800" spc="-1" strike="noStrike">
-              <a:solidFill>
-                <a:srgbClr val="000000"/>
-              </a:solidFill>
-              <a:uFill>
-                <a:solidFill>
-                  <a:srgbClr val="ffffff"/>
-                </a:solidFill>
-              </a:uFill>
-              <a:latin typeface="Arial"/>
-            </a:endParaRPr>
-          </a:p>
-          <a:p>
-            <a:endParaRPr b="0" lang="en-US" sz="1800" spc="-1" strike="noStrike">
+            <a:endParaRPr b="0" lang="en-US" sz="2000" spc="-1" strike="noStrike">
+              <a:solidFill>
+                <a:srgbClr val="000000"/>
+              </a:solidFill>
+              <a:uFill>
+                <a:solidFill>
+                  <a:srgbClr val="ffffff"/>
+                </a:solidFill>
+              </a:uFill>
+              <a:latin typeface="Arial"/>
+            </a:endParaRPr>
+          </a:p>
+          <a:p>
+            <a:endParaRPr b="0" lang="en-US" sz="2000" spc="-1" strike="noStrike">
               <a:solidFill>
                 <a:srgbClr val="000000"/>
               </a:solidFill>
@@ -24608,7 +24608,7 @@
               </a:rPr>
               <a:t>:</a:t>
             </a:r>
-            <a:endParaRPr b="0" lang="en-US" sz="1800" spc="-1" strike="noStrike">
+            <a:endParaRPr b="0" lang="en-US" sz="2000" spc="-1" strike="noStrike">
               <a:solidFill>
                 <a:srgbClr val="000000"/>
               </a:solidFill>
@@ -24681,7 +24681,7 @@
               </a:rPr>
               <a:t>端</a:t>
             </a:r>
-            <a:endParaRPr b="0" lang="en-US" sz="1800" spc="-1" strike="noStrike">
+            <a:endParaRPr b="0" lang="en-US" sz="2000" spc="-1" strike="noStrike">
               <a:solidFill>
                 <a:srgbClr val="000000"/>
               </a:solidFill>
@@ -24754,7 +24754,7 @@
               </a:rPr>
               <a:t>來達到更快的回應速度</a:t>
             </a:r>
-            <a:endParaRPr b="0" lang="en-US" sz="1800" spc="-1" strike="noStrike">
+            <a:endParaRPr b="0" lang="en-US" sz="2000" spc="-1" strike="noStrike">
               <a:solidFill>
                 <a:srgbClr val="000000"/>
               </a:solidFill>
@@ -24797,7 +24797,7 @@
               </a:rPr>
               <a:t>界面與資料分離</a:t>
             </a:r>
-            <a:endParaRPr b="0" lang="en-US" sz="1800" spc="-1" strike="noStrike">
+            <a:endParaRPr b="0" lang="en-US" sz="2000" spc="-1" strike="noStrike">
               <a:solidFill>
                 <a:srgbClr val="000000"/>
               </a:solidFill>
@@ -24840,7 +24840,7 @@
               </a:rPr>
               <a:t>節省伺服器的計算資源</a:t>
             </a:r>
-            <a:endParaRPr b="0" lang="en-US" sz="1800" spc="-1" strike="noStrike">
+            <a:endParaRPr b="0" lang="en-US" sz="2000" spc="-1" strike="noStrike">
               <a:solidFill>
                 <a:srgbClr val="000000"/>
               </a:solidFill>
@@ -24958,20 +24958,20 @@
               </a:rPr>
               <a:t>!</a:t>
             </a:r>
-            <a:endParaRPr b="0" lang="en-US" sz="1800" spc="-1" strike="noStrike">
-              <a:solidFill>
-                <a:srgbClr val="000000"/>
-              </a:solidFill>
-              <a:uFill>
-                <a:solidFill>
-                  <a:srgbClr val="ffffff"/>
-                </a:solidFill>
-              </a:uFill>
-              <a:latin typeface="Arial"/>
-            </a:endParaRPr>
-          </a:p>
-          <a:p>
-            <a:endParaRPr b="0" lang="en-US" sz="1800" spc="-1" strike="noStrike">
+            <a:endParaRPr b="0" lang="en-US" sz="2000" spc="-1" strike="noStrike">
+              <a:solidFill>
+                <a:srgbClr val="000000"/>
+              </a:solidFill>
+              <a:uFill>
+                <a:solidFill>
+                  <a:srgbClr val="ffffff"/>
+                </a:solidFill>
+              </a:uFill>
+              <a:latin typeface="Arial"/>
+            </a:endParaRPr>
+          </a:p>
+          <a:p>
+            <a:endParaRPr b="0" lang="en-US" sz="2000" spc="-1" strike="noStrike">
               <a:solidFill>
                 <a:srgbClr val="000000"/>
               </a:solidFill>
@@ -24987,14 +24987,14 @@
       </p:sp>
       <p:sp>
         <p:nvSpPr>
-          <p:cNvPr id="361" name="CustomShape 2"/>
+          <p:cNvPr id="358" name="CustomShape 2"/>
           <p:cNvSpPr/>
           <p:nvPr/>
         </p:nvSpPr>
         <p:spPr>
           <a:xfrm>
             <a:off x="3884760" y="8685360"/>
-            <a:ext cx="2968200" cy="453600"/>
+            <a:ext cx="2967840" cy="453240"/>
           </a:xfrm>
           <a:prstGeom prst="rect">
             <a:avLst/>
@@ -25035,7 +25035,7 @@
       </p:grpSpPr>
       <p:sp>
         <p:nvSpPr>
-          <p:cNvPr id="362" name="PlaceHolder 1"/>
+          <p:cNvPr id="359" name="PlaceHolder 1"/>
           <p:cNvSpPr>
             <a:spLocks noGrp="1"/>
           </p:cNvSpPr>
@@ -25046,7 +25046,7 @@
         <p:spPr>
           <a:xfrm>
             <a:off x="685800" y="4343400"/>
-            <a:ext cx="5482800" cy="4111200"/>
+            <a:ext cx="5482440" cy="4110840"/>
           </a:xfrm>
           <a:prstGeom prst="rect">
             <a:avLst/>
@@ -25115,7 +25115,7 @@
               </a:rPr>
               <a:t>，它是一種網路架構風格，他並不是一種標準。</a:t>
             </a:r>
-            <a:endParaRPr b="0" lang="en-US" sz="1800" spc="-1" strike="noStrike">
+            <a:endParaRPr b="0" lang="en-US" sz="2000" spc="-1" strike="noStrike">
               <a:solidFill>
                 <a:srgbClr val="000000"/>
               </a:solidFill>
@@ -25308,20 +25308,20 @@
               </a:rPr>
               <a:t>RESTful</a:t>
             </a:r>
-            <a:endParaRPr b="0" lang="en-US" sz="1800" spc="-1" strike="noStrike">
-              <a:solidFill>
-                <a:srgbClr val="000000"/>
-              </a:solidFill>
-              <a:uFill>
-                <a:solidFill>
-                  <a:srgbClr val="ffffff"/>
-                </a:solidFill>
-              </a:uFill>
-              <a:latin typeface="Arial"/>
-            </a:endParaRPr>
-          </a:p>
-          <a:p>
-            <a:endParaRPr b="0" lang="en-US" sz="1800" spc="-1" strike="noStrike">
+            <a:endParaRPr b="0" lang="en-US" sz="2000" spc="-1" strike="noStrike">
+              <a:solidFill>
+                <a:srgbClr val="000000"/>
+              </a:solidFill>
+              <a:uFill>
+                <a:solidFill>
+                  <a:srgbClr val="ffffff"/>
+                </a:solidFill>
+              </a:uFill>
+              <a:latin typeface="Arial"/>
+            </a:endParaRPr>
+          </a:p>
+          <a:p>
+            <a:endParaRPr b="0" lang="en-US" sz="2000" spc="-1" strike="noStrike">
               <a:solidFill>
                 <a:srgbClr val="000000"/>
               </a:solidFill>
@@ -25379,7 +25379,7 @@
               </a:rPr>
               <a:t>:</a:t>
             </a:r>
-            <a:endParaRPr b="0" lang="en-US" sz="1800" spc="-1" strike="noStrike">
+            <a:endParaRPr b="0" lang="en-US" sz="2000" spc="-1" strike="noStrike">
               <a:solidFill>
                 <a:srgbClr val="000000"/>
               </a:solidFill>
@@ -25452,7 +25452,7 @@
               </a:rPr>
               <a:t>端</a:t>
             </a:r>
-            <a:endParaRPr b="0" lang="en-US" sz="1800" spc="-1" strike="noStrike">
+            <a:endParaRPr b="0" lang="en-US" sz="2000" spc="-1" strike="noStrike">
               <a:solidFill>
                 <a:srgbClr val="000000"/>
               </a:solidFill>
@@ -25525,7 +25525,7 @@
               </a:rPr>
               <a:t>來達到更快的回應速度</a:t>
             </a:r>
-            <a:endParaRPr b="0" lang="en-US" sz="1800" spc="-1" strike="noStrike">
+            <a:endParaRPr b="0" lang="en-US" sz="2000" spc="-1" strike="noStrike">
               <a:solidFill>
                 <a:srgbClr val="000000"/>
               </a:solidFill>
@@ -25568,7 +25568,7 @@
               </a:rPr>
               <a:t>界面與資料分離</a:t>
             </a:r>
-            <a:endParaRPr b="0" lang="en-US" sz="1800" spc="-1" strike="noStrike">
+            <a:endParaRPr b="0" lang="en-US" sz="2000" spc="-1" strike="noStrike">
               <a:solidFill>
                 <a:srgbClr val="000000"/>
               </a:solidFill>
@@ -25611,7 +25611,7 @@
               </a:rPr>
               <a:t>節省伺服器的計算資源</a:t>
             </a:r>
-            <a:endParaRPr b="0" lang="en-US" sz="1800" spc="-1" strike="noStrike">
+            <a:endParaRPr b="0" lang="en-US" sz="2000" spc="-1" strike="noStrike">
               <a:solidFill>
                 <a:srgbClr val="000000"/>
               </a:solidFill>
@@ -25729,20 +25729,20 @@
               </a:rPr>
               <a:t>!</a:t>
             </a:r>
-            <a:endParaRPr b="0" lang="en-US" sz="1800" spc="-1" strike="noStrike">
-              <a:solidFill>
-                <a:srgbClr val="000000"/>
-              </a:solidFill>
-              <a:uFill>
-                <a:solidFill>
-                  <a:srgbClr val="ffffff"/>
-                </a:solidFill>
-              </a:uFill>
-              <a:latin typeface="Arial"/>
-            </a:endParaRPr>
-          </a:p>
-          <a:p>
-            <a:endParaRPr b="0" lang="en-US" sz="1800" spc="-1" strike="noStrike">
+            <a:endParaRPr b="0" lang="en-US" sz="2000" spc="-1" strike="noStrike">
+              <a:solidFill>
+                <a:srgbClr val="000000"/>
+              </a:solidFill>
+              <a:uFill>
+                <a:solidFill>
+                  <a:srgbClr val="ffffff"/>
+                </a:solidFill>
+              </a:uFill>
+              <a:latin typeface="Arial"/>
+            </a:endParaRPr>
+          </a:p>
+          <a:p>
+            <a:endParaRPr b="0" lang="en-US" sz="2000" spc="-1" strike="noStrike">
               <a:solidFill>
                 <a:srgbClr val="000000"/>
               </a:solidFill>
@@ -25758,14 +25758,14 @@
       </p:sp>
       <p:sp>
         <p:nvSpPr>
-          <p:cNvPr id="363" name="CustomShape 2"/>
+          <p:cNvPr id="360" name="CustomShape 2"/>
           <p:cNvSpPr/>
           <p:nvPr/>
         </p:nvSpPr>
         <p:spPr>
           <a:xfrm>
             <a:off x="3884760" y="8685360"/>
-            <a:ext cx="2968200" cy="453600"/>
+            <a:ext cx="2967840" cy="453240"/>
           </a:xfrm>
           <a:prstGeom prst="rect">
             <a:avLst/>
@@ -25806,7 +25806,7 @@
       </p:grpSpPr>
       <p:sp>
         <p:nvSpPr>
-          <p:cNvPr id="364" name="PlaceHolder 1"/>
+          <p:cNvPr id="361" name="PlaceHolder 1"/>
           <p:cNvSpPr>
             <a:spLocks noGrp="1"/>
           </p:cNvSpPr>
@@ -25817,7 +25817,7 @@
         <p:spPr>
           <a:xfrm>
             <a:off x="685800" y="4343400"/>
-            <a:ext cx="5482800" cy="4111200"/>
+            <a:ext cx="5482440" cy="4110840"/>
           </a:xfrm>
           <a:prstGeom prst="rect">
             <a:avLst/>
@@ -25886,7 +25886,7 @@
               </a:rPr>
               <a:t>，它是一種網路架構風格，他並不是一種標準。</a:t>
             </a:r>
-            <a:endParaRPr b="0" lang="en-US" sz="1800" spc="-1" strike="noStrike">
+            <a:endParaRPr b="0" lang="en-US" sz="2000" spc="-1" strike="noStrike">
               <a:solidFill>
                 <a:srgbClr val="000000"/>
               </a:solidFill>
@@ -26079,20 +26079,20 @@
               </a:rPr>
               <a:t>RESTful</a:t>
             </a:r>
-            <a:endParaRPr b="0" lang="en-US" sz="1800" spc="-1" strike="noStrike">
-              <a:solidFill>
-                <a:srgbClr val="000000"/>
-              </a:solidFill>
-              <a:uFill>
-                <a:solidFill>
-                  <a:srgbClr val="ffffff"/>
-                </a:solidFill>
-              </a:uFill>
-              <a:latin typeface="Arial"/>
-            </a:endParaRPr>
-          </a:p>
-          <a:p>
-            <a:endParaRPr b="0" lang="en-US" sz="1800" spc="-1" strike="noStrike">
+            <a:endParaRPr b="0" lang="en-US" sz="2000" spc="-1" strike="noStrike">
+              <a:solidFill>
+                <a:srgbClr val="000000"/>
+              </a:solidFill>
+              <a:uFill>
+                <a:solidFill>
+                  <a:srgbClr val="ffffff"/>
+                </a:solidFill>
+              </a:uFill>
+              <a:latin typeface="Arial"/>
+            </a:endParaRPr>
+          </a:p>
+          <a:p>
+            <a:endParaRPr b="0" lang="en-US" sz="2000" spc="-1" strike="noStrike">
               <a:solidFill>
                 <a:srgbClr val="000000"/>
               </a:solidFill>
@@ -26150,7 +26150,7 @@
               </a:rPr>
               <a:t>:</a:t>
             </a:r>
-            <a:endParaRPr b="0" lang="en-US" sz="1800" spc="-1" strike="noStrike">
+            <a:endParaRPr b="0" lang="en-US" sz="2000" spc="-1" strike="noStrike">
               <a:solidFill>
                 <a:srgbClr val="000000"/>
               </a:solidFill>
@@ -26223,7 +26223,7 @@
               </a:rPr>
               <a:t>端</a:t>
             </a:r>
-            <a:endParaRPr b="0" lang="en-US" sz="1800" spc="-1" strike="noStrike">
+            <a:endParaRPr b="0" lang="en-US" sz="2000" spc="-1" strike="noStrike">
               <a:solidFill>
                 <a:srgbClr val="000000"/>
               </a:solidFill>
@@ -26296,7 +26296,7 @@
               </a:rPr>
               <a:t>來達到更快的回應速度</a:t>
             </a:r>
-            <a:endParaRPr b="0" lang="en-US" sz="1800" spc="-1" strike="noStrike">
+            <a:endParaRPr b="0" lang="en-US" sz="2000" spc="-1" strike="noStrike">
               <a:solidFill>
                 <a:srgbClr val="000000"/>
               </a:solidFill>
@@ -26339,7 +26339,7 @@
               </a:rPr>
               <a:t>界面與資料分離</a:t>
             </a:r>
-            <a:endParaRPr b="0" lang="en-US" sz="1800" spc="-1" strike="noStrike">
+            <a:endParaRPr b="0" lang="en-US" sz="2000" spc="-1" strike="noStrike">
               <a:solidFill>
                 <a:srgbClr val="000000"/>
               </a:solidFill>
@@ -26382,7 +26382,7 @@
               </a:rPr>
               <a:t>節省伺服器的計算資源</a:t>
             </a:r>
-            <a:endParaRPr b="0" lang="en-US" sz="1800" spc="-1" strike="noStrike">
+            <a:endParaRPr b="0" lang="en-US" sz="2000" spc="-1" strike="noStrike">
               <a:solidFill>
                 <a:srgbClr val="000000"/>
               </a:solidFill>
@@ -26500,20 +26500,20 @@
               </a:rPr>
               <a:t>!</a:t>
             </a:r>
-            <a:endParaRPr b="0" lang="en-US" sz="1800" spc="-1" strike="noStrike">
-              <a:solidFill>
-                <a:srgbClr val="000000"/>
-              </a:solidFill>
-              <a:uFill>
-                <a:solidFill>
-                  <a:srgbClr val="ffffff"/>
-                </a:solidFill>
-              </a:uFill>
-              <a:latin typeface="Arial"/>
-            </a:endParaRPr>
-          </a:p>
-          <a:p>
-            <a:endParaRPr b="0" lang="en-US" sz="1800" spc="-1" strike="noStrike">
+            <a:endParaRPr b="0" lang="en-US" sz="2000" spc="-1" strike="noStrike">
+              <a:solidFill>
+                <a:srgbClr val="000000"/>
+              </a:solidFill>
+              <a:uFill>
+                <a:solidFill>
+                  <a:srgbClr val="ffffff"/>
+                </a:solidFill>
+              </a:uFill>
+              <a:latin typeface="Arial"/>
+            </a:endParaRPr>
+          </a:p>
+          <a:p>
+            <a:endParaRPr b="0" lang="en-US" sz="2000" spc="-1" strike="noStrike">
               <a:solidFill>
                 <a:srgbClr val="000000"/>
               </a:solidFill>
@@ -26529,14 +26529,14 @@
       </p:sp>
       <p:sp>
         <p:nvSpPr>
-          <p:cNvPr id="365" name="CustomShape 2"/>
+          <p:cNvPr id="362" name="CustomShape 2"/>
           <p:cNvSpPr/>
           <p:nvPr/>
         </p:nvSpPr>
         <p:spPr>
           <a:xfrm>
             <a:off x="3884760" y="8685360"/>
-            <a:ext cx="2968200" cy="453600"/>
+            <a:ext cx="2967840" cy="453240"/>
           </a:xfrm>
           <a:prstGeom prst="rect">
             <a:avLst/>
@@ -26577,7 +26577,7 @@
       </p:grpSpPr>
       <p:sp>
         <p:nvSpPr>
-          <p:cNvPr id="366" name="PlaceHolder 1"/>
+          <p:cNvPr id="363" name="PlaceHolder 1"/>
           <p:cNvSpPr>
             <a:spLocks noGrp="1"/>
           </p:cNvSpPr>
@@ -26588,7 +26588,7 @@
         <p:spPr>
           <a:xfrm>
             <a:off x="685800" y="4343400"/>
-            <a:ext cx="5482800" cy="4111200"/>
+            <a:ext cx="5482440" cy="4110840"/>
           </a:xfrm>
           <a:prstGeom prst="rect">
             <a:avLst/>
@@ -26657,7 +26657,7 @@
               </a:rPr>
               <a:t>，它是一種網路架構風格，他並不是一種標準。</a:t>
             </a:r>
-            <a:endParaRPr b="0" lang="en-US" sz="1800" spc="-1" strike="noStrike">
+            <a:endParaRPr b="0" lang="en-US" sz="2000" spc="-1" strike="noStrike">
               <a:solidFill>
                 <a:srgbClr val="000000"/>
               </a:solidFill>
@@ -26850,20 +26850,20 @@
               </a:rPr>
               <a:t>RESTful</a:t>
             </a:r>
-            <a:endParaRPr b="0" lang="en-US" sz="1800" spc="-1" strike="noStrike">
-              <a:solidFill>
-                <a:srgbClr val="000000"/>
-              </a:solidFill>
-              <a:uFill>
-                <a:solidFill>
-                  <a:srgbClr val="ffffff"/>
-                </a:solidFill>
-              </a:uFill>
-              <a:latin typeface="Arial"/>
-            </a:endParaRPr>
-          </a:p>
-          <a:p>
-            <a:endParaRPr b="0" lang="en-US" sz="1800" spc="-1" strike="noStrike">
+            <a:endParaRPr b="0" lang="en-US" sz="2000" spc="-1" strike="noStrike">
+              <a:solidFill>
+                <a:srgbClr val="000000"/>
+              </a:solidFill>
+              <a:uFill>
+                <a:solidFill>
+                  <a:srgbClr val="ffffff"/>
+                </a:solidFill>
+              </a:uFill>
+              <a:latin typeface="Arial"/>
+            </a:endParaRPr>
+          </a:p>
+          <a:p>
+            <a:endParaRPr b="0" lang="en-US" sz="2000" spc="-1" strike="noStrike">
               <a:solidFill>
                 <a:srgbClr val="000000"/>
               </a:solidFill>
@@ -26921,7 +26921,7 @@
               </a:rPr>
               <a:t>:</a:t>
             </a:r>
-            <a:endParaRPr b="0" lang="en-US" sz="1800" spc="-1" strike="noStrike">
+            <a:endParaRPr b="0" lang="en-US" sz="2000" spc="-1" strike="noStrike">
               <a:solidFill>
                 <a:srgbClr val="000000"/>
               </a:solidFill>
@@ -26994,7 +26994,7 @@
               </a:rPr>
               <a:t>端</a:t>
             </a:r>
-            <a:endParaRPr b="0" lang="en-US" sz="1800" spc="-1" strike="noStrike">
+            <a:endParaRPr b="0" lang="en-US" sz="2000" spc="-1" strike="noStrike">
               <a:solidFill>
                 <a:srgbClr val="000000"/>
               </a:solidFill>
@@ -27067,7 +27067,7 @@
               </a:rPr>
               <a:t>來達到更快的回應速度</a:t>
             </a:r>
-            <a:endParaRPr b="0" lang="en-US" sz="1800" spc="-1" strike="noStrike">
+            <a:endParaRPr b="0" lang="en-US" sz="2000" spc="-1" strike="noStrike">
               <a:solidFill>
                 <a:srgbClr val="000000"/>
               </a:solidFill>
@@ -27110,7 +27110,7 @@
               </a:rPr>
               <a:t>界面與資料分離</a:t>
             </a:r>
-            <a:endParaRPr b="0" lang="en-US" sz="1800" spc="-1" strike="noStrike">
+            <a:endParaRPr b="0" lang="en-US" sz="2000" spc="-1" strike="noStrike">
               <a:solidFill>
                 <a:srgbClr val="000000"/>
               </a:solidFill>
@@ -27153,7 +27153,7 @@
               </a:rPr>
               <a:t>節省伺服器的計算資源</a:t>
             </a:r>
-            <a:endParaRPr b="0" lang="en-US" sz="1800" spc="-1" strike="noStrike">
+            <a:endParaRPr b="0" lang="en-US" sz="2000" spc="-1" strike="noStrike">
               <a:solidFill>
                 <a:srgbClr val="000000"/>
               </a:solidFill>
@@ -27271,20 +27271,20 @@
               </a:rPr>
               <a:t>!</a:t>
             </a:r>
-            <a:endParaRPr b="0" lang="en-US" sz="1800" spc="-1" strike="noStrike">
-              <a:solidFill>
-                <a:srgbClr val="000000"/>
-              </a:solidFill>
-              <a:uFill>
-                <a:solidFill>
-                  <a:srgbClr val="ffffff"/>
-                </a:solidFill>
-              </a:uFill>
-              <a:latin typeface="Arial"/>
-            </a:endParaRPr>
-          </a:p>
-          <a:p>
-            <a:endParaRPr b="0" lang="en-US" sz="1800" spc="-1" strike="noStrike">
+            <a:endParaRPr b="0" lang="en-US" sz="2000" spc="-1" strike="noStrike">
+              <a:solidFill>
+                <a:srgbClr val="000000"/>
+              </a:solidFill>
+              <a:uFill>
+                <a:solidFill>
+                  <a:srgbClr val="ffffff"/>
+                </a:solidFill>
+              </a:uFill>
+              <a:latin typeface="Arial"/>
+            </a:endParaRPr>
+          </a:p>
+          <a:p>
+            <a:endParaRPr b="0" lang="en-US" sz="2000" spc="-1" strike="noStrike">
               <a:solidFill>
                 <a:srgbClr val="000000"/>
               </a:solidFill>
@@ -27300,14 +27300,14 @@
       </p:sp>
       <p:sp>
         <p:nvSpPr>
-          <p:cNvPr id="367" name="CustomShape 2"/>
+          <p:cNvPr id="364" name="CustomShape 2"/>
           <p:cNvSpPr/>
           <p:nvPr/>
         </p:nvSpPr>
         <p:spPr>
           <a:xfrm>
             <a:off x="3884760" y="8685360"/>
-            <a:ext cx="2968200" cy="453600"/>
+            <a:ext cx="2967840" cy="453240"/>
           </a:xfrm>
           <a:prstGeom prst="rect">
             <a:avLst/>
@@ -27348,7 +27348,7 @@
       </p:grpSpPr>
       <p:sp>
         <p:nvSpPr>
-          <p:cNvPr id="368" name="PlaceHolder 1"/>
+          <p:cNvPr id="365" name="PlaceHolder 1"/>
           <p:cNvSpPr>
             <a:spLocks noGrp="1"/>
           </p:cNvSpPr>
@@ -27359,7 +27359,7 @@
         <p:spPr>
           <a:xfrm>
             <a:off x="685800" y="4343400"/>
-            <a:ext cx="5482800" cy="4111200"/>
+            <a:ext cx="5482440" cy="4110840"/>
           </a:xfrm>
           <a:prstGeom prst="rect">
             <a:avLst/>
@@ -27428,7 +27428,7 @@
               </a:rPr>
               <a:t>，它是一種網路架構風格，他並不是一種標準。</a:t>
             </a:r>
-            <a:endParaRPr b="0" lang="en-US" sz="1800" spc="-1" strike="noStrike">
+            <a:endParaRPr b="0" lang="en-US" sz="2000" spc="-1" strike="noStrike">
               <a:solidFill>
                 <a:srgbClr val="000000"/>
               </a:solidFill>
@@ -27621,20 +27621,20 @@
               </a:rPr>
               <a:t>RESTful</a:t>
             </a:r>
-            <a:endParaRPr b="0" lang="en-US" sz="1800" spc="-1" strike="noStrike">
-              <a:solidFill>
-                <a:srgbClr val="000000"/>
-              </a:solidFill>
-              <a:uFill>
-                <a:solidFill>
-                  <a:srgbClr val="ffffff"/>
-                </a:solidFill>
-              </a:uFill>
-              <a:latin typeface="Arial"/>
-            </a:endParaRPr>
-          </a:p>
-          <a:p>
-            <a:endParaRPr b="0" lang="en-US" sz="1800" spc="-1" strike="noStrike">
+            <a:endParaRPr b="0" lang="en-US" sz="2000" spc="-1" strike="noStrike">
+              <a:solidFill>
+                <a:srgbClr val="000000"/>
+              </a:solidFill>
+              <a:uFill>
+                <a:solidFill>
+                  <a:srgbClr val="ffffff"/>
+                </a:solidFill>
+              </a:uFill>
+              <a:latin typeface="Arial"/>
+            </a:endParaRPr>
+          </a:p>
+          <a:p>
+            <a:endParaRPr b="0" lang="en-US" sz="2000" spc="-1" strike="noStrike">
               <a:solidFill>
                 <a:srgbClr val="000000"/>
               </a:solidFill>
@@ -27692,7 +27692,7 @@
               </a:rPr>
               <a:t>:</a:t>
             </a:r>
-            <a:endParaRPr b="0" lang="en-US" sz="1800" spc="-1" strike="noStrike">
+            <a:endParaRPr b="0" lang="en-US" sz="2000" spc="-1" strike="noStrike">
               <a:solidFill>
                 <a:srgbClr val="000000"/>
               </a:solidFill>
@@ -27765,7 +27765,7 @@
               </a:rPr>
               <a:t>端</a:t>
             </a:r>
-            <a:endParaRPr b="0" lang="en-US" sz="1800" spc="-1" strike="noStrike">
+            <a:endParaRPr b="0" lang="en-US" sz="2000" spc="-1" strike="noStrike">
               <a:solidFill>
                 <a:srgbClr val="000000"/>
               </a:solidFill>
@@ -27838,7 +27838,7 @@
               </a:rPr>
               <a:t>來達到更快的回應速度</a:t>
             </a:r>
-            <a:endParaRPr b="0" lang="en-US" sz="1800" spc="-1" strike="noStrike">
+            <a:endParaRPr b="0" lang="en-US" sz="2000" spc="-1" strike="noStrike">
               <a:solidFill>
                 <a:srgbClr val="000000"/>
               </a:solidFill>
@@ -27881,7 +27881,7 @@
               </a:rPr>
               <a:t>界面與資料分離</a:t>
             </a:r>
-            <a:endParaRPr b="0" lang="en-US" sz="1800" spc="-1" strike="noStrike">
+            <a:endParaRPr b="0" lang="en-US" sz="2000" spc="-1" strike="noStrike">
               <a:solidFill>
                 <a:srgbClr val="000000"/>
               </a:solidFill>
@@ -27924,7 +27924,7 @@
               </a:rPr>
               <a:t>節省伺服器的計算資源</a:t>
             </a:r>
-            <a:endParaRPr b="0" lang="en-US" sz="1800" spc="-1" strike="noStrike">
+            <a:endParaRPr b="0" lang="en-US" sz="2000" spc="-1" strike="noStrike">
               <a:solidFill>
                 <a:srgbClr val="000000"/>
               </a:solidFill>
@@ -28042,20 +28042,20 @@
               </a:rPr>
               <a:t>!</a:t>
             </a:r>
-            <a:endParaRPr b="0" lang="en-US" sz="1800" spc="-1" strike="noStrike">
-              <a:solidFill>
-                <a:srgbClr val="000000"/>
-              </a:solidFill>
-              <a:uFill>
-                <a:solidFill>
-                  <a:srgbClr val="ffffff"/>
-                </a:solidFill>
-              </a:uFill>
-              <a:latin typeface="Arial"/>
-            </a:endParaRPr>
-          </a:p>
-          <a:p>
-            <a:endParaRPr b="0" lang="en-US" sz="1800" spc="-1" strike="noStrike">
+            <a:endParaRPr b="0" lang="en-US" sz="2000" spc="-1" strike="noStrike">
+              <a:solidFill>
+                <a:srgbClr val="000000"/>
+              </a:solidFill>
+              <a:uFill>
+                <a:solidFill>
+                  <a:srgbClr val="ffffff"/>
+                </a:solidFill>
+              </a:uFill>
+              <a:latin typeface="Arial"/>
+            </a:endParaRPr>
+          </a:p>
+          <a:p>
+            <a:endParaRPr b="0" lang="en-US" sz="2000" spc="-1" strike="noStrike">
               <a:solidFill>
                 <a:srgbClr val="000000"/>
               </a:solidFill>
@@ -28071,14 +28071,14 @@
       </p:sp>
       <p:sp>
         <p:nvSpPr>
-          <p:cNvPr id="369" name="CustomShape 2"/>
+          <p:cNvPr id="366" name="CustomShape 2"/>
           <p:cNvSpPr/>
           <p:nvPr/>
         </p:nvSpPr>
         <p:spPr>
           <a:xfrm>
             <a:off x="3884760" y="8685360"/>
-            <a:ext cx="2968200" cy="453600"/>
+            <a:ext cx="2967840" cy="453240"/>
           </a:xfrm>
           <a:prstGeom prst="rect">
             <a:avLst/>
@@ -28119,7 +28119,7 @@
       </p:grpSpPr>
       <p:sp>
         <p:nvSpPr>
-          <p:cNvPr id="370" name="PlaceHolder 1"/>
+          <p:cNvPr id="367" name="PlaceHolder 1"/>
           <p:cNvSpPr>
             <a:spLocks noGrp="1"/>
           </p:cNvSpPr>
@@ -28130,7 +28130,7 @@
         <p:spPr>
           <a:xfrm>
             <a:off x="685800" y="4343400"/>
-            <a:ext cx="5482800" cy="4111200"/>
+            <a:ext cx="5482440" cy="4110840"/>
           </a:xfrm>
           <a:prstGeom prst="rect">
             <a:avLst/>
@@ -28199,7 +28199,7 @@
               </a:rPr>
               <a:t>，它是一種網路架構風格，他並不是一種標準。</a:t>
             </a:r>
-            <a:endParaRPr b="0" lang="en-US" sz="1800" spc="-1" strike="noStrike">
+            <a:endParaRPr b="0" lang="en-US" sz="2000" spc="-1" strike="noStrike">
               <a:solidFill>
                 <a:srgbClr val="000000"/>
               </a:solidFill>
@@ -28392,20 +28392,20 @@
               </a:rPr>
               <a:t>RESTful</a:t>
             </a:r>
-            <a:endParaRPr b="0" lang="en-US" sz="1800" spc="-1" strike="noStrike">
-              <a:solidFill>
-                <a:srgbClr val="000000"/>
-              </a:solidFill>
-              <a:uFill>
-                <a:solidFill>
-                  <a:srgbClr val="ffffff"/>
-                </a:solidFill>
-              </a:uFill>
-              <a:latin typeface="Arial"/>
-            </a:endParaRPr>
-          </a:p>
-          <a:p>
-            <a:endParaRPr b="0" lang="en-US" sz="1800" spc="-1" strike="noStrike">
+            <a:endParaRPr b="0" lang="en-US" sz="2000" spc="-1" strike="noStrike">
+              <a:solidFill>
+                <a:srgbClr val="000000"/>
+              </a:solidFill>
+              <a:uFill>
+                <a:solidFill>
+                  <a:srgbClr val="ffffff"/>
+                </a:solidFill>
+              </a:uFill>
+              <a:latin typeface="Arial"/>
+            </a:endParaRPr>
+          </a:p>
+          <a:p>
+            <a:endParaRPr b="0" lang="en-US" sz="2000" spc="-1" strike="noStrike">
               <a:solidFill>
                 <a:srgbClr val="000000"/>
               </a:solidFill>
@@ -28463,7 +28463,7 @@
               </a:rPr>
               <a:t>:</a:t>
             </a:r>
-            <a:endParaRPr b="0" lang="en-US" sz="1800" spc="-1" strike="noStrike">
+            <a:endParaRPr b="0" lang="en-US" sz="2000" spc="-1" strike="noStrike">
               <a:solidFill>
                 <a:srgbClr val="000000"/>
               </a:solidFill>
@@ -28536,7 +28536,7 @@
               </a:rPr>
               <a:t>端</a:t>
             </a:r>
-            <a:endParaRPr b="0" lang="en-US" sz="1800" spc="-1" strike="noStrike">
+            <a:endParaRPr b="0" lang="en-US" sz="2000" spc="-1" strike="noStrike">
               <a:solidFill>
                 <a:srgbClr val="000000"/>
               </a:solidFill>
@@ -28609,7 +28609,7 @@
               </a:rPr>
               <a:t>來達到更快的回應速度</a:t>
             </a:r>
-            <a:endParaRPr b="0" lang="en-US" sz="1800" spc="-1" strike="noStrike">
+            <a:endParaRPr b="0" lang="en-US" sz="2000" spc="-1" strike="noStrike">
               <a:solidFill>
                 <a:srgbClr val="000000"/>
               </a:solidFill>
@@ -28652,7 +28652,7 @@
               </a:rPr>
               <a:t>界面與資料分離</a:t>
             </a:r>
-            <a:endParaRPr b="0" lang="en-US" sz="1800" spc="-1" strike="noStrike">
+            <a:endParaRPr b="0" lang="en-US" sz="2000" spc="-1" strike="noStrike">
               <a:solidFill>
                 <a:srgbClr val="000000"/>
               </a:solidFill>
@@ -28695,7 +28695,7 @@
               </a:rPr>
               <a:t>節省伺服器的計算資源</a:t>
             </a:r>
-            <a:endParaRPr b="0" lang="en-US" sz="1800" spc="-1" strike="noStrike">
+            <a:endParaRPr b="0" lang="en-US" sz="2000" spc="-1" strike="noStrike">
               <a:solidFill>
                 <a:srgbClr val="000000"/>
               </a:solidFill>
@@ -28813,20 +28813,20 @@
               </a:rPr>
               <a:t>!</a:t>
             </a:r>
-            <a:endParaRPr b="0" lang="en-US" sz="1800" spc="-1" strike="noStrike">
-              <a:solidFill>
-                <a:srgbClr val="000000"/>
-              </a:solidFill>
-              <a:uFill>
-                <a:solidFill>
-                  <a:srgbClr val="ffffff"/>
-                </a:solidFill>
-              </a:uFill>
-              <a:latin typeface="Arial"/>
-            </a:endParaRPr>
-          </a:p>
-          <a:p>
-            <a:endParaRPr b="0" lang="en-US" sz="1800" spc="-1" strike="noStrike">
+            <a:endParaRPr b="0" lang="en-US" sz="2000" spc="-1" strike="noStrike">
+              <a:solidFill>
+                <a:srgbClr val="000000"/>
+              </a:solidFill>
+              <a:uFill>
+                <a:solidFill>
+                  <a:srgbClr val="ffffff"/>
+                </a:solidFill>
+              </a:uFill>
+              <a:latin typeface="Arial"/>
+            </a:endParaRPr>
+          </a:p>
+          <a:p>
+            <a:endParaRPr b="0" lang="en-US" sz="2000" spc="-1" strike="noStrike">
               <a:solidFill>
                 <a:srgbClr val="000000"/>
               </a:solidFill>
@@ -28842,14 +28842,14 @@
       </p:sp>
       <p:sp>
         <p:nvSpPr>
-          <p:cNvPr id="371" name="CustomShape 2"/>
+          <p:cNvPr id="368" name="CustomShape 2"/>
           <p:cNvSpPr/>
           <p:nvPr/>
         </p:nvSpPr>
         <p:spPr>
           <a:xfrm>
             <a:off x="3884760" y="8685360"/>
-            <a:ext cx="2968200" cy="453600"/>
+            <a:ext cx="2967840" cy="453240"/>
           </a:xfrm>
           <a:prstGeom prst="rect">
             <a:avLst/>
@@ -28890,7 +28890,7 @@
       </p:grpSpPr>
       <p:sp>
         <p:nvSpPr>
-          <p:cNvPr id="372" name="PlaceHolder 1"/>
+          <p:cNvPr id="369" name="PlaceHolder 1"/>
           <p:cNvSpPr>
             <a:spLocks noGrp="1"/>
           </p:cNvSpPr>
@@ -28901,7 +28901,7 @@
         <p:spPr>
           <a:xfrm>
             <a:off x="685800" y="4343400"/>
-            <a:ext cx="5482800" cy="4111200"/>
+            <a:ext cx="5482440" cy="4110840"/>
           </a:xfrm>
           <a:prstGeom prst="rect">
             <a:avLst/>
@@ -28970,7 +28970,7 @@
               </a:rPr>
               <a:t>，它是一種網路架構風格，他並不是一種標準。</a:t>
             </a:r>
-            <a:endParaRPr b="0" lang="en-US" sz="1800" spc="-1" strike="noStrike">
+            <a:endParaRPr b="0" lang="en-US" sz="2000" spc="-1" strike="noStrike">
               <a:solidFill>
                 <a:srgbClr val="000000"/>
               </a:solidFill>
@@ -29163,20 +29163,20 @@
               </a:rPr>
               <a:t>RESTful</a:t>
             </a:r>
-            <a:endParaRPr b="0" lang="en-US" sz="1800" spc="-1" strike="noStrike">
-              <a:solidFill>
-                <a:srgbClr val="000000"/>
-              </a:solidFill>
-              <a:uFill>
-                <a:solidFill>
-                  <a:srgbClr val="ffffff"/>
-                </a:solidFill>
-              </a:uFill>
-              <a:latin typeface="Arial"/>
-            </a:endParaRPr>
-          </a:p>
-          <a:p>
-            <a:endParaRPr b="0" lang="en-US" sz="1800" spc="-1" strike="noStrike">
+            <a:endParaRPr b="0" lang="en-US" sz="2000" spc="-1" strike="noStrike">
+              <a:solidFill>
+                <a:srgbClr val="000000"/>
+              </a:solidFill>
+              <a:uFill>
+                <a:solidFill>
+                  <a:srgbClr val="ffffff"/>
+                </a:solidFill>
+              </a:uFill>
+              <a:latin typeface="Arial"/>
+            </a:endParaRPr>
+          </a:p>
+          <a:p>
+            <a:endParaRPr b="0" lang="en-US" sz="2000" spc="-1" strike="noStrike">
               <a:solidFill>
                 <a:srgbClr val="000000"/>
               </a:solidFill>
@@ -29234,7 +29234,7 @@
               </a:rPr>
               <a:t>:</a:t>
             </a:r>
-            <a:endParaRPr b="0" lang="en-US" sz="1800" spc="-1" strike="noStrike">
+            <a:endParaRPr b="0" lang="en-US" sz="2000" spc="-1" strike="noStrike">
               <a:solidFill>
                 <a:srgbClr val="000000"/>
               </a:solidFill>
@@ -29307,7 +29307,7 @@
               </a:rPr>
               <a:t>端</a:t>
             </a:r>
-            <a:endParaRPr b="0" lang="en-US" sz="1800" spc="-1" strike="noStrike">
+            <a:endParaRPr b="0" lang="en-US" sz="2000" spc="-1" strike="noStrike">
               <a:solidFill>
                 <a:srgbClr val="000000"/>
               </a:solidFill>
@@ -29380,7 +29380,7 @@
               </a:rPr>
               <a:t>來達到更快的回應速度</a:t>
             </a:r>
-            <a:endParaRPr b="0" lang="en-US" sz="1800" spc="-1" strike="noStrike">
+            <a:endParaRPr b="0" lang="en-US" sz="2000" spc="-1" strike="noStrike">
               <a:solidFill>
                 <a:srgbClr val="000000"/>
               </a:solidFill>
@@ -29423,7 +29423,7 @@
               </a:rPr>
               <a:t>界面與資料分離</a:t>
             </a:r>
-            <a:endParaRPr b="0" lang="en-US" sz="1800" spc="-1" strike="noStrike">
+            <a:endParaRPr b="0" lang="en-US" sz="2000" spc="-1" strike="noStrike">
               <a:solidFill>
                 <a:srgbClr val="000000"/>
               </a:solidFill>
@@ -29466,7 +29466,7 @@
               </a:rPr>
               <a:t>節省伺服器的計算資源</a:t>
             </a:r>
-            <a:endParaRPr b="0" lang="en-US" sz="1800" spc="-1" strike="noStrike">
+            <a:endParaRPr b="0" lang="en-US" sz="2000" spc="-1" strike="noStrike">
               <a:solidFill>
                 <a:srgbClr val="000000"/>
               </a:solidFill>
@@ -29584,20 +29584,20 @@
               </a:rPr>
               <a:t>!</a:t>
             </a:r>
-            <a:endParaRPr b="0" lang="en-US" sz="1800" spc="-1" strike="noStrike">
-              <a:solidFill>
-                <a:srgbClr val="000000"/>
-              </a:solidFill>
-              <a:uFill>
-                <a:solidFill>
-                  <a:srgbClr val="ffffff"/>
-                </a:solidFill>
-              </a:uFill>
-              <a:latin typeface="Arial"/>
-            </a:endParaRPr>
-          </a:p>
-          <a:p>
-            <a:endParaRPr b="0" lang="en-US" sz="1800" spc="-1" strike="noStrike">
+            <a:endParaRPr b="0" lang="en-US" sz="2000" spc="-1" strike="noStrike">
+              <a:solidFill>
+                <a:srgbClr val="000000"/>
+              </a:solidFill>
+              <a:uFill>
+                <a:solidFill>
+                  <a:srgbClr val="ffffff"/>
+                </a:solidFill>
+              </a:uFill>
+              <a:latin typeface="Arial"/>
+            </a:endParaRPr>
+          </a:p>
+          <a:p>
+            <a:endParaRPr b="0" lang="en-US" sz="2000" spc="-1" strike="noStrike">
               <a:solidFill>
                 <a:srgbClr val="000000"/>
               </a:solidFill>
@@ -29613,14 +29613,14 @@
       </p:sp>
       <p:sp>
         <p:nvSpPr>
-          <p:cNvPr id="373" name="CustomShape 2"/>
+          <p:cNvPr id="370" name="CustomShape 2"/>
           <p:cNvSpPr/>
           <p:nvPr/>
         </p:nvSpPr>
         <p:spPr>
           <a:xfrm>
             <a:off x="3884760" y="8685360"/>
-            <a:ext cx="2968200" cy="453600"/>
+            <a:ext cx="2967840" cy="453240"/>
           </a:xfrm>
           <a:prstGeom prst="rect">
             <a:avLst/>
@@ -29661,7 +29661,7 @@
       </p:grpSpPr>
       <p:sp>
         <p:nvSpPr>
-          <p:cNvPr id="290" name="PlaceHolder 1"/>
+          <p:cNvPr id="287" name="PlaceHolder 1"/>
           <p:cNvSpPr>
             <a:spLocks noGrp="1"/>
           </p:cNvSpPr>
@@ -29672,7 +29672,7 @@
         <p:spPr>
           <a:xfrm>
             <a:off x="685800" y="4343400"/>
-            <a:ext cx="5482800" cy="4111200"/>
+            <a:ext cx="5482440" cy="4110840"/>
           </a:xfrm>
           <a:prstGeom prst="rect">
             <a:avLst/>
@@ -30384,14 +30384,14 @@
       </p:sp>
       <p:sp>
         <p:nvSpPr>
-          <p:cNvPr id="291" name="CustomShape 2"/>
+          <p:cNvPr id="288" name="CustomShape 2"/>
           <p:cNvSpPr/>
           <p:nvPr/>
         </p:nvSpPr>
         <p:spPr>
           <a:xfrm>
             <a:off x="3884760" y="8685360"/>
-            <a:ext cx="2968200" cy="453600"/>
+            <a:ext cx="2967840" cy="453240"/>
           </a:xfrm>
           <a:prstGeom prst="rect">
             <a:avLst/>
@@ -30432,7 +30432,7 @@
       </p:grpSpPr>
       <p:sp>
         <p:nvSpPr>
-          <p:cNvPr id="374" name="PlaceHolder 1"/>
+          <p:cNvPr id="371" name="PlaceHolder 1"/>
           <p:cNvSpPr>
             <a:spLocks noGrp="1"/>
           </p:cNvSpPr>
@@ -30443,7 +30443,7 @@
         <p:spPr>
           <a:xfrm>
             <a:off x="685800" y="4343400"/>
-            <a:ext cx="5482800" cy="4111200"/>
+            <a:ext cx="5482440" cy="4110840"/>
           </a:xfrm>
           <a:prstGeom prst="rect">
             <a:avLst/>
@@ -30512,7 +30512,7 @@
               </a:rPr>
               <a:t>，它是一種網路架構風格，他並不是一種標準。</a:t>
             </a:r>
-            <a:endParaRPr b="0" lang="en-US" sz="1800" spc="-1" strike="noStrike">
+            <a:endParaRPr b="0" lang="en-US" sz="2000" spc="-1" strike="noStrike">
               <a:solidFill>
                 <a:srgbClr val="000000"/>
               </a:solidFill>
@@ -30705,20 +30705,20 @@
               </a:rPr>
               <a:t>RESTful</a:t>
             </a:r>
-            <a:endParaRPr b="0" lang="en-US" sz="1800" spc="-1" strike="noStrike">
-              <a:solidFill>
-                <a:srgbClr val="000000"/>
-              </a:solidFill>
-              <a:uFill>
-                <a:solidFill>
-                  <a:srgbClr val="ffffff"/>
-                </a:solidFill>
-              </a:uFill>
-              <a:latin typeface="Arial"/>
-            </a:endParaRPr>
-          </a:p>
-          <a:p>
-            <a:endParaRPr b="0" lang="en-US" sz="1800" spc="-1" strike="noStrike">
+            <a:endParaRPr b="0" lang="en-US" sz="2000" spc="-1" strike="noStrike">
+              <a:solidFill>
+                <a:srgbClr val="000000"/>
+              </a:solidFill>
+              <a:uFill>
+                <a:solidFill>
+                  <a:srgbClr val="ffffff"/>
+                </a:solidFill>
+              </a:uFill>
+              <a:latin typeface="Arial"/>
+            </a:endParaRPr>
+          </a:p>
+          <a:p>
+            <a:endParaRPr b="0" lang="en-US" sz="2000" spc="-1" strike="noStrike">
               <a:solidFill>
                 <a:srgbClr val="000000"/>
               </a:solidFill>
@@ -30776,7 +30776,7 @@
               </a:rPr>
               <a:t>:</a:t>
             </a:r>
-            <a:endParaRPr b="0" lang="en-US" sz="1800" spc="-1" strike="noStrike">
+            <a:endParaRPr b="0" lang="en-US" sz="2000" spc="-1" strike="noStrike">
               <a:solidFill>
                 <a:srgbClr val="000000"/>
               </a:solidFill>
@@ -30849,7 +30849,7 @@
               </a:rPr>
               <a:t>端</a:t>
             </a:r>
-            <a:endParaRPr b="0" lang="en-US" sz="1800" spc="-1" strike="noStrike">
+            <a:endParaRPr b="0" lang="en-US" sz="2000" spc="-1" strike="noStrike">
               <a:solidFill>
                 <a:srgbClr val="000000"/>
               </a:solidFill>
@@ -30922,7 +30922,7 @@
               </a:rPr>
               <a:t>來達到更快的回應速度</a:t>
             </a:r>
-            <a:endParaRPr b="0" lang="en-US" sz="1800" spc="-1" strike="noStrike">
+            <a:endParaRPr b="0" lang="en-US" sz="2000" spc="-1" strike="noStrike">
               <a:solidFill>
                 <a:srgbClr val="000000"/>
               </a:solidFill>
@@ -30965,7 +30965,7 @@
               </a:rPr>
               <a:t>界面與資料分離</a:t>
             </a:r>
-            <a:endParaRPr b="0" lang="en-US" sz="1800" spc="-1" strike="noStrike">
+            <a:endParaRPr b="0" lang="en-US" sz="2000" spc="-1" strike="noStrike">
               <a:solidFill>
                 <a:srgbClr val="000000"/>
               </a:solidFill>
@@ -31008,7 +31008,7 @@
               </a:rPr>
               <a:t>節省伺服器的計算資源</a:t>
             </a:r>
-            <a:endParaRPr b="0" lang="en-US" sz="1800" spc="-1" strike="noStrike">
+            <a:endParaRPr b="0" lang="en-US" sz="2000" spc="-1" strike="noStrike">
               <a:solidFill>
                 <a:srgbClr val="000000"/>
               </a:solidFill>
@@ -31126,20 +31126,20 @@
               </a:rPr>
               <a:t>!</a:t>
             </a:r>
-            <a:endParaRPr b="0" lang="en-US" sz="1800" spc="-1" strike="noStrike">
-              <a:solidFill>
-                <a:srgbClr val="000000"/>
-              </a:solidFill>
-              <a:uFill>
-                <a:solidFill>
-                  <a:srgbClr val="ffffff"/>
-                </a:solidFill>
-              </a:uFill>
-              <a:latin typeface="Arial"/>
-            </a:endParaRPr>
-          </a:p>
-          <a:p>
-            <a:endParaRPr b="0" lang="en-US" sz="1800" spc="-1" strike="noStrike">
+            <a:endParaRPr b="0" lang="en-US" sz="2000" spc="-1" strike="noStrike">
+              <a:solidFill>
+                <a:srgbClr val="000000"/>
+              </a:solidFill>
+              <a:uFill>
+                <a:solidFill>
+                  <a:srgbClr val="ffffff"/>
+                </a:solidFill>
+              </a:uFill>
+              <a:latin typeface="Arial"/>
+            </a:endParaRPr>
+          </a:p>
+          <a:p>
+            <a:endParaRPr b="0" lang="en-US" sz="2000" spc="-1" strike="noStrike">
               <a:solidFill>
                 <a:srgbClr val="000000"/>
               </a:solidFill>
@@ -31155,14 +31155,14 @@
       </p:sp>
       <p:sp>
         <p:nvSpPr>
-          <p:cNvPr id="375" name="CustomShape 2"/>
+          <p:cNvPr id="372" name="CustomShape 2"/>
           <p:cNvSpPr/>
           <p:nvPr/>
         </p:nvSpPr>
         <p:spPr>
           <a:xfrm>
             <a:off x="3884760" y="8685360"/>
-            <a:ext cx="2968200" cy="453600"/>
+            <a:ext cx="2967840" cy="453240"/>
           </a:xfrm>
           <a:prstGeom prst="rect">
             <a:avLst/>
@@ -31203,7 +31203,7 @@
       </p:grpSpPr>
       <p:sp>
         <p:nvSpPr>
-          <p:cNvPr id="292" name="PlaceHolder 1"/>
+          <p:cNvPr id="289" name="PlaceHolder 1"/>
           <p:cNvSpPr>
             <a:spLocks noGrp="1"/>
           </p:cNvSpPr>
@@ -31214,7 +31214,7 @@
         <p:spPr>
           <a:xfrm>
             <a:off x="685800" y="4343400"/>
-            <a:ext cx="5482800" cy="4111200"/>
+            <a:ext cx="5482440" cy="4110840"/>
           </a:xfrm>
           <a:prstGeom prst="rect">
             <a:avLst/>
@@ -31926,14 +31926,14 @@
       </p:sp>
       <p:sp>
         <p:nvSpPr>
-          <p:cNvPr id="293" name="CustomShape 2"/>
+          <p:cNvPr id="290" name="CustomShape 2"/>
           <p:cNvSpPr/>
           <p:nvPr/>
         </p:nvSpPr>
         <p:spPr>
           <a:xfrm>
             <a:off x="3884760" y="8685360"/>
-            <a:ext cx="2968200" cy="453600"/>
+            <a:ext cx="2967840" cy="453240"/>
           </a:xfrm>
           <a:prstGeom prst="rect">
             <a:avLst/>
@@ -31974,7 +31974,7 @@
       </p:grpSpPr>
       <p:sp>
         <p:nvSpPr>
-          <p:cNvPr id="294" name="PlaceHolder 1"/>
+          <p:cNvPr id="291" name="PlaceHolder 1"/>
           <p:cNvSpPr>
             <a:spLocks noGrp="1"/>
           </p:cNvSpPr>
@@ -31985,7 +31985,7 @@
         <p:spPr>
           <a:xfrm>
             <a:off x="685800" y="4343400"/>
-            <a:ext cx="5482800" cy="4111200"/>
+            <a:ext cx="5482440" cy="4110840"/>
           </a:xfrm>
           <a:prstGeom prst="rect">
             <a:avLst/>
@@ -32697,14 +32697,14 @@
       </p:sp>
       <p:sp>
         <p:nvSpPr>
-          <p:cNvPr id="295" name="CustomShape 2"/>
+          <p:cNvPr id="292" name="CustomShape 2"/>
           <p:cNvSpPr/>
           <p:nvPr/>
         </p:nvSpPr>
         <p:spPr>
           <a:xfrm>
             <a:off x="3884760" y="8685360"/>
-            <a:ext cx="2968200" cy="453600"/>
+            <a:ext cx="2967840" cy="453240"/>
           </a:xfrm>
           <a:prstGeom prst="rect">
             <a:avLst/>
@@ -32745,7 +32745,7 @@
       </p:grpSpPr>
       <p:sp>
         <p:nvSpPr>
-          <p:cNvPr id="296" name="PlaceHolder 1"/>
+          <p:cNvPr id="293" name="PlaceHolder 1"/>
           <p:cNvSpPr>
             <a:spLocks noGrp="1"/>
           </p:cNvSpPr>
@@ -32756,7 +32756,7 @@
         <p:spPr>
           <a:xfrm>
             <a:off x="685800" y="4343400"/>
-            <a:ext cx="5482800" cy="4111200"/>
+            <a:ext cx="5482440" cy="4110840"/>
           </a:xfrm>
           <a:prstGeom prst="rect">
             <a:avLst/>
@@ -33468,14 +33468,14 @@
       </p:sp>
       <p:sp>
         <p:nvSpPr>
-          <p:cNvPr id="297" name="CustomShape 2"/>
+          <p:cNvPr id="294" name="CustomShape 2"/>
           <p:cNvSpPr/>
           <p:nvPr/>
         </p:nvSpPr>
         <p:spPr>
           <a:xfrm>
             <a:off x="3884760" y="8685360"/>
-            <a:ext cx="2968200" cy="453600"/>
+            <a:ext cx="2967840" cy="453240"/>
           </a:xfrm>
           <a:prstGeom prst="rect">
             <a:avLst/>
@@ -33516,7 +33516,7 @@
       </p:grpSpPr>
       <p:sp>
         <p:nvSpPr>
-          <p:cNvPr id="298" name="PlaceHolder 1"/>
+          <p:cNvPr id="295" name="PlaceHolder 1"/>
           <p:cNvSpPr>
             <a:spLocks noGrp="1"/>
           </p:cNvSpPr>
@@ -33527,7 +33527,7 @@
         <p:spPr>
           <a:xfrm>
             <a:off x="685800" y="4343400"/>
-            <a:ext cx="5482800" cy="4111200"/>
+            <a:ext cx="5482440" cy="4110840"/>
           </a:xfrm>
           <a:prstGeom prst="rect">
             <a:avLst/>
@@ -34239,14 +34239,14 @@
       </p:sp>
       <p:sp>
         <p:nvSpPr>
-          <p:cNvPr id="299" name="CustomShape 2"/>
+          <p:cNvPr id="296" name="CustomShape 2"/>
           <p:cNvSpPr/>
           <p:nvPr/>
         </p:nvSpPr>
         <p:spPr>
           <a:xfrm>
             <a:off x="3884760" y="8685360"/>
-            <a:ext cx="2968200" cy="453600"/>
+            <a:ext cx="2967840" cy="453240"/>
           </a:xfrm>
           <a:prstGeom prst="rect">
             <a:avLst/>
@@ -38720,7 +38720,7 @@
         <p:spPr>
           <a:xfrm>
             <a:off x="7452360" y="-459360"/>
-            <a:ext cx="507960" cy="1135440"/>
+            <a:ext cx="507600" cy="1135080"/>
           </a:xfrm>
           <a:prstGeom prst="rect">
             <a:avLst/>
@@ -38743,7 +38743,7 @@
         <p:spPr>
           <a:xfrm>
             <a:off x="7608240" y="131400"/>
-            <a:ext cx="223200" cy="216360"/>
+            <a:ext cx="222840" cy="216000"/>
           </a:xfrm>
           <a:prstGeom prst="rect">
             <a:avLst/>
@@ -38767,7 +38767,7 @@
         <p:spPr>
           <a:xfrm>
             <a:off x="7963920" y="156600"/>
-            <a:ext cx="1117440" cy="178200"/>
+            <a:ext cx="1117080" cy="177840"/>
           </a:xfrm>
           <a:prstGeom prst="rect">
             <a:avLst/>
@@ -39146,7 +39146,7 @@
         <p:spPr>
           <a:xfrm>
             <a:off x="7452360" y="-459360"/>
-            <a:ext cx="507960" cy="1135440"/>
+            <a:ext cx="507600" cy="1135080"/>
           </a:xfrm>
           <a:prstGeom prst="rect">
             <a:avLst/>
@@ -39169,7 +39169,7 @@
         <p:spPr>
           <a:xfrm>
             <a:off x="7608240" y="131400"/>
-            <a:ext cx="223200" cy="216360"/>
+            <a:ext cx="222840" cy="216000"/>
           </a:xfrm>
           <a:prstGeom prst="rect">
             <a:avLst/>
@@ -39193,7 +39193,7 @@
         <p:spPr>
           <a:xfrm>
             <a:off x="7963920" y="156600"/>
-            <a:ext cx="1117440" cy="178200"/>
+            <a:ext cx="1117080" cy="177840"/>
           </a:xfrm>
           <a:prstGeom prst="rect">
             <a:avLst/>
@@ -39643,7 +39643,7 @@
         <p:spPr>
           <a:xfrm>
             <a:off x="7452360" y="-459360"/>
-            <a:ext cx="507960" cy="1135440"/>
+            <a:ext cx="507600" cy="1135080"/>
           </a:xfrm>
           <a:prstGeom prst="rect">
             <a:avLst/>
@@ -39666,7 +39666,7 @@
         <p:spPr>
           <a:xfrm>
             <a:off x="7608240" y="131400"/>
-            <a:ext cx="223200" cy="216360"/>
+            <a:ext cx="222840" cy="216000"/>
           </a:xfrm>
           <a:prstGeom prst="rect">
             <a:avLst/>
@@ -39690,7 +39690,7 @@
         <p:spPr>
           <a:xfrm>
             <a:off x="7963920" y="156600"/>
-            <a:ext cx="1117440" cy="178200"/>
+            <a:ext cx="1117080" cy="177840"/>
           </a:xfrm>
           <a:prstGeom prst="rect">
             <a:avLst/>
@@ -40065,7 +40065,7 @@
         <p:spPr>
           <a:xfrm>
             <a:off x="456840" y="2349000"/>
-            <a:ext cx="7783920" cy="572400"/>
+            <a:ext cx="7783560" cy="572040"/>
           </a:xfrm>
           <a:prstGeom prst="rect">
             <a:avLst/>
@@ -40142,7 +40142,7 @@
         <p:spPr>
           <a:xfrm>
             <a:off x="467640" y="3069000"/>
-            <a:ext cx="8244000" cy="428400"/>
+            <a:ext cx="8243640" cy="428040"/>
           </a:xfrm>
           <a:prstGeom prst="rect">
             <a:avLst/>
@@ -40237,7 +40237,7 @@
         <p:spPr>
           <a:xfrm>
             <a:off x="467640" y="3717000"/>
-            <a:ext cx="1087200" cy="360000"/>
+            <a:ext cx="1086840" cy="359640"/>
           </a:xfrm>
           <a:prstGeom prst="rect">
             <a:avLst/>
@@ -40299,7 +40299,7 @@
         <p:spPr>
           <a:xfrm>
             <a:off x="456840" y="4222800"/>
-            <a:ext cx="5828400" cy="356400"/>
+            <a:ext cx="5828040" cy="356040"/>
           </a:xfrm>
           <a:prstGeom prst="rect">
             <a:avLst/>
@@ -40410,7 +40410,7 @@
         <p:spPr>
           <a:xfrm>
             <a:off x="457200" y="274680"/>
-            <a:ext cx="8226000" cy="558360"/>
+            <a:ext cx="8225640" cy="558000"/>
           </a:xfrm>
           <a:prstGeom prst="rect">
             <a:avLst/>
@@ -40471,7 +40471,7 @@
         <p:spPr>
           <a:xfrm>
             <a:off x="225360" y="1264680"/>
-            <a:ext cx="3589920" cy="2694600"/>
+            <a:ext cx="3589560" cy="2694240"/>
           </a:xfrm>
           <a:prstGeom prst="rect">
             <a:avLst/>
@@ -40494,7 +40494,7 @@
         <p:spPr>
           <a:xfrm>
             <a:off x="4407120" y="1283760"/>
-            <a:ext cx="4304160" cy="2675520"/>
+            <a:ext cx="4303800" cy="2675160"/>
           </a:xfrm>
           <a:prstGeom prst="rect">
             <a:avLst/>
@@ -40562,7 +40562,7 @@
         <p:spPr>
           <a:xfrm>
             <a:off x="457200" y="274680"/>
-            <a:ext cx="8226000" cy="558360"/>
+            <a:ext cx="8225640" cy="558000"/>
           </a:xfrm>
           <a:prstGeom prst="rect">
             <a:avLst/>
@@ -40638,7 +40638,7 @@
         <p:spPr>
           <a:xfrm>
             <a:off x="432000" y="1080000"/>
-            <a:ext cx="3232800" cy="3023280"/>
+            <a:ext cx="3232440" cy="3022920"/>
           </a:xfrm>
           <a:prstGeom prst="rect">
             <a:avLst/>
@@ -40661,7 +40661,7 @@
         <p:spPr>
           <a:xfrm>
             <a:off x="4263120" y="1211760"/>
-            <a:ext cx="4304160" cy="2675520"/>
+            <a:ext cx="4303800" cy="2675160"/>
           </a:xfrm>
           <a:prstGeom prst="rect">
             <a:avLst/>
@@ -40684,7 +40684,7 @@
         <p:spPr>
           <a:xfrm>
             <a:off x="720000" y="4320000"/>
-            <a:ext cx="6828840" cy="456480"/>
+            <a:ext cx="6828480" cy="456120"/>
           </a:xfrm>
           <a:prstGeom prst="rect">
             <a:avLst/>
@@ -40752,7 +40752,7 @@
         <p:spPr>
           <a:xfrm>
             <a:off x="457200" y="274680"/>
-            <a:ext cx="8226000" cy="558360"/>
+            <a:ext cx="8225640" cy="558000"/>
           </a:xfrm>
           <a:prstGeom prst="rect">
             <a:avLst/>
@@ -40828,7 +40828,7 @@
         <p:spPr>
           <a:xfrm>
             <a:off x="576000" y="1080000"/>
-            <a:ext cx="3887280" cy="2192760"/>
+            <a:ext cx="3886920" cy="2192400"/>
           </a:xfrm>
           <a:prstGeom prst="rect">
             <a:avLst/>
@@ -40851,7 +40851,7 @@
         <p:spPr>
           <a:xfrm>
             <a:off x="4551120" y="995760"/>
-            <a:ext cx="4304160" cy="2675520"/>
+            <a:ext cx="4303800" cy="2675160"/>
           </a:xfrm>
           <a:prstGeom prst="rect">
             <a:avLst/>
@@ -40874,7 +40874,7 @@
         <p:spPr>
           <a:xfrm>
             <a:off x="645120" y="4104000"/>
-            <a:ext cx="6914520" cy="447120"/>
+            <a:ext cx="6914160" cy="446760"/>
           </a:xfrm>
           <a:prstGeom prst="rect">
             <a:avLst/>
@@ -40942,7 +40942,7 @@
         <p:spPr>
           <a:xfrm>
             <a:off x="457200" y="274680"/>
-            <a:ext cx="8226000" cy="558360"/>
+            <a:ext cx="8225640" cy="558000"/>
           </a:xfrm>
           <a:prstGeom prst="rect">
             <a:avLst/>
@@ -40999,7 +40999,7 @@
         <p:spPr>
           <a:xfrm>
             <a:off x="216000" y="1891080"/>
-            <a:ext cx="8207280" cy="1708560"/>
+            <a:ext cx="8206920" cy="1708200"/>
           </a:xfrm>
           <a:prstGeom prst="rect">
             <a:avLst/>
@@ -41305,7 +41305,7 @@
         <p:spPr>
           <a:xfrm>
             <a:off x="0" y="1064520"/>
-            <a:ext cx="9139680" cy="591120"/>
+            <a:ext cx="9139320" cy="590760"/>
           </a:xfrm>
           <a:prstGeom prst="rect">
             <a:avLst/>
@@ -41373,7 +41373,7 @@
         <p:spPr>
           <a:xfrm>
             <a:off x="457200" y="274680"/>
-            <a:ext cx="8226000" cy="558360"/>
+            <a:ext cx="8225640" cy="558000"/>
           </a:xfrm>
           <a:prstGeom prst="rect">
             <a:avLst/>
@@ -41434,7 +41434,7 @@
         <p:spPr>
           <a:xfrm>
             <a:off x="504000" y="1044000"/>
-            <a:ext cx="5485680" cy="1475640"/>
+            <a:ext cx="5485320" cy="1475280"/>
           </a:xfrm>
           <a:prstGeom prst="rect">
             <a:avLst/>
@@ -41446,14 +41446,14 @@
       </p:pic>
       <p:sp>
         <p:nvSpPr>
-          <p:cNvPr id="172" name="TextShape 2"/>
-          <p:cNvSpPr txBox="1"/>
+          <p:cNvPr id="172" name="CustomShape 2"/>
+          <p:cNvSpPr/>
           <p:nvPr/>
         </p:nvSpPr>
         <p:spPr>
           <a:xfrm>
             <a:off x="504000" y="2637720"/>
-            <a:ext cx="7776000" cy="742680"/>
+            <a:ext cx="7775640" cy="742320"/>
           </a:xfrm>
           <a:prstGeom prst="rect">
             <a:avLst/>
@@ -41463,6 +41463,12 @@
             <a:noFill/>
           </a:ln>
         </p:spPr>
+        <p:style>
+          <a:lnRef idx="0"/>
+          <a:fillRef idx="0"/>
+          <a:effectRef idx="0"/>
+          <a:fontRef idx="minor"/>
+        </p:style>
         <p:txBody>
           <a:bodyPr lIns="90000" rIns="90000" tIns="45000" bIns="45000"/>
           <a:p>
@@ -41480,6 +41486,19 @@
               </a:rPr>
               <a:t>Helper.GetTypeName(id)</a:t>
             </a:r>
+            <a:endParaRPr b="0" lang="en-US" sz="1800" spc="-1" strike="noStrike">
+              <a:solidFill>
+                <a:srgbClr val="000000"/>
+              </a:solidFill>
+              <a:uFill>
+                <a:solidFill>
+                  <a:srgbClr val="ffffff"/>
+                </a:solidFill>
+              </a:uFill>
+              <a:latin typeface="Arial"/>
+            </a:endParaRPr>
+          </a:p>
+          <a:p>
             <a:r>
               <a:rPr b="0" lang="en-US" sz="2200" spc="-1" strike="noStrike">
                 <a:solidFill>
@@ -41492,21 +41511,6 @@
                 </a:uFill>
                 <a:latin typeface="Consolas"/>
               </a:rPr>
-              <a:t>
-</a:t>
-            </a:r>
-            <a:r>
-              <a:rPr b="0" lang="en-US" sz="2200" spc="-1" strike="noStrike">
-                <a:solidFill>
-                  <a:srgbClr val="000000"/>
-                </a:solidFill>
-                <a:uFill>
-                  <a:solidFill>
-                    <a:srgbClr val="ffffff"/>
-                  </a:solidFill>
-                </a:uFill>
-                <a:latin typeface="Consolas"/>
-              </a:rPr>
               <a:t>Helper.GetTypeName(p)</a:t>
             </a:r>
             <a:endParaRPr b="0" lang="en-US" sz="1800" spc="-1" strike="noStrike">
@@ -41518,7 +41522,7 @@
                   <a:srgbClr val="ffffff"/>
                 </a:solidFill>
               </a:uFill>
-              <a:latin typeface="Consolas"/>
+              <a:latin typeface="Arial"/>
             </a:endParaRPr>
           </a:p>
         </p:txBody>
@@ -41581,7 +41585,7 @@
         <p:spPr>
           <a:xfrm>
             <a:off x="457200" y="274680"/>
-            <a:ext cx="8226000" cy="558360"/>
+            <a:ext cx="8225640" cy="558000"/>
           </a:xfrm>
           <a:prstGeom prst="rect">
             <a:avLst/>
@@ -41642,7 +41646,7 @@
         <p:spPr>
           <a:xfrm>
             <a:off x="504000" y="1044000"/>
-            <a:ext cx="5485680" cy="1475640"/>
+            <a:ext cx="5485320" cy="1475280"/>
           </a:xfrm>
           <a:prstGeom prst="rect">
             <a:avLst/>
@@ -41654,14 +41658,14 @@
       </p:pic>
       <p:sp>
         <p:nvSpPr>
-          <p:cNvPr id="175" name="TextShape 2"/>
-          <p:cNvSpPr txBox="1"/>
+          <p:cNvPr id="175" name="CustomShape 2"/>
+          <p:cNvSpPr/>
           <p:nvPr/>
         </p:nvSpPr>
         <p:spPr>
           <a:xfrm>
             <a:off x="504000" y="2637720"/>
-            <a:ext cx="7776000" cy="742680"/>
+            <a:ext cx="7775640" cy="742320"/>
           </a:xfrm>
           <a:prstGeom prst="rect">
             <a:avLst/>
@@ -41671,6 +41675,12 @@
             <a:noFill/>
           </a:ln>
         </p:spPr>
+        <p:style>
+          <a:lnRef idx="0"/>
+          <a:fillRef idx="0"/>
+          <a:effectRef idx="0"/>
+          <a:fontRef idx="minor"/>
+        </p:style>
         <p:txBody>
           <a:bodyPr lIns="90000" rIns="90000" tIns="45000" bIns="45000"/>
           <a:p>
@@ -41688,6 +41698,19 @@
               </a:rPr>
               <a:t>Helper.GetTypeName(id)</a:t>
             </a:r>
+            <a:endParaRPr b="0" lang="en-US" sz="1800" spc="-1" strike="noStrike">
+              <a:solidFill>
+                <a:srgbClr val="000000"/>
+              </a:solidFill>
+              <a:uFill>
+                <a:solidFill>
+                  <a:srgbClr val="ffffff"/>
+                </a:solidFill>
+              </a:uFill>
+              <a:latin typeface="Arial"/>
+            </a:endParaRPr>
+          </a:p>
+          <a:p>
             <a:r>
               <a:rPr b="0" lang="en-US" sz="2200" spc="-1" strike="noStrike">
                 <a:solidFill>
@@ -41700,21 +41723,6 @@
                 </a:uFill>
                 <a:latin typeface="Consolas"/>
               </a:rPr>
-              <a:t>
-</a:t>
-            </a:r>
-            <a:r>
-              <a:rPr b="0" lang="en-US" sz="2200" spc="-1" strike="noStrike">
-                <a:solidFill>
-                  <a:srgbClr val="000000"/>
-                </a:solidFill>
-                <a:uFill>
-                  <a:solidFill>
-                    <a:srgbClr val="ffffff"/>
-                  </a:solidFill>
-                </a:uFill>
-                <a:latin typeface="Consolas"/>
-              </a:rPr>
               <a:t>Helper.GetTypeName(p)</a:t>
             </a:r>
             <a:endParaRPr b="0" lang="en-US" sz="1800" spc="-1" strike="noStrike">
@@ -41726,7 +41734,7 @@
                   <a:srgbClr val="ffffff"/>
                 </a:solidFill>
               </a:uFill>
-              <a:latin typeface="Consolas"/>
+              <a:latin typeface="Arial"/>
             </a:endParaRPr>
           </a:p>
         </p:txBody>
@@ -41789,7 +41797,7 @@
         <p:spPr>
           <a:xfrm>
             <a:off x="457200" y="274680"/>
-            <a:ext cx="8226000" cy="558360"/>
+            <a:ext cx="8225640" cy="558000"/>
           </a:xfrm>
           <a:prstGeom prst="rect">
             <a:avLst/>
@@ -41850,7 +41858,7 @@
         <p:spPr>
           <a:xfrm>
             <a:off x="5472000" y="1687320"/>
-            <a:ext cx="3264480" cy="1336680"/>
+            <a:ext cx="3264120" cy="1336320"/>
           </a:xfrm>
           <a:prstGeom prst="rect">
             <a:avLst/>
@@ -41873,7 +41881,7 @@
         <p:spPr>
           <a:xfrm>
             <a:off x="455040" y="1026000"/>
-            <a:ext cx="4973040" cy="4878000"/>
+            <a:ext cx="4972680" cy="4877640"/>
           </a:xfrm>
           <a:prstGeom prst="rect">
             <a:avLst/>
@@ -41941,7 +41949,7 @@
         <p:spPr>
           <a:xfrm>
             <a:off x="457200" y="274680"/>
-            <a:ext cx="8226000" cy="558360"/>
+            <a:ext cx="8225640" cy="558000"/>
           </a:xfrm>
           <a:prstGeom prst="rect">
             <a:avLst/>
@@ -41991,14 +41999,14 @@
       </p:sp>
       <p:sp>
         <p:nvSpPr>
-          <p:cNvPr id="180" name="TextShape 2"/>
-          <p:cNvSpPr txBox="1"/>
+          <p:cNvPr id="180" name="CustomShape 2"/>
+          <p:cNvSpPr/>
           <p:nvPr/>
         </p:nvSpPr>
         <p:spPr>
           <a:xfrm>
             <a:off x="504000" y="1008000"/>
-            <a:ext cx="7776000" cy="1093320"/>
+            <a:ext cx="7775640" cy="1092960"/>
           </a:xfrm>
           <a:prstGeom prst="rect">
             <a:avLst/>
@@ -42008,6 +42016,12 @@
             <a:noFill/>
           </a:ln>
         </p:spPr>
+        <p:style>
+          <a:lnRef idx="0"/>
+          <a:fillRef idx="0"/>
+          <a:effectRef idx="0"/>
+          <a:fontRef idx="minor"/>
+        </p:style>
         <p:txBody>
           <a:bodyPr lIns="90000" rIns="90000" tIns="45000" bIns="45000"/>
           <a:p>
@@ -42053,6 +42067,19 @@
               </a:rPr>
               <a:t>只能傳參考型別</a:t>
             </a:r>
+            <a:endParaRPr b="0" lang="en-US" sz="1800" spc="-1" strike="noStrike">
+              <a:solidFill>
+                <a:srgbClr val="000000"/>
+              </a:solidFill>
+              <a:uFill>
+                <a:solidFill>
+                  <a:srgbClr val="ffffff"/>
+                </a:solidFill>
+              </a:uFill>
+              <a:latin typeface="Arial"/>
+            </a:endParaRPr>
+          </a:p>
+          <a:p>
             <a:r>
               <a:rPr b="0" lang="en-US" sz="2200" spc="-1" strike="noStrike">
                 <a:solidFill>
@@ -42065,9 +42092,21 @@
                 </a:uFill>
                 <a:latin typeface="Consolas"/>
               </a:rPr>
-              <a:t>
-</a:t>
-            </a:r>
+              <a:t>Helper.GetTypeName(id) - Error</a:t>
+            </a:r>
+            <a:endParaRPr b="0" lang="en-US" sz="1800" spc="-1" strike="noStrike">
+              <a:solidFill>
+                <a:srgbClr val="000000"/>
+              </a:solidFill>
+              <a:uFill>
+                <a:solidFill>
+                  <a:srgbClr val="ffffff"/>
+                </a:solidFill>
+              </a:uFill>
+              <a:latin typeface="Arial"/>
+            </a:endParaRPr>
+          </a:p>
+          <a:p>
             <a:r>
               <a:rPr b="0" lang="en-US" sz="2200" spc="-1" strike="noStrike">
                 <a:solidFill>
@@ -42080,64 +42119,7 @@
                 </a:uFill>
                 <a:latin typeface="Consolas"/>
               </a:rPr>
-              <a:t>Helper.GetTypeName(id) - </a:t>
-            </a:r>
-            <a:r>
-              <a:rPr b="0" lang="en-US" sz="2200" spc="-1" strike="noStrike">
-                <a:solidFill>
-                  <a:srgbClr val="000000"/>
-                </a:solidFill>
-                <a:uFill>
-                  <a:solidFill>
-                    <a:srgbClr val="ffffff"/>
-                  </a:solidFill>
-                </a:uFill>
-                <a:latin typeface="Consolas"/>
-              </a:rPr>
-              <a:t>Error</a:t>
-            </a:r>
-            <a:r>
-              <a:rPr b="0" lang="en-US" sz="2200" spc="-1" strike="noStrike">
-                <a:solidFill>
-                  <a:srgbClr val="000000"/>
-                </a:solidFill>
-                <a:uFill>
-                  <a:solidFill>
-                    <a:srgbClr val="ffffff"/>
-                  </a:solidFill>
-                </a:uFill>
-                <a:latin typeface="Consolas"/>
-              </a:rPr>
-              <a:t>
-</a:t>
-            </a:r>
-            <a:r>
-              <a:rPr b="0" lang="en-US" sz="2200" spc="-1" strike="noStrike">
-                <a:solidFill>
-                  <a:srgbClr val="000000"/>
-                </a:solidFill>
-                <a:uFill>
-                  <a:solidFill>
-                    <a:srgbClr val="ffffff"/>
-                  </a:solidFill>
-                </a:uFill>
-                <a:latin typeface="Consolas"/>
-              </a:rPr>
-              <a:t>Helper.GetTypeName(p)  - </a:t>
-            </a:r>
-            <a:r>
-              <a:rPr b="0" lang="en-US" sz="2200" spc="-1" strike="noStrike">
-                <a:solidFill>
-                  <a:srgbClr val="000000"/>
-                </a:solidFill>
-                <a:uFill>
-                  <a:solidFill>
-                    <a:srgbClr val="ffffff"/>
-                  </a:solidFill>
-                </a:uFill>
-                <a:latin typeface="Consolas"/>
-              </a:rPr>
-              <a:t>OK</a:t>
+              <a:t>Helper.GetTypeName(p)  - OK</a:t>
             </a:r>
             <a:endParaRPr b="0" lang="en-US" sz="1800" spc="-1" strike="noStrike">
               <a:solidFill>
@@ -42148,7 +42130,7 @@
                   <a:srgbClr val="ffffff"/>
                 </a:solidFill>
               </a:uFill>
-              <a:latin typeface="Consolas"/>
+              <a:latin typeface="Arial"/>
             </a:endParaRPr>
           </a:p>
         </p:txBody>
@@ -42165,8 +42147,8 @@
         </p:blipFill>
         <p:spPr>
           <a:xfrm>
-            <a:off x="792000" y="2520000"/>
-            <a:ext cx="3904920" cy="2088000"/>
+            <a:off x="504000" y="2448000"/>
+            <a:ext cx="5314680" cy="2723760"/>
           </a:xfrm>
           <a:prstGeom prst="rect">
             <a:avLst/>
@@ -42234,7 +42216,7 @@
         <p:spPr>
           <a:xfrm>
             <a:off x="457200" y="274680"/>
-            <a:ext cx="8226000" cy="558360"/>
+            <a:ext cx="8225640" cy="558000"/>
           </a:xfrm>
           <a:prstGeom prst="rect">
             <a:avLst/>
@@ -42325,7 +42307,7 @@
         <p:spPr>
           <a:xfrm>
             <a:off x="72720" y="3708720"/>
-            <a:ext cx="7919280" cy="1619280"/>
+            <a:ext cx="7918920" cy="1618920"/>
           </a:xfrm>
           <a:prstGeom prst="rect">
             <a:avLst/>
@@ -42348,7 +42330,7 @@
         <p:spPr>
           <a:xfrm>
             <a:off x="72000" y="1368000"/>
-            <a:ext cx="8844120" cy="1655280"/>
+            <a:ext cx="8843760" cy="1654920"/>
           </a:xfrm>
           <a:prstGeom prst="rect">
             <a:avLst/>
@@ -42367,7 +42349,7 @@
         <p:spPr>
           <a:xfrm>
             <a:off x="72000" y="936000"/>
-            <a:ext cx="2032560" cy="474120"/>
+            <a:ext cx="2032200" cy="473760"/>
           </a:xfrm>
           <a:prstGeom prst="rect">
             <a:avLst/>
@@ -42397,6 +42379,7 @@
                   </a:solidFill>
                 </a:uFill>
                 <a:latin typeface="Consolas"/>
+                <a:ea typeface="DejaVu Sans"/>
               </a:rPr>
               <a:t>Set</a:t>
             </a:r>
@@ -42423,7 +42406,7 @@
         <p:spPr>
           <a:xfrm>
             <a:off x="55440" y="3240000"/>
-            <a:ext cx="2032560" cy="474120"/>
+            <a:ext cx="2032200" cy="473760"/>
           </a:xfrm>
           <a:prstGeom prst="rect">
             <a:avLst/>
@@ -42453,6 +42436,7 @@
                   </a:solidFill>
                 </a:uFill>
                 <a:latin typeface="Consolas"/>
+                <a:ea typeface="DejaVu Sans"/>
               </a:rPr>
               <a:t>Get</a:t>
             </a:r>
@@ -42528,7 +42512,7 @@
         <p:spPr>
           <a:xfrm>
             <a:off x="457200" y="274680"/>
-            <a:ext cx="8226000" cy="558360"/>
+            <a:ext cx="8225640" cy="558000"/>
           </a:xfrm>
           <a:prstGeom prst="rect">
             <a:avLst/>
@@ -42634,7 +42618,7 @@
         <p:spPr>
           <a:xfrm>
             <a:off x="144720" y="5172120"/>
-            <a:ext cx="8423280" cy="1019880"/>
+            <a:ext cx="8422920" cy="1019520"/>
           </a:xfrm>
           <a:prstGeom prst="rect">
             <a:avLst/>
@@ -42653,7 +42637,7 @@
         <p:spPr>
           <a:xfrm>
             <a:off x="72000" y="936000"/>
-            <a:ext cx="2032560" cy="474120"/>
+            <a:ext cx="2032200" cy="473760"/>
           </a:xfrm>
           <a:prstGeom prst="rect">
             <a:avLst/>
@@ -42683,6 +42667,7 @@
                   </a:solidFill>
                 </a:uFill>
                 <a:latin typeface="Consolas"/>
+                <a:ea typeface="DejaVu Sans"/>
               </a:rPr>
               <a:t>原程式碼</a:t>
             </a:r>
@@ -42709,7 +42694,7 @@
         <p:spPr>
           <a:xfrm>
             <a:off x="72360" y="2404080"/>
-            <a:ext cx="2591640" cy="503640"/>
+            <a:ext cx="2591280" cy="503280"/>
           </a:xfrm>
           <a:prstGeom prst="rect">
             <a:avLst/>
@@ -42739,6 +42724,7 @@
                   </a:solidFill>
                 </a:uFill>
                 <a:latin typeface="Consolas"/>
+                <a:ea typeface="DejaVu Sans"/>
               </a:rPr>
               <a:t>改泛型方法</a:t>
             </a:r>
@@ -42765,7 +42751,7 @@
         <p:spPr>
           <a:xfrm>
             <a:off x="72000" y="4740120"/>
-            <a:ext cx="2591640" cy="503640"/>
+            <a:ext cx="2591280" cy="503280"/>
           </a:xfrm>
           <a:prstGeom prst="rect">
             <a:avLst/>
@@ -42795,6 +42781,7 @@
                   </a:solidFill>
                 </a:uFill>
                 <a:latin typeface="Consolas"/>
+                <a:ea typeface="DejaVu Sans"/>
               </a:rPr>
               <a:t>使用泛型方法</a:t>
             </a:r>
@@ -42825,7 +42812,7 @@
         <p:spPr>
           <a:xfrm>
             <a:off x="144000" y="1350720"/>
-            <a:ext cx="7965720" cy="881280"/>
+            <a:ext cx="7965360" cy="880920"/>
           </a:xfrm>
           <a:prstGeom prst="rect">
             <a:avLst/>
@@ -42848,7 +42835,7 @@
         <p:spPr>
           <a:xfrm>
             <a:off x="144000" y="2835720"/>
-            <a:ext cx="8921160" cy="1700280"/>
+            <a:ext cx="8920800" cy="1699920"/>
           </a:xfrm>
           <a:prstGeom prst="rect">
             <a:avLst/>
@@ -42916,7 +42903,7 @@
         <p:spPr>
           <a:xfrm>
             <a:off x="457200" y="274680"/>
-            <a:ext cx="8226000" cy="558360"/>
+            <a:ext cx="8225640" cy="558000"/>
           </a:xfrm>
           <a:prstGeom prst="rect">
             <a:avLst/>
@@ -42978,7 +42965,7 @@
         <p:spPr>
           <a:xfrm>
             <a:off x="457200" y="908640"/>
-            <a:ext cx="8226000" cy="5098320"/>
+            <a:ext cx="8225640" cy="5097960"/>
           </a:xfrm>
           <a:prstGeom prst="rect">
             <a:avLst/>
@@ -42997,7 +42984,7 @@
         <p:txBody>
           <a:bodyPr lIns="90000" rIns="90000" tIns="45000" bIns="45000"/>
           <a:p>
-            <a:pPr marL="343080" indent="-339480">
+            <a:pPr marL="343080" indent="-339120">
               <a:lnSpc>
                 <a:spcPct val="100000"/>
               </a:lnSpc>
@@ -43035,7 +43022,7 @@
             </a:endParaRPr>
           </a:p>
           <a:p>
-            <a:pPr marL="343080" indent="-339480">
+            <a:pPr marL="343080" indent="-339120">
               <a:lnSpc>
                 <a:spcPct val="100000"/>
               </a:lnSpc>
@@ -43073,7 +43060,7 @@
             </a:endParaRPr>
           </a:p>
           <a:p>
-            <a:pPr marL="343080" indent="-339480">
+            <a:pPr marL="343080" indent="-339120">
               <a:lnSpc>
                 <a:spcPct val="100000"/>
               </a:lnSpc>
@@ -43111,7 +43098,7 @@
             </a:endParaRPr>
           </a:p>
           <a:p>
-            <a:pPr marL="343080" indent="-339480">
+            <a:pPr marL="343080" indent="-339120">
               <a:lnSpc>
                 <a:spcPct val="100000"/>
               </a:lnSpc>
@@ -43226,7 +43213,7 @@
         <p:spPr>
           <a:xfrm>
             <a:off x="457200" y="274680"/>
-            <a:ext cx="8226000" cy="558360"/>
+            <a:ext cx="8225640" cy="558000"/>
           </a:xfrm>
           <a:prstGeom prst="rect">
             <a:avLst/>
@@ -43332,7 +43319,7 @@
         <p:spPr>
           <a:xfrm>
             <a:off x="144000" y="3530520"/>
-            <a:ext cx="8801640" cy="1295280"/>
+            <a:ext cx="8801280" cy="1294920"/>
           </a:xfrm>
           <a:prstGeom prst="rect">
             <a:avLst/>
@@ -43355,7 +43342,7 @@
         <p:spPr>
           <a:xfrm>
             <a:off x="144360" y="1368000"/>
-            <a:ext cx="7919280" cy="1619280"/>
+            <a:ext cx="7918920" cy="1618920"/>
           </a:xfrm>
           <a:prstGeom prst="rect">
             <a:avLst/>
@@ -43378,7 +43365,7 @@
         <p:spPr>
           <a:xfrm>
             <a:off x="161280" y="5400360"/>
-            <a:ext cx="8550360" cy="647280"/>
+            <a:ext cx="8550000" cy="646920"/>
           </a:xfrm>
           <a:prstGeom prst="rect">
             <a:avLst/>
@@ -43397,7 +43384,7 @@
         <p:spPr>
           <a:xfrm>
             <a:off x="72360" y="936000"/>
-            <a:ext cx="2032560" cy="474120"/>
+            <a:ext cx="2032200" cy="473760"/>
           </a:xfrm>
           <a:prstGeom prst="rect">
             <a:avLst/>
@@ -43427,6 +43414,7 @@
                   </a:solidFill>
                 </a:uFill>
                 <a:latin typeface="Consolas"/>
+                <a:ea typeface="DejaVu Sans"/>
               </a:rPr>
               <a:t>原程式碼</a:t>
             </a:r>
@@ -43453,7 +43441,7 @@
         <p:spPr>
           <a:xfrm>
             <a:off x="72000" y="3096000"/>
-            <a:ext cx="2591640" cy="503640"/>
+            <a:ext cx="2591280" cy="503280"/>
           </a:xfrm>
           <a:prstGeom prst="rect">
             <a:avLst/>
@@ -43483,6 +43471,7 @@
                   </a:solidFill>
                 </a:uFill>
                 <a:latin typeface="Consolas"/>
+                <a:ea typeface="DejaVu Sans"/>
               </a:rPr>
               <a:t>改泛型方法</a:t>
             </a:r>
@@ -43509,7 +43498,7 @@
         <p:spPr>
           <a:xfrm>
             <a:off x="72000" y="4968000"/>
-            <a:ext cx="2591640" cy="503640"/>
+            <a:ext cx="2591280" cy="503280"/>
           </a:xfrm>
           <a:prstGeom prst="rect">
             <a:avLst/>
@@ -43539,6 +43528,7 @@
                   </a:solidFill>
                 </a:uFill>
                 <a:latin typeface="Consolas"/>
+                <a:ea typeface="DejaVu Sans"/>
               </a:rPr>
               <a:t>使用泛型方法</a:t>
             </a:r>
@@ -43614,7 +43604,7 @@
         <p:spPr>
           <a:xfrm>
             <a:off x="456840" y="2349000"/>
-            <a:ext cx="7783920" cy="572400"/>
+            <a:ext cx="7783560" cy="572040"/>
           </a:xfrm>
           <a:prstGeom prst="rect">
             <a:avLst/>
@@ -43648,22 +43638,19 @@
               </a:rPr>
               <a:t>委派</a:t>
             </a:r>
-            <a:r>
-              <a:rPr b="0" lang="en-US" sz="5400" spc="-1" strike="noStrike">
-                <a:solidFill>
-                  <a:srgbClr val="434343"/>
-                </a:solidFill>
-                <a:uFill>
-                  <a:solidFill>
-                    <a:srgbClr val="ffffff"/>
-                  </a:solidFill>
-                </a:uFill>
-                <a:latin typeface="微軟正黑體"/>
-                <a:ea typeface="微軟正黑體"/>
-              </a:rPr>
-              <a:t>
-</a:t>
-            </a:r>
+            <a:endParaRPr b="0" lang="en-US" sz="1800" spc="-1" strike="noStrike">
+              <a:solidFill>
+                <a:srgbClr val="000000"/>
+              </a:solidFill>
+              <a:uFill>
+                <a:solidFill>
+                  <a:srgbClr val="ffffff"/>
+                </a:solidFill>
+              </a:uFill>
+              <a:latin typeface="Arial"/>
+            </a:endParaRPr>
+          </a:p>
+          <a:p>
             <a:r>
               <a:rPr b="0" lang="en-US" sz="3200" spc="-1" strike="noStrike">
                 <a:solidFill>
@@ -43751,7 +43738,7 @@
         <p:spPr>
           <a:xfrm>
             <a:off x="457200" y="274680"/>
-            <a:ext cx="8226000" cy="558360"/>
+            <a:ext cx="8225640" cy="558000"/>
           </a:xfrm>
           <a:prstGeom prst="rect">
             <a:avLst/>
@@ -43847,7 +43834,7 @@
         <p:spPr>
           <a:xfrm>
             <a:off x="4560120" y="1016640"/>
-            <a:ext cx="3647520" cy="1647000"/>
+            <a:ext cx="3647160" cy="1646640"/>
           </a:xfrm>
           <a:prstGeom prst="rect">
             <a:avLst/>
@@ -43870,7 +43857,7 @@
         <p:spPr>
           <a:xfrm>
             <a:off x="504000" y="1008000"/>
-            <a:ext cx="3780720" cy="4542840"/>
+            <a:ext cx="3780360" cy="4542480"/>
           </a:xfrm>
           <a:prstGeom prst="rect">
             <a:avLst/>
@@ -43938,7 +43925,7 @@
         <p:spPr>
           <a:xfrm>
             <a:off x="457200" y="274680"/>
-            <a:ext cx="8226000" cy="558360"/>
+            <a:ext cx="8225640" cy="558000"/>
           </a:xfrm>
           <a:prstGeom prst="rect">
             <a:avLst/>
@@ -44030,7 +44017,7 @@
         <p:spPr>
           <a:xfrm>
             <a:off x="96840" y="6210000"/>
-            <a:ext cx="7966800" cy="647640"/>
+            <a:ext cx="7966440" cy="647280"/>
           </a:xfrm>
           <a:prstGeom prst="rect">
             <a:avLst/>
@@ -44060,6 +44047,7 @@
                   </a:solidFill>
                 </a:uFill>
                 <a:latin typeface="Arial"/>
+                <a:ea typeface="DejaVu Sans"/>
               </a:rPr>
               <a:t>[C#] </a:t>
             </a:r>
@@ -44074,6 +44062,7 @@
                   </a:solidFill>
                 </a:uFill>
                 <a:latin typeface="Arial"/>
+                <a:ea typeface="DejaVu Sans"/>
               </a:rPr>
               <a:t>基礎 </a:t>
             </a:r>
@@ -44088,6 +44077,7 @@
                   </a:solidFill>
                 </a:uFill>
                 <a:latin typeface="Arial"/>
+                <a:ea typeface="DejaVu Sans"/>
               </a:rPr>
               <a:t>- Value Type , Reference Type </a:t>
             </a:r>
@@ -44102,6 +44092,7 @@
                   </a:solidFill>
                 </a:uFill>
                 <a:latin typeface="Arial"/>
+                <a:ea typeface="DejaVu Sans"/>
               </a:rPr>
               <a:t>用看記憶體內容 來測試</a:t>
             </a:r>
@@ -44129,6 +44120,7 @@
                   </a:solidFill>
                 </a:uFill>
                 <a:latin typeface="Arial"/>
+                <a:ea typeface="DejaVu Sans"/>
               </a:rPr>
               <a:t>https://dotblogs.com.tw/initials/2017/01/28/a00_basis</a:t>
             </a:r>
@@ -44159,7 +44151,7 @@
         <p:spPr>
           <a:xfrm>
             <a:off x="3467880" y="1017360"/>
-            <a:ext cx="5315760" cy="2294280"/>
+            <a:ext cx="5315400" cy="2293920"/>
           </a:xfrm>
           <a:prstGeom prst="rect">
             <a:avLst/>
@@ -44182,7 +44174,7 @@
         <p:spPr>
           <a:xfrm>
             <a:off x="75960" y="936000"/>
-            <a:ext cx="3523680" cy="5333400"/>
+            <a:ext cx="3523320" cy="5333040"/>
           </a:xfrm>
           <a:prstGeom prst="rect">
             <a:avLst/>
@@ -44250,7 +44242,7 @@
         <p:spPr>
           <a:xfrm>
             <a:off x="457200" y="274680"/>
-            <a:ext cx="8226000" cy="558360"/>
+            <a:ext cx="8225640" cy="558000"/>
           </a:xfrm>
           <a:prstGeom prst="rect">
             <a:avLst/>
@@ -44307,7 +44299,7 @@
         <p:spPr>
           <a:xfrm>
             <a:off x="457920" y="1068480"/>
-            <a:ext cx="8109720" cy="3835440"/>
+            <a:ext cx="8109360" cy="3835080"/>
           </a:xfrm>
           <a:prstGeom prst="rect">
             <a:avLst/>
@@ -44589,7 +44581,7 @@
         <p:spPr>
           <a:xfrm>
             <a:off x="457200" y="274680"/>
-            <a:ext cx="8226000" cy="558360"/>
+            <a:ext cx="8225640" cy="558000"/>
           </a:xfrm>
           <a:prstGeom prst="rect">
             <a:avLst/>
@@ -44650,7 +44642,7 @@
         <p:spPr>
           <a:xfrm>
             <a:off x="576000" y="1008000"/>
-            <a:ext cx="6480000" cy="5106960"/>
+            <a:ext cx="6479640" cy="5106600"/>
           </a:xfrm>
           <a:prstGeom prst="rect">
             <a:avLst/>
@@ -44718,7 +44710,7 @@
         <p:spPr>
           <a:xfrm>
             <a:off x="457200" y="274680"/>
-            <a:ext cx="8226000" cy="558360"/>
+            <a:ext cx="8225640" cy="558000"/>
           </a:xfrm>
           <a:prstGeom prst="rect">
             <a:avLst/>
@@ -44750,22 +44742,7 @@
                 <a:latin typeface="微軟正黑體"/>
                 <a:ea typeface="微軟正黑體"/>
               </a:rPr>
-              <a:t>鏈式</a:t>
-            </a:r>
-            <a:r>
-              <a:rPr b="0" lang="en-US" sz="5400" spc="-1" strike="noStrike">
-                <a:solidFill>
-                  <a:srgbClr val="434343"/>
-                </a:solidFill>
-                <a:uFill>
-                  <a:solidFill>
-                    <a:srgbClr val="ffffff"/>
-                  </a:solidFill>
-                </a:uFill>
-                <a:latin typeface="微軟正黑體"/>
-                <a:ea typeface="微軟正黑體"/>
-              </a:rPr>
-              <a:t>委派</a:t>
+              <a:t>鏈式委派</a:t>
             </a:r>
             <a:endParaRPr b="0" lang="en-US" sz="1800" spc="-1" strike="noStrike">
               <a:solidFill>
@@ -44794,7 +44771,7 @@
         <p:spPr>
           <a:xfrm>
             <a:off x="4104000" y="0"/>
-            <a:ext cx="5038200" cy="6657480"/>
+            <a:ext cx="5037840" cy="6657120"/>
           </a:xfrm>
           <a:prstGeom prst="rect">
             <a:avLst/>
@@ -44817,7 +44794,7 @@
         <p:spPr>
           <a:xfrm>
             <a:off x="640080" y="1126800"/>
-            <a:ext cx="2599920" cy="1609200"/>
+            <a:ext cx="2599560" cy="1608840"/>
           </a:xfrm>
           <a:prstGeom prst="rect">
             <a:avLst/>
@@ -44885,7 +44862,7 @@
         <p:spPr>
           <a:xfrm>
             <a:off x="457200" y="274680"/>
-            <a:ext cx="8226000" cy="558360"/>
+            <a:ext cx="8225640" cy="558000"/>
           </a:xfrm>
           <a:prstGeom prst="rect">
             <a:avLst/>
@@ -44917,22 +44894,7 @@
                 <a:latin typeface="微軟正黑體"/>
                 <a:ea typeface="微軟正黑體"/>
               </a:rPr>
-              <a:t>鏈式</a:t>
-            </a:r>
-            <a:r>
-              <a:rPr b="0" lang="en-US" sz="5400" spc="-1" strike="noStrike">
-                <a:solidFill>
-                  <a:srgbClr val="434343"/>
-                </a:solidFill>
-                <a:uFill>
-                  <a:solidFill>
-                    <a:srgbClr val="ffffff"/>
-                  </a:solidFill>
-                </a:uFill>
-                <a:latin typeface="微軟正黑體"/>
-                <a:ea typeface="微軟正黑體"/>
-              </a:rPr>
-              <a:t>委派</a:t>
+              <a:t>鏈式委派</a:t>
             </a:r>
             <a:endParaRPr b="0" lang="en-US" sz="1800" spc="-1" strike="noStrike">
               <a:solidFill>
@@ -44961,7 +44923,7 @@
         <p:spPr>
           <a:xfrm>
             <a:off x="713520" y="1296000"/>
-            <a:ext cx="1590480" cy="1609200"/>
+            <a:ext cx="1590120" cy="1608840"/>
           </a:xfrm>
           <a:prstGeom prst="rect">
             <a:avLst/>
@@ -44984,7 +44946,7 @@
         <p:spPr>
           <a:xfrm>
             <a:off x="3934080" y="0"/>
-            <a:ext cx="5209920" cy="6648120"/>
+            <a:ext cx="5209560" cy="6647760"/>
           </a:xfrm>
           <a:prstGeom prst="rect">
             <a:avLst/>
@@ -45052,7 +45014,7 @@
         <p:spPr>
           <a:xfrm>
             <a:off x="457200" y="274680"/>
-            <a:ext cx="8226000" cy="558360"/>
+            <a:ext cx="8225640" cy="558000"/>
           </a:xfrm>
           <a:prstGeom prst="rect">
             <a:avLst/>
@@ -45143,7 +45105,7 @@
         <p:spPr>
           <a:xfrm>
             <a:off x="576000" y="1008000"/>
-            <a:ext cx="6840000" cy="2711880"/>
+            <a:ext cx="6839640" cy="2711520"/>
           </a:xfrm>
           <a:prstGeom prst="rect">
             <a:avLst/>
@@ -45211,7 +45173,7 @@
         <p:spPr>
           <a:xfrm>
             <a:off x="457200" y="274680"/>
-            <a:ext cx="8226000" cy="558360"/>
+            <a:ext cx="8225640" cy="558000"/>
           </a:xfrm>
           <a:prstGeom prst="rect">
             <a:avLst/>
@@ -45302,7 +45264,7 @@
         <p:spPr>
           <a:xfrm>
             <a:off x="524880" y="948600"/>
-            <a:ext cx="5667120" cy="5819400"/>
+            <a:ext cx="5666760" cy="5819040"/>
           </a:xfrm>
           <a:prstGeom prst="rect">
             <a:avLst/>
@@ -45370,7 +45332,7 @@
         <p:spPr>
           <a:xfrm>
             <a:off x="456840" y="2349000"/>
-            <a:ext cx="7783920" cy="572400"/>
+            <a:ext cx="7783560" cy="572040"/>
           </a:xfrm>
           <a:prstGeom prst="rect">
             <a:avLst/>
@@ -45404,10 +45366,23 @@
               </a:rPr>
               <a:t>泛型</a:t>
             </a:r>
-            <a:r>
-              <a:rPr b="0" lang="en-US" sz="5400" spc="-1" strike="noStrike">
-                <a:solidFill>
-                  <a:srgbClr val="434343"/>
+            <a:endParaRPr b="0" lang="en-US" sz="1800" spc="-1" strike="noStrike">
+              <a:solidFill>
+                <a:srgbClr val="000000"/>
+              </a:solidFill>
+              <a:uFill>
+                <a:solidFill>
+                  <a:srgbClr val="ffffff"/>
+                </a:solidFill>
+              </a:uFill>
+              <a:latin typeface="Arial"/>
+            </a:endParaRPr>
+          </a:p>
+          <a:p>
+            <a:r>
+              <a:rPr b="0" lang="en-US" sz="2800" spc="-1" strike="noStrike">
+                <a:solidFill>
+                  <a:srgbClr val="000000"/>
                 </a:solidFill>
                 <a:uFill>
                   <a:solidFill>
@@ -45417,40 +45392,21 @@
                 <a:latin typeface="微軟正黑體"/>
                 <a:ea typeface="微軟正黑體"/>
               </a:rPr>
-              <a:t>
-</a:t>
-            </a:r>
-            <a:r>
-              <a:rPr b="0" lang="en-US" sz="2800" spc="-1" strike="noStrike">
-                <a:solidFill>
-                  <a:srgbClr val="000000"/>
-                </a:solidFill>
-                <a:uFill>
-                  <a:solidFill>
-                    <a:srgbClr val="ffffff"/>
-                  </a:solidFill>
-                </a:uFill>
-                <a:latin typeface="微軟正黑體"/>
-                <a:ea typeface="微軟正黑體"/>
-              </a:rPr>
               <a:t>設計類別的時候 先不寫死型別</a:t>
             </a:r>
-            <a:r>
-              <a:rPr b="0" lang="en-US" sz="2800" spc="-1" strike="noStrike">
-                <a:solidFill>
-                  <a:srgbClr val="000000"/>
-                </a:solidFill>
-                <a:uFill>
-                  <a:solidFill>
-                    <a:srgbClr val="ffffff"/>
-                  </a:solidFill>
-                </a:uFill>
-                <a:latin typeface="微軟正黑體"/>
-                <a:ea typeface="微軟正黑體"/>
-              </a:rPr>
-              <a:t>
-</a:t>
-            </a:r>
+            <a:endParaRPr b="0" lang="en-US" sz="1800" spc="-1" strike="noStrike">
+              <a:solidFill>
+                <a:srgbClr val="000000"/>
+              </a:solidFill>
+              <a:uFill>
+                <a:solidFill>
+                  <a:srgbClr val="ffffff"/>
+                </a:solidFill>
+              </a:uFill>
+              <a:latin typeface="Arial"/>
+            </a:endParaRPr>
+          </a:p>
+          <a:p>
             <a:r>
               <a:rPr b="0" lang="en-US" sz="2800" spc="-1" strike="noStrike">
                 <a:solidFill>
@@ -45538,7 +45494,7 @@
         <p:spPr>
           <a:xfrm>
             <a:off x="457200" y="274680"/>
-            <a:ext cx="8226000" cy="558360"/>
+            <a:ext cx="8225640" cy="558000"/>
           </a:xfrm>
           <a:prstGeom prst="rect">
             <a:avLst/>
@@ -45588,14 +45544,14 @@
       </p:sp>
       <p:sp>
         <p:nvSpPr>
-          <p:cNvPr id="224" name="TextShape 2"/>
-          <p:cNvSpPr txBox="1"/>
+          <p:cNvPr id="224" name="CustomShape 2"/>
+          <p:cNvSpPr/>
           <p:nvPr/>
         </p:nvSpPr>
         <p:spPr>
           <a:xfrm>
             <a:off x="432000" y="1126800"/>
-            <a:ext cx="8352000" cy="5281200"/>
+            <a:ext cx="8351640" cy="5280840"/>
           </a:xfrm>
           <a:prstGeom prst="rect">
             <a:avLst/>
@@ -45605,6 +45561,12 @@
             <a:noFill/>
           </a:ln>
         </p:spPr>
+        <p:style>
+          <a:lnRef idx="0"/>
+          <a:fillRef idx="0"/>
+          <a:effectRef idx="0"/>
+          <a:fontRef idx="minor"/>
+        </p:style>
         <p:txBody>
           <a:bodyPr lIns="90000" rIns="90000" tIns="45000" bIns="45000"/>
           <a:p>
@@ -45664,8 +45626,34 @@
               </a:rPr>
               <a:t>實質型別</a:t>
             </a:r>
-            <a:r>
-              <a:rPr b="0" lang="en-US" sz="2400" spc="-1" strike="noStrike">
+            <a:endParaRPr b="0" lang="en-US" sz="1800" spc="-1" strike="noStrike">
+              <a:solidFill>
+                <a:srgbClr val="000000"/>
+              </a:solidFill>
+              <a:uFill>
+                <a:solidFill>
+                  <a:srgbClr val="ffffff"/>
+                </a:solidFill>
+              </a:uFill>
+              <a:latin typeface="Arial"/>
+            </a:endParaRPr>
+          </a:p>
+          <a:p>
+            <a:endParaRPr b="0" lang="en-US" sz="1800" spc="-1" strike="noStrike">
+              <a:solidFill>
+                <a:srgbClr val="000000"/>
+              </a:solidFill>
+              <a:uFill>
+                <a:solidFill>
+                  <a:srgbClr val="ffffff"/>
+                </a:solidFill>
+              </a:uFill>
+              <a:latin typeface="Arial"/>
+            </a:endParaRPr>
+          </a:p>
+          <a:p>
+            <a:r>
+              <a:rPr b="0" lang="en-US" sz="2600" spc="-1" strike="noStrike">
                 <a:solidFill>
                   <a:srgbClr val="333333"/>
                 </a:solidFill>
@@ -45677,11 +45665,10 @@
                 <a:latin typeface="微軟正黑體"/>
                 <a:ea typeface="微軟正黑體"/>
               </a:rPr>
-              <a:t>
-</a:t>
-            </a:r>
-            <a:r>
-              <a:rPr b="0" lang="en-US" sz="2600" spc="-1" strike="noStrike">
+              <a:t>O</a:t>
+            </a:r>
+            <a:r>
+              <a:rPr b="0" lang="en-US" sz="2200" spc="-1" strike="noStrike">
                 <a:solidFill>
                   <a:srgbClr val="333333"/>
                 </a:solidFill>
@@ -45693,11 +45680,10 @@
                 <a:latin typeface="微軟正黑體"/>
                 <a:ea typeface="微軟正黑體"/>
               </a:rPr>
-              <a:t>
-</a:t>
-            </a:r>
-            <a:r>
-              <a:rPr b="0" lang="en-US" sz="2600" spc="-1" strike="noStrike">
+              <a:t>rder  </a:t>
+            </a:r>
+            <a:r>
+              <a:rPr b="0" lang="en-US" sz="2200" spc="-1" strike="noStrike">
                 <a:solidFill>
                   <a:srgbClr val="333333"/>
                 </a:solidFill>
@@ -45709,54 +45695,21 @@
                 <a:latin typeface="微軟正黑體"/>
                 <a:ea typeface="微軟正黑體"/>
               </a:rPr>
-              <a:t>O</a:t>
-            </a:r>
-            <a:r>
-              <a:rPr b="0" lang="en-US" sz="2200" spc="-1" strike="noStrike">
-                <a:solidFill>
-                  <a:srgbClr val="333333"/>
-                </a:solidFill>
-                <a:uFill>
-                  <a:solidFill>
-                    <a:srgbClr val="ffffff"/>
-                  </a:solidFill>
-                </a:uFill>
-                <a:latin typeface="微軟正黑體"/>
-                <a:ea typeface="微軟正黑體"/>
-              </a:rPr>
-              <a:t>rder  </a:t>
-            </a:r>
-            <a:r>
-              <a:rPr b="0" lang="en-US" sz="2200" spc="-1" strike="noStrike">
-                <a:solidFill>
-                  <a:srgbClr val="333333"/>
-                </a:solidFill>
-                <a:uFill>
-                  <a:solidFill>
-                    <a:srgbClr val="ffffff"/>
-                  </a:solidFill>
-                </a:uFill>
-                <a:latin typeface="微軟正黑體"/>
-                <a:ea typeface="微軟正黑體"/>
-              </a:rPr>
               <a:t>參考型別</a:t>
             </a:r>
-            <a:r>
-              <a:rPr b="0" lang="en-US" sz="2200" spc="-1" strike="noStrike">
-                <a:solidFill>
-                  <a:srgbClr val="333333"/>
-                </a:solidFill>
-                <a:uFill>
-                  <a:solidFill>
-                    <a:srgbClr val="ffffff"/>
-                  </a:solidFill>
-                </a:uFill>
-                <a:latin typeface="微軟正黑體"/>
-                <a:ea typeface="微軟正黑體"/>
-              </a:rPr>
-              <a:t>
-</a:t>
-            </a:r>
+            <a:endParaRPr b="0" lang="en-US" sz="1800" spc="-1" strike="noStrike">
+              <a:solidFill>
+                <a:srgbClr val="000000"/>
+              </a:solidFill>
+              <a:uFill>
+                <a:solidFill>
+                  <a:srgbClr val="ffffff"/>
+                </a:solidFill>
+              </a:uFill>
+              <a:latin typeface="Arial"/>
+            </a:endParaRPr>
+          </a:p>
+          <a:p>
             <a:endParaRPr b="0" lang="en-US" sz="1800" spc="-1" strike="noStrike">
               <a:solidFill>
                 <a:srgbClr val="000000"/>
@@ -45945,7 +45898,7 @@
         <p:spPr>
           <a:xfrm>
             <a:off x="504000" y="4445640"/>
-            <a:ext cx="4638240" cy="666360"/>
+            <a:ext cx="4637880" cy="666000"/>
           </a:xfrm>
           <a:prstGeom prst="rect">
             <a:avLst/>
@@ -45968,7 +45921,7 @@
         <p:spPr>
           <a:xfrm>
             <a:off x="124200" y="1049760"/>
-            <a:ext cx="8803800" cy="606240"/>
+            <a:ext cx="8803440" cy="605880"/>
           </a:xfrm>
           <a:prstGeom prst="rect">
             <a:avLst/>
@@ -46036,7 +45989,7 @@
         <p:spPr>
           <a:xfrm>
             <a:off x="457200" y="274680"/>
-            <a:ext cx="8226000" cy="558360"/>
+            <a:ext cx="8225640" cy="558000"/>
           </a:xfrm>
           <a:prstGeom prst="rect">
             <a:avLst/>
@@ -46086,14 +46039,14 @@
       </p:sp>
       <p:sp>
         <p:nvSpPr>
-          <p:cNvPr id="228" name="TextShape 2"/>
-          <p:cNvSpPr txBox="1"/>
+          <p:cNvPr id="228" name="CustomShape 2"/>
+          <p:cNvSpPr/>
           <p:nvPr/>
         </p:nvSpPr>
         <p:spPr>
           <a:xfrm>
             <a:off x="720000" y="1109160"/>
-            <a:ext cx="8064000" cy="2395080"/>
+            <a:ext cx="8063640" cy="2394720"/>
           </a:xfrm>
           <a:prstGeom prst="rect">
             <a:avLst/>
@@ -46103,6 +46056,12 @@
             <a:noFill/>
           </a:ln>
         </p:spPr>
+        <p:style>
+          <a:lnRef idx="0"/>
+          <a:fillRef idx="0"/>
+          <a:effectRef idx="0"/>
+          <a:fontRef idx="minor"/>
+        </p:style>
         <p:txBody>
           <a:bodyPr lIns="90000" rIns="90000" tIns="45000" bIns="45000"/>
           <a:p>
@@ -46224,6 +46183,19 @@
               </a:rPr>
               <a:t>的方法</a:t>
             </a:r>
+            <a:endParaRPr b="0" lang="en-US" sz="1800" spc="-1" strike="noStrike">
+              <a:solidFill>
+                <a:srgbClr val="000000"/>
+              </a:solidFill>
+              <a:uFill>
+                <a:solidFill>
+                  <a:srgbClr val="ffffff"/>
+                </a:solidFill>
+              </a:uFill>
+              <a:latin typeface="Arial"/>
+            </a:endParaRPr>
+          </a:p>
+          <a:p>
             <a:r>
               <a:rPr b="0" lang="en-US" sz="2400" spc="-1" strike="noStrike">
                 <a:solidFill>
@@ -46237,8 +46209,7 @@
                 <a:latin typeface="微軟正黑體"/>
                 <a:ea typeface="微軟正黑體"/>
               </a:rPr>
-              <a:t>
-</a:t>
+              <a:t>(</a:t>
             </a:r>
             <a:r>
               <a:rPr b="0" lang="en-US" sz="2400" spc="-1" strike="noStrike">
@@ -46253,7 +46224,7 @@
                 <a:latin typeface="微軟正黑體"/>
                 <a:ea typeface="微軟正黑體"/>
               </a:rPr>
-              <a:t>(</a:t>
+              <a:t>方法內容可直接回傳傳入值</a:t>
             </a:r>
             <a:r>
               <a:rPr b="0" lang="en-US" sz="2400" spc="-1" strike="noStrike">
@@ -46268,8 +46239,21 @@
                 <a:latin typeface="微軟正黑體"/>
                 <a:ea typeface="微軟正黑體"/>
               </a:rPr>
-              <a:t>方法內容可直接回傳傳入值</a:t>
-            </a:r>
+              <a:t>)</a:t>
+            </a:r>
+            <a:endParaRPr b="0" lang="en-US" sz="1800" spc="-1" strike="noStrike">
+              <a:solidFill>
+                <a:srgbClr val="000000"/>
+              </a:solidFill>
+              <a:uFill>
+                <a:solidFill>
+                  <a:srgbClr val="ffffff"/>
+                </a:solidFill>
+              </a:uFill>
+              <a:latin typeface="Arial"/>
+            </a:endParaRPr>
+          </a:p>
+          <a:p>
             <a:r>
               <a:rPr b="0" lang="en-US" sz="2400" spc="-1" strike="noStrike">
                 <a:solidFill>
@@ -46283,7 +46267,7 @@
                 <a:latin typeface="微軟正黑體"/>
                 <a:ea typeface="微軟正黑體"/>
               </a:rPr>
-              <a:t>)</a:t>
+              <a:t>此委派型別命名一律取名叫做</a:t>
             </a:r>
             <a:r>
               <a:rPr b="0" lang="en-US" sz="2400" spc="-1" strike="noStrike">
@@ -46298,71 +46282,34 @@
                 <a:latin typeface="微軟正黑體"/>
                 <a:ea typeface="微軟正黑體"/>
               </a:rPr>
-              <a:t>
-</a:t>
-            </a:r>
-            <a:r>
-              <a:rPr b="0" lang="en-US" sz="2400" spc="-1" strike="noStrike">
-                <a:solidFill>
-                  <a:srgbClr val="333333"/>
-                </a:solidFill>
-                <a:uFill>
-                  <a:solidFill>
-                    <a:srgbClr val="ffffff"/>
-                  </a:solidFill>
-                </a:uFill>
-                <a:latin typeface="微軟正黑體"/>
-                <a:ea typeface="微軟正黑體"/>
-              </a:rPr>
-              <a:t>此委派型別命名一律取名叫做</a:t>
-            </a:r>
-            <a:r>
-              <a:rPr b="0" lang="en-US" sz="2400" spc="-1" strike="noStrike">
-                <a:solidFill>
-                  <a:srgbClr val="333333"/>
-                </a:solidFill>
-                <a:uFill>
-                  <a:solidFill>
-                    <a:srgbClr val="ffffff"/>
-                  </a:solidFill>
-                </a:uFill>
-                <a:latin typeface="微軟正黑體"/>
-                <a:ea typeface="微軟正黑體"/>
-              </a:rPr>
               <a:t>Func</a:t>
             </a:r>
-            <a:r>
-              <a:rPr b="0" lang="en-US" sz="2400" spc="-1" strike="noStrike">
-                <a:solidFill>
-                  <a:srgbClr val="333333"/>
-                </a:solidFill>
-                <a:uFill>
-                  <a:solidFill>
-                    <a:srgbClr val="ffffff"/>
-                  </a:solidFill>
-                </a:uFill>
-                <a:latin typeface="微軟正黑體"/>
-                <a:ea typeface="微軟正黑體"/>
-              </a:rPr>
-              <a:t>
-</a:t>
-            </a:r>
-            <a:r>
-              <a:rPr b="0" lang="en-US" sz="2400" spc="-1" strike="noStrike">
-                <a:solidFill>
-                  <a:srgbClr val="333333"/>
-                </a:solidFill>
-                <a:uFill>
-                  <a:solidFill>
-                    <a:srgbClr val="ffffff"/>
-                  </a:solidFill>
-                </a:uFill>
-                <a:latin typeface="微軟正黑體"/>
-                <a:ea typeface="微軟正黑體"/>
-              </a:rPr>
-              <a:t>
-</a:t>
-            </a:r>
+            <a:endParaRPr b="0" lang="en-US" sz="1800" spc="-1" strike="noStrike">
+              <a:solidFill>
+                <a:srgbClr val="000000"/>
+              </a:solidFill>
+              <a:uFill>
+                <a:solidFill>
+                  <a:srgbClr val="ffffff"/>
+                </a:solidFill>
+              </a:uFill>
+              <a:latin typeface="Arial"/>
+            </a:endParaRPr>
+          </a:p>
+          <a:p>
+            <a:endParaRPr b="0" lang="en-US" sz="1800" spc="-1" strike="noStrike">
+              <a:solidFill>
+                <a:srgbClr val="000000"/>
+              </a:solidFill>
+              <a:uFill>
+                <a:solidFill>
+                  <a:srgbClr val="ffffff"/>
+                </a:solidFill>
+              </a:uFill>
+              <a:latin typeface="Arial"/>
+            </a:endParaRPr>
+          </a:p>
+          <a:p>
             <a:r>
               <a:rPr b="0" lang="en-US" sz="2400" spc="-1" strike="noStrike">
                 <a:solidFill>
@@ -46409,14 +46356,14 @@
       </p:sp>
       <p:sp>
         <p:nvSpPr>
-          <p:cNvPr id="229" name="TextShape 3"/>
-          <p:cNvSpPr txBox="1"/>
+          <p:cNvPr id="229" name="CustomShape 3"/>
+          <p:cNvSpPr/>
           <p:nvPr/>
         </p:nvSpPr>
         <p:spPr>
           <a:xfrm>
             <a:off x="432000" y="6120000"/>
-            <a:ext cx="7040520" cy="919440"/>
+            <a:ext cx="7040160" cy="919080"/>
           </a:xfrm>
           <a:prstGeom prst="rect">
             <a:avLst/>
@@ -46426,6 +46373,12 @@
             <a:noFill/>
           </a:ln>
         </p:spPr>
+        <p:style>
+          <a:lnRef idx="0"/>
+          <a:fillRef idx="0"/>
+          <a:effectRef idx="0"/>
+          <a:fontRef idx="minor"/>
+        </p:style>
         <p:txBody>
           <a:bodyPr lIns="90000" rIns="90000" tIns="45000" bIns="45000"/>
           <a:p>
@@ -46555,21 +46508,19 @@
               </a:rPr>
               <a:t>?</a:t>
             </a:r>
-            <a:r>
-              <a:rPr b="0" lang="en-US" sz="1800" spc="-1" strike="noStrike">
-                <a:solidFill>
-                  <a:srgbClr val="000000"/>
-                </a:solidFill>
-                <a:uFill>
-                  <a:solidFill>
-                    <a:srgbClr val="ffffff"/>
-                  </a:solidFill>
-                </a:uFill>
-                <a:latin typeface="Arial"/>
-              </a:rPr>
-              <a:t>
-</a:t>
-            </a:r>
+            <a:endParaRPr b="0" lang="en-US" sz="1800" spc="-1" strike="noStrike">
+              <a:solidFill>
+                <a:srgbClr val="000000"/>
+              </a:solidFill>
+              <a:uFill>
+                <a:solidFill>
+                  <a:srgbClr val="ffffff"/>
+                </a:solidFill>
+              </a:uFill>
+              <a:latin typeface="Arial"/>
+            </a:endParaRPr>
+          </a:p>
+          <a:p>
             <a:r>
               <a:rPr b="0" lang="en-US" sz="1800" spc="-1" strike="noStrike">
                 <a:solidFill>
@@ -46656,7 +46607,7 @@
         <p:spPr>
           <a:xfrm>
             <a:off x="456840" y="2349000"/>
-            <a:ext cx="7783920" cy="572400"/>
+            <a:ext cx="7783560" cy="572040"/>
           </a:xfrm>
           <a:prstGeom prst="rect">
             <a:avLst/>
@@ -46690,22 +46641,19 @@
               </a:rPr>
               <a:t>Func</a:t>
             </a:r>
-            <a:r>
-              <a:rPr b="0" lang="en-US" sz="5400" spc="-1" strike="noStrike">
-                <a:solidFill>
-                  <a:srgbClr val="434343"/>
-                </a:solidFill>
-                <a:uFill>
-                  <a:solidFill>
-                    <a:srgbClr val="ffffff"/>
-                  </a:solidFill>
-                </a:uFill>
-                <a:latin typeface="微軟正黑體"/>
-                <a:ea typeface="微軟正黑體"/>
-              </a:rPr>
-              <a:t>
-</a:t>
-            </a:r>
+            <a:endParaRPr b="0" lang="en-US" sz="1800" spc="-1" strike="noStrike">
+              <a:solidFill>
+                <a:srgbClr val="000000"/>
+              </a:solidFill>
+              <a:uFill>
+                <a:solidFill>
+                  <a:srgbClr val="ffffff"/>
+                </a:solidFill>
+              </a:uFill>
+              <a:latin typeface="Arial"/>
+            </a:endParaRPr>
+          </a:p>
+          <a:p>
             <a:r>
               <a:rPr b="0" lang="en-US" sz="3200" spc="-1" strike="noStrike">
                 <a:solidFill>
@@ -46823,7 +46771,7 @@
         <p:spPr>
           <a:xfrm>
             <a:off x="457200" y="274680"/>
-            <a:ext cx="8226000" cy="558360"/>
+            <a:ext cx="8225640" cy="558000"/>
           </a:xfrm>
           <a:prstGeom prst="rect">
             <a:avLst/>
@@ -46929,7 +46877,7 @@
         <p:spPr>
           <a:xfrm>
             <a:off x="442440" y="1080000"/>
-            <a:ext cx="5533560" cy="4419360"/>
+            <a:ext cx="5533200" cy="4419000"/>
           </a:xfrm>
           <a:prstGeom prst="rect">
             <a:avLst/>
@@ -46997,7 +46945,7 @@
         <p:spPr>
           <a:xfrm>
             <a:off x="457200" y="274680"/>
-            <a:ext cx="8226000" cy="558360"/>
+            <a:ext cx="8225640" cy="558000"/>
           </a:xfrm>
           <a:prstGeom prst="rect">
             <a:avLst/>
@@ -47103,7 +47051,7 @@
         <p:spPr>
           <a:xfrm>
             <a:off x="576720" y="1058400"/>
-            <a:ext cx="5543280" cy="5133600"/>
+            <a:ext cx="5542920" cy="5133240"/>
           </a:xfrm>
           <a:prstGeom prst="rect">
             <a:avLst/>
@@ -47171,7 +47119,7 @@
         <p:spPr>
           <a:xfrm>
             <a:off x="457200" y="274680"/>
-            <a:ext cx="8226000" cy="558360"/>
+            <a:ext cx="8225640" cy="558000"/>
           </a:xfrm>
           <a:prstGeom prst="rect">
             <a:avLst/>
@@ -47266,14 +47214,14 @@
       </p:sp>
       <p:sp>
         <p:nvSpPr>
-          <p:cNvPr id="236" name="TextShape 2"/>
-          <p:cNvSpPr txBox="1"/>
+          <p:cNvPr id="236" name="CustomShape 2"/>
+          <p:cNvSpPr/>
           <p:nvPr/>
         </p:nvSpPr>
         <p:spPr>
           <a:xfrm>
             <a:off x="504000" y="1080000"/>
-            <a:ext cx="6768000" cy="791640"/>
+            <a:ext cx="6767640" cy="791280"/>
           </a:xfrm>
           <a:prstGeom prst="rect">
             <a:avLst/>
@@ -47283,6 +47231,12 @@
             <a:noFill/>
           </a:ln>
         </p:spPr>
+        <p:style>
+          <a:lnRef idx="0"/>
+          <a:fillRef idx="0"/>
+          <a:effectRef idx="0"/>
+          <a:fontRef idx="minor"/>
+        </p:style>
         <p:txBody>
           <a:bodyPr lIns="90000" rIns="90000" tIns="45000" bIns="45000"/>
           <a:p>
@@ -47327,7 +47281,7 @@
         <p:spPr>
           <a:xfrm>
             <a:off x="574200" y="1656000"/>
-            <a:ext cx="4609800" cy="3666600"/>
+            <a:ext cx="4609440" cy="3666240"/>
           </a:xfrm>
           <a:prstGeom prst="rect">
             <a:avLst/>
@@ -47395,7 +47349,7 @@
         <p:spPr>
           <a:xfrm>
             <a:off x="457200" y="274680"/>
-            <a:ext cx="8226000" cy="558360"/>
+            <a:ext cx="8225640" cy="558000"/>
           </a:xfrm>
           <a:prstGeom prst="rect">
             <a:avLst/>
@@ -47456,7 +47410,7 @@
         <p:spPr>
           <a:xfrm>
             <a:off x="576000" y="1605600"/>
-            <a:ext cx="7734240" cy="3578400"/>
+            <a:ext cx="7733880" cy="3578040"/>
           </a:xfrm>
           <a:prstGeom prst="rect">
             <a:avLst/>
@@ -47468,14 +47422,14 @@
       </p:pic>
       <p:sp>
         <p:nvSpPr>
-          <p:cNvPr id="240" name="TextShape 2"/>
-          <p:cNvSpPr txBox="1"/>
+          <p:cNvPr id="240" name="CustomShape 2"/>
+          <p:cNvSpPr/>
           <p:nvPr/>
         </p:nvSpPr>
         <p:spPr>
           <a:xfrm>
             <a:off x="659160" y="1013760"/>
-            <a:ext cx="8052840" cy="1709280"/>
+            <a:ext cx="8052480" cy="1708920"/>
           </a:xfrm>
           <a:prstGeom prst="rect">
             <a:avLst/>
@@ -47485,6 +47439,12 @@
             <a:noFill/>
           </a:ln>
         </p:spPr>
+        <p:style>
+          <a:lnRef idx="0"/>
+          <a:fillRef idx="0"/>
+          <a:effectRef idx="0"/>
+          <a:fontRef idx="minor"/>
+        </p:style>
         <p:txBody>
           <a:bodyPr lIns="90000" rIns="90000" tIns="45000" bIns="45000"/>
           <a:p>
@@ -47590,7 +47550,7 @@
         <p:spPr>
           <a:xfrm>
             <a:off x="457200" y="274680"/>
-            <a:ext cx="8226000" cy="558360"/>
+            <a:ext cx="8225640" cy="558000"/>
           </a:xfrm>
           <a:prstGeom prst="rect">
             <a:avLst/>
@@ -47650,31 +47610,8 @@
         </p:blipFill>
         <p:spPr>
           <a:xfrm>
-            <a:off x="4752000" y="1626120"/>
-            <a:ext cx="4438440" cy="4667040"/>
-          </a:xfrm>
-          <a:prstGeom prst="rect">
-            <a:avLst/>
-          </a:prstGeom>
-          <a:ln>
-            <a:noFill/>
-          </a:ln>
-        </p:spPr>
-      </p:pic>
-      <p:pic>
-        <p:nvPicPr>
-          <p:cNvPr id="243" name="" descr=""/>
-          <p:cNvPicPr/>
-          <p:nvPr/>
-        </p:nvPicPr>
-        <p:blipFill>
-          <a:blip r:embed="rId2"/>
-          <a:stretch/>
-        </p:blipFill>
-        <p:spPr>
-          <a:xfrm>
-            <a:off x="0" y="1008000"/>
-            <a:ext cx="4657320" cy="5314680"/>
+            <a:off x="12960" y="1161360"/>
+            <a:ext cx="9143640" cy="5042880"/>
           </a:xfrm>
           <a:prstGeom prst="rect">
             <a:avLst/>
@@ -47735,14 +47672,14 @@
       </p:grpSpPr>
       <p:sp>
         <p:nvSpPr>
-          <p:cNvPr id="244" name="CustomShape 1"/>
+          <p:cNvPr id="243" name="CustomShape 1"/>
           <p:cNvSpPr/>
           <p:nvPr/>
         </p:nvSpPr>
         <p:spPr>
           <a:xfrm>
             <a:off x="457200" y="274680"/>
-            <a:ext cx="8226000" cy="558360"/>
+            <a:ext cx="8225640" cy="558000"/>
           </a:xfrm>
           <a:prstGeom prst="rect">
             <a:avLst/>
@@ -47792,7 +47729,7 @@
       </p:sp>
       <p:pic>
         <p:nvPicPr>
-          <p:cNvPr id="245" name="" descr=""/>
+          <p:cNvPr id="244" name="" descr=""/>
           <p:cNvPicPr/>
           <p:nvPr/>
         </p:nvPicPr>
@@ -47803,7 +47740,7 @@
         <p:spPr>
           <a:xfrm>
             <a:off x="432000" y="1055520"/>
-            <a:ext cx="7019640" cy="3552480"/>
+            <a:ext cx="7019280" cy="3552120"/>
           </a:xfrm>
           <a:prstGeom prst="rect">
             <a:avLst/>
@@ -47864,14 +47801,14 @@
       </p:grpSpPr>
       <p:sp>
         <p:nvSpPr>
-          <p:cNvPr id="246" name="CustomShape 1"/>
+          <p:cNvPr id="245" name="CustomShape 1"/>
           <p:cNvSpPr/>
           <p:nvPr/>
         </p:nvSpPr>
         <p:spPr>
           <a:xfrm>
             <a:off x="457200" y="274680"/>
-            <a:ext cx="8226000" cy="558360"/>
+            <a:ext cx="8225640" cy="558000"/>
           </a:xfrm>
           <a:prstGeom prst="rect">
             <a:avLst/>
@@ -47921,7 +47858,7 @@
       </p:sp>
       <p:pic>
         <p:nvPicPr>
-          <p:cNvPr id="247" name="" descr=""/>
+          <p:cNvPr id="246" name="" descr=""/>
           <p:cNvPicPr/>
           <p:nvPr/>
         </p:nvPicPr>
@@ -47932,7 +47869,7 @@
         <p:spPr>
           <a:xfrm>
             <a:off x="576000" y="1605600"/>
-            <a:ext cx="7734240" cy="3578400"/>
+            <a:ext cx="7733880" cy="3578040"/>
           </a:xfrm>
           <a:prstGeom prst="rect">
             <a:avLst/>
@@ -47944,14 +47881,14 @@
       </p:pic>
       <p:sp>
         <p:nvSpPr>
-          <p:cNvPr id="248" name="TextShape 2"/>
-          <p:cNvSpPr txBox="1"/>
+          <p:cNvPr id="247" name="CustomShape 2"/>
+          <p:cNvSpPr/>
           <p:nvPr/>
         </p:nvSpPr>
         <p:spPr>
           <a:xfrm>
             <a:off x="659160" y="1013760"/>
-            <a:ext cx="8052840" cy="1709280"/>
+            <a:ext cx="8052480" cy="1708920"/>
           </a:xfrm>
           <a:prstGeom prst="rect">
             <a:avLst/>
@@ -47961,6 +47898,12 @@
             <a:noFill/>
           </a:ln>
         </p:spPr>
+        <p:style>
+          <a:lnRef idx="0"/>
+          <a:fillRef idx="0"/>
+          <a:effectRef idx="0"/>
+          <a:fontRef idx="minor"/>
+        </p:style>
         <p:txBody>
           <a:bodyPr lIns="90000" rIns="90000" tIns="45000" bIns="45000"/>
           <a:p>
@@ -48066,7 +48009,7 @@
         <p:spPr>
           <a:xfrm>
             <a:off x="457200" y="274680"/>
-            <a:ext cx="8226000" cy="558360"/>
+            <a:ext cx="8225640" cy="558000"/>
           </a:xfrm>
           <a:prstGeom prst="rect">
             <a:avLst/>
@@ -48123,7 +48066,7 @@
         <p:spPr>
           <a:xfrm>
             <a:off x="288000" y="4482720"/>
-            <a:ext cx="8207280" cy="1708560"/>
+            <a:ext cx="8206920" cy="1708200"/>
           </a:xfrm>
           <a:prstGeom prst="rect">
             <a:avLst/>
@@ -48178,7 +48121,7 @@
         <p:spPr>
           <a:xfrm>
             <a:off x="432000" y="1008000"/>
-            <a:ext cx="8063640" cy="4607640"/>
+            <a:ext cx="8063280" cy="4607280"/>
           </a:xfrm>
           <a:prstGeom prst="rect">
             <a:avLst/>
@@ -48392,7 +48335,7 @@
         <p:spPr>
           <a:xfrm>
             <a:off x="432000" y="3477960"/>
-            <a:ext cx="3111840" cy="2065680"/>
+            <a:ext cx="3111480" cy="2065320"/>
           </a:xfrm>
           <a:prstGeom prst="rect">
             <a:avLst/>
@@ -48415,7 +48358,7 @@
         <p:spPr>
           <a:xfrm>
             <a:off x="5112000" y="3456000"/>
-            <a:ext cx="2684880" cy="2519640"/>
+            <a:ext cx="2684520" cy="2519280"/>
           </a:xfrm>
           <a:prstGeom prst="rect">
             <a:avLst/>
@@ -48476,14 +48419,14 @@
       </p:grpSpPr>
       <p:sp>
         <p:nvSpPr>
-          <p:cNvPr id="249" name="CustomShape 1"/>
+          <p:cNvPr id="248" name="CustomShape 1"/>
           <p:cNvSpPr/>
           <p:nvPr/>
         </p:nvSpPr>
         <p:spPr>
           <a:xfrm>
             <a:off x="457200" y="274680"/>
-            <a:ext cx="8226000" cy="558360"/>
+            <a:ext cx="8225640" cy="558000"/>
           </a:xfrm>
           <a:prstGeom prst="rect">
             <a:avLst/>
@@ -48548,14 +48491,14 @@
       </p:sp>
       <p:sp>
         <p:nvSpPr>
-          <p:cNvPr id="250" name="TextShape 2"/>
-          <p:cNvSpPr txBox="1"/>
+          <p:cNvPr id="249" name="CustomShape 2"/>
+          <p:cNvSpPr/>
           <p:nvPr/>
         </p:nvSpPr>
         <p:spPr>
           <a:xfrm>
             <a:off x="720000" y="1109160"/>
-            <a:ext cx="8064000" cy="1242720"/>
+            <a:ext cx="8063640" cy="1242360"/>
           </a:xfrm>
           <a:prstGeom prst="rect">
             <a:avLst/>
@@ -48565,6 +48508,12 @@
             <a:noFill/>
           </a:ln>
         </p:spPr>
+        <p:style>
+          <a:lnRef idx="0"/>
+          <a:fillRef idx="0"/>
+          <a:effectRef idx="0"/>
+          <a:fontRef idx="minor"/>
+        </p:style>
         <p:txBody>
           <a:bodyPr lIns="90000" rIns="90000" tIns="45000" bIns="45000"/>
           <a:p>
@@ -48613,22 +48562,19 @@
               </a:rPr>
               <a:t>Func</a:t>
             </a:r>
-            <a:r>
-              <a:rPr b="0" lang="en-US" sz="2400" spc="-1" strike="noStrike">
-                <a:solidFill>
-                  <a:srgbClr val="333333"/>
-                </a:solidFill>
-                <a:uFill>
-                  <a:solidFill>
-                    <a:srgbClr val="ffffff"/>
-                  </a:solidFill>
-                </a:uFill>
-                <a:latin typeface="微軟正黑體"/>
-                <a:ea typeface="微軟正黑體"/>
-              </a:rPr>
-              <a:t>
-</a:t>
-            </a:r>
+            <a:endParaRPr b="0" lang="en-US" sz="1800" spc="-1" strike="noStrike">
+              <a:solidFill>
+                <a:srgbClr val="000000"/>
+              </a:solidFill>
+              <a:uFill>
+                <a:solidFill>
+                  <a:srgbClr val="ffffff"/>
+                </a:solidFill>
+              </a:uFill>
+              <a:latin typeface="Arial"/>
+            </a:endParaRPr>
+          </a:p>
+          <a:p>
             <a:r>
               <a:rPr b="0" lang="en-US" sz="2400" spc="-1" strike="noStrike">
                 <a:solidFill>
@@ -48724,14 +48670,14 @@
       </p:grpSpPr>
       <p:sp>
         <p:nvSpPr>
-          <p:cNvPr id="251" name="CustomShape 1"/>
+          <p:cNvPr id="250" name="CustomShape 1"/>
           <p:cNvSpPr/>
           <p:nvPr/>
         </p:nvSpPr>
         <p:spPr>
           <a:xfrm>
             <a:off x="457200" y="274680"/>
-            <a:ext cx="8226000" cy="558360"/>
+            <a:ext cx="8225640" cy="558000"/>
           </a:xfrm>
           <a:prstGeom prst="rect">
             <a:avLst/>
@@ -48781,14 +48727,14 @@
       </p:sp>
       <p:sp>
         <p:nvSpPr>
-          <p:cNvPr id="252" name="TextShape 2"/>
-          <p:cNvSpPr txBox="1"/>
+          <p:cNvPr id="251" name="CustomShape 2"/>
+          <p:cNvSpPr/>
           <p:nvPr/>
         </p:nvSpPr>
         <p:spPr>
           <a:xfrm>
             <a:off x="659160" y="1013760"/>
-            <a:ext cx="8052840" cy="1709280"/>
+            <a:ext cx="8052480" cy="1708920"/>
           </a:xfrm>
           <a:prstGeom prst="rect">
             <a:avLst/>
@@ -48798,6 +48744,12 @@
             <a:noFill/>
           </a:ln>
         </p:spPr>
+        <p:style>
+          <a:lnRef idx="0"/>
+          <a:fillRef idx="0"/>
+          <a:effectRef idx="0"/>
+          <a:fontRef idx="minor"/>
+        </p:style>
         <p:txBody>
           <a:bodyPr lIns="90000" rIns="90000" tIns="45000" bIns="45000"/>
           <a:p>
@@ -48847,7 +48799,7 @@
       </p:sp>
       <p:pic>
         <p:nvPicPr>
-          <p:cNvPr id="253" name="" descr=""/>
+          <p:cNvPr id="252" name="" descr=""/>
           <p:cNvPicPr/>
           <p:nvPr/>
         </p:nvPicPr>
@@ -48858,7 +48810,7 @@
         <p:spPr>
           <a:xfrm>
             <a:off x="704880" y="1656000"/>
-            <a:ext cx="8006040" cy="3168000"/>
+            <a:ext cx="8005680" cy="3167640"/>
           </a:xfrm>
           <a:prstGeom prst="rect">
             <a:avLst/>
@@ -48919,14 +48871,14 @@
       </p:grpSpPr>
       <p:sp>
         <p:nvSpPr>
-          <p:cNvPr id="254" name="CustomShape 1"/>
+          <p:cNvPr id="253" name="CustomShape 1"/>
           <p:cNvSpPr/>
           <p:nvPr/>
         </p:nvSpPr>
         <p:spPr>
           <a:xfrm>
             <a:off x="456840" y="2349000"/>
-            <a:ext cx="7783920" cy="572400"/>
+            <a:ext cx="7783560" cy="572040"/>
           </a:xfrm>
           <a:prstGeom prst="rect">
             <a:avLst/>
@@ -48960,22 +48912,19 @@
               </a:rPr>
               <a:t>Lambda Expression</a:t>
             </a:r>
-            <a:r>
-              <a:rPr b="0" lang="en-US" sz="5400" spc="-1" strike="noStrike">
-                <a:solidFill>
-                  <a:srgbClr val="434343"/>
-                </a:solidFill>
-                <a:uFill>
-                  <a:solidFill>
-                    <a:srgbClr val="ffffff"/>
-                  </a:solidFill>
-                </a:uFill>
-                <a:latin typeface="微軟正黑體"/>
-                <a:ea typeface="微軟正黑體"/>
-              </a:rPr>
-              <a:t>
-</a:t>
-            </a:r>
+            <a:endParaRPr b="0" lang="en-US" sz="1800" spc="-1" strike="noStrike">
+              <a:solidFill>
+                <a:srgbClr val="000000"/>
+              </a:solidFill>
+              <a:uFill>
+                <a:solidFill>
+                  <a:srgbClr val="ffffff"/>
+                </a:solidFill>
+              </a:uFill>
+              <a:latin typeface="Arial"/>
+            </a:endParaRPr>
+          </a:p>
+          <a:p>
             <a:r>
               <a:rPr b="0" lang="en-US" sz="3200" spc="-1" strike="noStrike">
                 <a:solidFill>
@@ -49056,14 +49005,14 @@
       </p:grpSpPr>
       <p:sp>
         <p:nvSpPr>
-          <p:cNvPr id="255" name="CustomShape 1"/>
+          <p:cNvPr id="254" name="CustomShape 1"/>
           <p:cNvSpPr/>
           <p:nvPr/>
         </p:nvSpPr>
         <p:spPr>
           <a:xfrm>
             <a:off x="457200" y="274680"/>
-            <a:ext cx="8226000" cy="558360"/>
+            <a:ext cx="8225640" cy="558000"/>
           </a:xfrm>
           <a:prstGeom prst="rect">
             <a:avLst/>
@@ -49113,7 +49062,7 @@
       </p:sp>
       <p:pic>
         <p:nvPicPr>
-          <p:cNvPr id="256" name="" descr=""/>
+          <p:cNvPr id="255" name="" descr=""/>
           <p:cNvPicPr/>
           <p:nvPr/>
         </p:nvPicPr>
@@ -49124,7 +49073,7 @@
         <p:spPr>
           <a:xfrm>
             <a:off x="0" y="1021320"/>
-            <a:ext cx="4657320" cy="5314680"/>
+            <a:ext cx="4656960" cy="5314320"/>
           </a:xfrm>
           <a:prstGeom prst="rect">
             <a:avLst/>
@@ -49136,7 +49085,7 @@
       </p:pic>
       <p:pic>
         <p:nvPicPr>
-          <p:cNvPr id="257" name="" descr=""/>
+          <p:cNvPr id="256" name="" descr=""/>
           <p:cNvPicPr/>
           <p:nvPr/>
         </p:nvPicPr>
@@ -49147,7 +49096,7 @@
         <p:spPr>
           <a:xfrm>
             <a:off x="4752000" y="1584000"/>
-            <a:ext cx="4438440" cy="4667040"/>
+            <a:ext cx="4438080" cy="4666680"/>
           </a:xfrm>
           <a:prstGeom prst="rect">
             <a:avLst/>
@@ -49208,14 +49157,14 @@
       </p:grpSpPr>
       <p:sp>
         <p:nvSpPr>
-          <p:cNvPr id="258" name="CustomShape 1"/>
+          <p:cNvPr id="257" name="CustomShape 1"/>
           <p:cNvSpPr/>
           <p:nvPr/>
         </p:nvSpPr>
         <p:spPr>
           <a:xfrm>
             <a:off x="457200" y="274680"/>
-            <a:ext cx="8226000" cy="558360"/>
+            <a:ext cx="8225640" cy="558000"/>
           </a:xfrm>
           <a:prstGeom prst="rect">
             <a:avLst/>
@@ -49265,7 +49214,7 @@
       </p:sp>
       <p:pic>
         <p:nvPicPr>
-          <p:cNvPr id="259" name="" descr=""/>
+          <p:cNvPr id="258" name="" descr=""/>
           <p:cNvPicPr/>
           <p:nvPr/>
         </p:nvPicPr>
@@ -49276,7 +49225,7 @@
         <p:spPr>
           <a:xfrm>
             <a:off x="720000" y="1584000"/>
-            <a:ext cx="7456680" cy="4120200"/>
+            <a:ext cx="7456320" cy="4119840"/>
           </a:xfrm>
           <a:prstGeom prst="rect">
             <a:avLst/>
@@ -49288,14 +49237,14 @@
       </p:pic>
       <p:sp>
         <p:nvSpPr>
-          <p:cNvPr id="260" name="TextShape 2"/>
-          <p:cNvSpPr txBox="1"/>
+          <p:cNvPr id="259" name="CustomShape 2"/>
+          <p:cNvSpPr/>
           <p:nvPr/>
         </p:nvSpPr>
         <p:spPr>
           <a:xfrm>
             <a:off x="648000" y="1037520"/>
-            <a:ext cx="6501960" cy="474480"/>
+            <a:ext cx="6501600" cy="474120"/>
           </a:xfrm>
           <a:prstGeom prst="rect">
             <a:avLst/>
@@ -49305,6 +49254,12 @@
             <a:noFill/>
           </a:ln>
         </p:spPr>
+        <p:style>
+          <a:lnRef idx="0"/>
+          <a:fillRef idx="0"/>
+          <a:effectRef idx="0"/>
+          <a:fontRef idx="minor"/>
+        </p:style>
         <p:txBody>
           <a:bodyPr lIns="90000" rIns="90000" tIns="45000" bIns="45000"/>
           <a:p>
@@ -49429,14 +49384,14 @@
       </p:grpSpPr>
       <p:sp>
         <p:nvSpPr>
-          <p:cNvPr id="261" name="CustomShape 1"/>
+          <p:cNvPr id="260" name="CustomShape 1"/>
           <p:cNvSpPr/>
           <p:nvPr/>
         </p:nvSpPr>
         <p:spPr>
           <a:xfrm>
             <a:off x="457200" y="274680"/>
-            <a:ext cx="8226000" cy="558360"/>
+            <a:ext cx="8225640" cy="558000"/>
           </a:xfrm>
           <a:prstGeom prst="rect">
             <a:avLst/>
@@ -49486,14 +49441,14 @@
       </p:sp>
       <p:sp>
         <p:nvSpPr>
-          <p:cNvPr id="262" name="TextShape 2"/>
-          <p:cNvSpPr txBox="1"/>
+          <p:cNvPr id="261" name="CustomShape 2"/>
+          <p:cNvSpPr/>
           <p:nvPr/>
         </p:nvSpPr>
         <p:spPr>
           <a:xfrm>
             <a:off x="504000" y="985320"/>
-            <a:ext cx="7992000" cy="1966680"/>
+            <a:ext cx="7991640" cy="1966320"/>
           </a:xfrm>
           <a:prstGeom prst="rect">
             <a:avLst/>
@@ -49503,6 +49458,12 @@
             <a:noFill/>
           </a:ln>
         </p:spPr>
+        <p:style>
+          <a:lnRef idx="0"/>
+          <a:fillRef idx="0"/>
+          <a:effectRef idx="0"/>
+          <a:fontRef idx="minor"/>
+        </p:style>
         <p:txBody>
           <a:bodyPr lIns="90000" rIns="90000" tIns="45000" bIns="45000"/>
           <a:p>
@@ -49688,7 +49649,7 @@
       </p:sp>
       <p:pic>
         <p:nvPicPr>
-          <p:cNvPr id="263" name="" descr=""/>
+          <p:cNvPr id="262" name="" descr=""/>
           <p:cNvPicPr/>
           <p:nvPr/>
         </p:nvPicPr>
@@ -49699,7 +49660,7 @@
         <p:spPr>
           <a:xfrm>
             <a:off x="576000" y="2232000"/>
-            <a:ext cx="7152480" cy="4128480"/>
+            <a:ext cx="7152120" cy="4128120"/>
           </a:xfrm>
           <a:prstGeom prst="rect">
             <a:avLst/>
@@ -49760,14 +49721,14 @@
       </p:grpSpPr>
       <p:sp>
         <p:nvSpPr>
-          <p:cNvPr id="264" name="CustomShape 1"/>
+          <p:cNvPr id="263" name="CustomShape 1"/>
           <p:cNvSpPr/>
           <p:nvPr/>
         </p:nvSpPr>
         <p:spPr>
           <a:xfrm>
             <a:off x="457200" y="274680"/>
-            <a:ext cx="8226000" cy="558360"/>
+            <a:ext cx="8225640" cy="558000"/>
           </a:xfrm>
           <a:prstGeom prst="rect">
             <a:avLst/>
@@ -49832,14 +49793,14 @@
       </p:sp>
       <p:sp>
         <p:nvSpPr>
-          <p:cNvPr id="265" name="TextShape 2"/>
-          <p:cNvSpPr txBox="1"/>
+          <p:cNvPr id="264" name="CustomShape 2"/>
+          <p:cNvSpPr/>
           <p:nvPr/>
         </p:nvSpPr>
         <p:spPr>
           <a:xfrm>
             <a:off x="504000" y="985320"/>
-            <a:ext cx="7992000" cy="1966680"/>
+            <a:ext cx="7991640" cy="1966320"/>
           </a:xfrm>
           <a:prstGeom prst="rect">
             <a:avLst/>
@@ -49849,6 +49810,12 @@
             <a:noFill/>
           </a:ln>
         </p:spPr>
+        <p:style>
+          <a:lnRef idx="0"/>
+          <a:fillRef idx="0"/>
+          <a:effectRef idx="0"/>
+          <a:fontRef idx="minor"/>
+        </p:style>
         <p:txBody>
           <a:bodyPr lIns="90000" rIns="90000" tIns="45000" bIns="45000"/>
           <a:p>
@@ -49979,7 +49946,7 @@
       </p:sp>
       <p:pic>
         <p:nvPicPr>
-          <p:cNvPr id="266" name="" descr=""/>
+          <p:cNvPr id="265" name="" descr=""/>
           <p:cNvPicPr/>
           <p:nvPr/>
         </p:nvPicPr>
@@ -49990,7 +49957,7 @@
         <p:spPr>
           <a:xfrm>
             <a:off x="403560" y="2016000"/>
-            <a:ext cx="8524440" cy="1294920"/>
+            <a:ext cx="8524080" cy="1294560"/>
           </a:xfrm>
           <a:prstGeom prst="rect">
             <a:avLst/>
@@ -50051,14 +50018,14 @@
       </p:grpSpPr>
       <p:sp>
         <p:nvSpPr>
-          <p:cNvPr id="267" name="CustomShape 1"/>
+          <p:cNvPr id="266" name="CustomShape 1"/>
           <p:cNvSpPr/>
           <p:nvPr/>
         </p:nvSpPr>
         <p:spPr>
           <a:xfrm>
             <a:off x="457200" y="274680"/>
-            <a:ext cx="8226000" cy="558360"/>
+            <a:ext cx="8225640" cy="558000"/>
           </a:xfrm>
           <a:prstGeom prst="rect">
             <a:avLst/>
@@ -50108,14 +50075,14 @@
       </p:sp>
       <p:sp>
         <p:nvSpPr>
-          <p:cNvPr id="268" name="TextShape 2"/>
-          <p:cNvSpPr txBox="1"/>
+          <p:cNvPr id="267" name="CustomShape 2"/>
+          <p:cNvSpPr/>
           <p:nvPr/>
         </p:nvSpPr>
         <p:spPr>
           <a:xfrm>
             <a:off x="216000" y="985320"/>
-            <a:ext cx="8640000" cy="886680"/>
+            <a:ext cx="8639640" cy="886320"/>
           </a:xfrm>
           <a:prstGeom prst="rect">
             <a:avLst/>
@@ -50125,6 +50092,12 @@
             <a:noFill/>
           </a:ln>
         </p:spPr>
+        <p:style>
+          <a:lnRef idx="0"/>
+          <a:fillRef idx="0"/>
+          <a:effectRef idx="0"/>
+          <a:fontRef idx="minor"/>
+        </p:style>
         <p:txBody>
           <a:bodyPr lIns="90000" rIns="90000" tIns="45000" bIns="45000"/>
           <a:p>
@@ -50339,7 +50312,7 @@
       </p:sp>
       <p:pic>
         <p:nvPicPr>
-          <p:cNvPr id="269" name="" descr=""/>
+          <p:cNvPr id="268" name="" descr=""/>
           <p:cNvPicPr/>
           <p:nvPr/>
         </p:nvPicPr>
@@ -50350,7 +50323,7 @@
         <p:spPr>
           <a:xfrm>
             <a:off x="360000" y="1872000"/>
-            <a:ext cx="7272000" cy="680760"/>
+            <a:ext cx="7271640" cy="680400"/>
           </a:xfrm>
           <a:prstGeom prst="rect">
             <a:avLst/>
@@ -50362,14 +50335,14 @@
       </p:pic>
       <p:sp>
         <p:nvSpPr>
-          <p:cNvPr id="270" name="TextShape 3"/>
-          <p:cNvSpPr txBox="1"/>
+          <p:cNvPr id="269" name="CustomShape 3"/>
+          <p:cNvSpPr/>
           <p:nvPr/>
         </p:nvSpPr>
         <p:spPr>
           <a:xfrm>
             <a:off x="216000" y="3361320"/>
-            <a:ext cx="8640000" cy="474480"/>
+            <a:ext cx="8639640" cy="474120"/>
           </a:xfrm>
           <a:prstGeom prst="rect">
             <a:avLst/>
@@ -50379,6 +50352,12 @@
             <a:noFill/>
           </a:ln>
         </p:spPr>
+        <p:style>
+          <a:lnRef idx="0"/>
+          <a:fillRef idx="0"/>
+          <a:effectRef idx="0"/>
+          <a:fontRef idx="minor"/>
+        </p:style>
         <p:txBody>
           <a:bodyPr lIns="90000" rIns="90000" tIns="45000" bIns="45000"/>
           <a:p>
@@ -50496,7 +50475,7 @@
       </p:sp>
       <p:pic>
         <p:nvPicPr>
-          <p:cNvPr id="271" name="" descr=""/>
+          <p:cNvPr id="270" name="" descr=""/>
           <p:cNvPicPr/>
           <p:nvPr/>
         </p:nvPicPr>
@@ -50507,7 +50486,7 @@
         <p:spPr>
           <a:xfrm>
             <a:off x="221760" y="3835800"/>
-            <a:ext cx="8778240" cy="630000"/>
+            <a:ext cx="8777880" cy="629640"/>
           </a:xfrm>
           <a:prstGeom prst="rect">
             <a:avLst/>
@@ -50568,14 +50547,14 @@
       </p:grpSpPr>
       <p:sp>
         <p:nvSpPr>
-          <p:cNvPr id="272" name="CustomShape 1"/>
+          <p:cNvPr id="271" name="CustomShape 1"/>
           <p:cNvSpPr/>
           <p:nvPr/>
         </p:nvSpPr>
         <p:spPr>
           <a:xfrm>
             <a:off x="457200" y="274680"/>
-            <a:ext cx="8226000" cy="558360"/>
+            <a:ext cx="8225640" cy="558000"/>
           </a:xfrm>
           <a:prstGeom prst="rect">
             <a:avLst/>
@@ -50640,14 +50619,14 @@
       </p:sp>
       <p:sp>
         <p:nvSpPr>
-          <p:cNvPr id="273" name="TextShape 2"/>
-          <p:cNvSpPr txBox="1"/>
+          <p:cNvPr id="272" name="CustomShape 2"/>
+          <p:cNvSpPr/>
           <p:nvPr/>
         </p:nvSpPr>
         <p:spPr>
           <a:xfrm>
             <a:off x="720000" y="1109160"/>
-            <a:ext cx="8064000" cy="1242720"/>
+            <a:ext cx="8063640" cy="1242360"/>
           </a:xfrm>
           <a:prstGeom prst="rect">
             <a:avLst/>
@@ -50657,6 +50636,12 @@
             <a:noFill/>
           </a:ln>
         </p:spPr>
+        <p:style>
+          <a:lnRef idx="0"/>
+          <a:fillRef idx="0"/>
+          <a:effectRef idx="0"/>
+          <a:fontRef idx="minor"/>
+        </p:style>
         <p:txBody>
           <a:bodyPr lIns="90000" rIns="90000" tIns="45000" bIns="45000"/>
           <a:p>
@@ -50705,22 +50690,19 @@
               </a:rPr>
               <a:t>Func</a:t>
             </a:r>
-            <a:r>
-              <a:rPr b="0" lang="en-US" sz="2400" spc="-1" strike="noStrike">
-                <a:solidFill>
-                  <a:srgbClr val="333333"/>
-                </a:solidFill>
-                <a:uFill>
-                  <a:solidFill>
-                    <a:srgbClr val="ffffff"/>
-                  </a:solidFill>
-                </a:uFill>
-                <a:latin typeface="微軟正黑體"/>
-                <a:ea typeface="微軟正黑體"/>
-              </a:rPr>
-              <a:t>
-</a:t>
-            </a:r>
+            <a:endParaRPr b="0" lang="en-US" sz="1800" spc="-1" strike="noStrike">
+              <a:solidFill>
+                <a:srgbClr val="000000"/>
+              </a:solidFill>
+              <a:uFill>
+                <a:solidFill>
+                  <a:srgbClr val="ffffff"/>
+                </a:solidFill>
+              </a:uFill>
+              <a:latin typeface="Arial"/>
+            </a:endParaRPr>
+          </a:p>
+          <a:p>
             <a:r>
               <a:rPr b="0" lang="en-US" sz="2400" spc="-1" strike="noStrike">
                 <a:solidFill>
@@ -50816,14 +50798,14 @@
       </p:grpSpPr>
       <p:sp>
         <p:nvSpPr>
-          <p:cNvPr id="274" name="CustomShape 1"/>
+          <p:cNvPr id="273" name="CustomShape 1"/>
           <p:cNvSpPr/>
           <p:nvPr/>
         </p:nvSpPr>
         <p:spPr>
           <a:xfrm>
             <a:off x="457200" y="274680"/>
-            <a:ext cx="8226000" cy="558360"/>
+            <a:ext cx="8225640" cy="558000"/>
           </a:xfrm>
           <a:prstGeom prst="rect">
             <a:avLst/>
@@ -50871,6 +50853,62 @@
           </a:p>
         </p:txBody>
       </p:sp>
+      <p:sp>
+        <p:nvSpPr>
+          <p:cNvPr id="274" name="CustomShape 2"/>
+          <p:cNvSpPr/>
+          <p:nvPr/>
+        </p:nvSpPr>
+        <p:spPr>
+          <a:xfrm>
+            <a:off x="1080000" y="5616000"/>
+            <a:ext cx="8639640" cy="1161360"/>
+          </a:xfrm>
+          <a:prstGeom prst="rect">
+            <a:avLst/>
+          </a:prstGeom>
+          <a:noFill/>
+          <a:ln>
+            <a:noFill/>
+          </a:ln>
+        </p:spPr>
+        <p:style>
+          <a:lnRef idx="0"/>
+          <a:fillRef idx="0"/>
+          <a:effectRef idx="0"/>
+          <a:fontRef idx="minor"/>
+        </p:style>
+        <p:txBody>
+          <a:bodyPr lIns="90000" rIns="90000" tIns="45000" bIns="45000"/>
+          <a:p>
+            <a:r>
+              <a:rPr b="1" lang="en-US" sz="7200" spc="-1" strike="noStrike">
+                <a:solidFill>
+                  <a:srgbClr val="ff3333"/>
+                </a:solidFill>
+                <a:uFill>
+                  <a:solidFill>
+                    <a:srgbClr val="ffffff"/>
+                  </a:solidFill>
+                </a:uFill>
+                <a:latin typeface="Consolas"/>
+              </a:rPr>
+              <a:t>A      B    C</a:t>
+            </a:r>
+            <a:endParaRPr b="0" lang="en-US" sz="1800" spc="-1" strike="noStrike">
+              <a:solidFill>
+                <a:srgbClr val="000000"/>
+              </a:solidFill>
+              <a:uFill>
+                <a:solidFill>
+                  <a:srgbClr val="ffffff"/>
+                </a:solidFill>
+              </a:uFill>
+              <a:latin typeface="Arial"/>
+            </a:endParaRPr>
+          </a:p>
+        </p:txBody>
+      </p:sp>
       <p:pic>
         <p:nvPicPr>
           <p:cNvPr id="275" name="" descr=""/>
@@ -50883,8 +50921,8 @@
         </p:blipFill>
         <p:spPr>
           <a:xfrm>
-            <a:off x="3276000" y="1596960"/>
-            <a:ext cx="2988000" cy="4667040"/>
+            <a:off x="12960" y="974520"/>
+            <a:ext cx="9143640" cy="4912560"/>
           </a:xfrm>
           <a:prstGeom prst="rect">
             <a:avLst/>
@@ -50894,102 +50932,6 @@
           </a:ln>
         </p:spPr>
       </p:pic>
-      <p:pic>
-        <p:nvPicPr>
-          <p:cNvPr id="276" name="" descr=""/>
-          <p:cNvPicPr/>
-          <p:nvPr/>
-        </p:nvPicPr>
-        <p:blipFill>
-          <a:blip r:embed="rId2"/>
-          <a:stretch/>
-        </p:blipFill>
-        <p:spPr>
-          <a:xfrm>
-            <a:off x="0" y="949320"/>
-            <a:ext cx="3240000" cy="5314680"/>
-          </a:xfrm>
-          <a:prstGeom prst="rect">
-            <a:avLst/>
-          </a:prstGeom>
-          <a:ln>
-            <a:noFill/>
-          </a:ln>
-        </p:spPr>
-      </p:pic>
-      <p:pic>
-        <p:nvPicPr>
-          <p:cNvPr id="277" name="" descr=""/>
-          <p:cNvPicPr/>
-          <p:nvPr/>
-        </p:nvPicPr>
-        <p:blipFill>
-          <a:blip r:embed="rId3"/>
-          <a:stretch/>
-        </p:blipFill>
-        <p:spPr>
-          <a:xfrm>
-            <a:off x="6336000" y="1584000"/>
-            <a:ext cx="2808000" cy="2323800"/>
-          </a:xfrm>
-          <a:prstGeom prst="rect">
-            <a:avLst/>
-          </a:prstGeom>
-          <a:ln>
-            <a:noFill/>
-          </a:ln>
-        </p:spPr>
-      </p:pic>
-      <p:sp>
-        <p:nvSpPr>
-          <p:cNvPr id="278" name="TextShape 2"/>
-          <p:cNvSpPr txBox="1"/>
-          <p:nvPr/>
-        </p:nvSpPr>
-        <p:spPr>
-          <a:xfrm>
-            <a:off x="1080000" y="5760000"/>
-            <a:ext cx="8640000" cy="1161720"/>
-          </a:xfrm>
-          <a:prstGeom prst="rect">
-            <a:avLst/>
-          </a:prstGeom>
-          <a:noFill/>
-          <a:ln>
-            <a:noFill/>
-          </a:ln>
-        </p:spPr>
-        <p:txBody>
-          <a:bodyPr lIns="90000" rIns="90000" tIns="45000" bIns="45000"/>
-          <a:p>
-            <a:r>
-              <a:rPr b="1" lang="en-US" sz="7200" spc="-1" strike="noStrike">
-                <a:solidFill>
-                  <a:srgbClr val="ff3333"/>
-                </a:solidFill>
-                <a:uFill>
-                  <a:solidFill>
-                    <a:srgbClr val="ffffff"/>
-                  </a:solidFill>
-                </a:uFill>
-                <a:latin typeface="Consolas"/>
-              </a:rPr>
-              <a:t>A      B    C</a:t>
-            </a:r>
-            <a:endParaRPr b="0" lang="en-US" sz="1800" spc="-1" strike="noStrike">
-              <a:solidFill>
-                <a:srgbClr val="000000"/>
-              </a:solidFill>
-              <a:uFill>
-                <a:solidFill>
-                  <a:srgbClr val="ffffff"/>
-                </a:solidFill>
-              </a:uFill>
-              <a:latin typeface="Consolas"/>
-            </a:endParaRPr>
-          </a:p>
-        </p:txBody>
-      </p:sp>
     </p:spTree>
   </p:cSld>
   <p:timing>
@@ -51048,7 +50990,7 @@
         <p:spPr>
           <a:xfrm>
             <a:off x="457200" y="274680"/>
-            <a:ext cx="8226000" cy="558360"/>
+            <a:ext cx="8225640" cy="558000"/>
           </a:xfrm>
           <a:prstGeom prst="rect">
             <a:avLst/>
@@ -51109,7 +51051,7 @@
         <p:spPr>
           <a:xfrm>
             <a:off x="356400" y="1080000"/>
-            <a:ext cx="3170880" cy="3418560"/>
+            <a:ext cx="3170520" cy="3418200"/>
           </a:xfrm>
           <a:prstGeom prst="rect">
             <a:avLst/>
@@ -51132,7 +51074,7 @@
         <p:spPr>
           <a:xfrm>
             <a:off x="3196080" y="974880"/>
-            <a:ext cx="2923200" cy="608400"/>
+            <a:ext cx="2922840" cy="608040"/>
           </a:xfrm>
           <a:prstGeom prst="rect">
             <a:avLst/>
@@ -51155,7 +51097,7 @@
         <p:spPr>
           <a:xfrm>
             <a:off x="3168000" y="1766880"/>
-            <a:ext cx="3542400" cy="608400"/>
+            <a:ext cx="3542040" cy="608040"/>
           </a:xfrm>
           <a:prstGeom prst="rect">
             <a:avLst/>
@@ -51178,7 +51120,7 @@
         <p:spPr>
           <a:xfrm>
             <a:off x="3240000" y="2505960"/>
-            <a:ext cx="2218320" cy="589320"/>
+            <a:ext cx="2217960" cy="588960"/>
           </a:xfrm>
           <a:prstGeom prst="rect">
             <a:avLst/>
@@ -51201,7 +51143,7 @@
         <p:spPr>
           <a:xfrm>
             <a:off x="3446640" y="3312000"/>
-            <a:ext cx="4256640" cy="398880"/>
+            <a:ext cx="4256280" cy="398520"/>
           </a:xfrm>
           <a:prstGeom prst="rect">
             <a:avLst/>
@@ -51224,7 +51166,7 @@
         <p:spPr>
           <a:xfrm>
             <a:off x="3273840" y="3996360"/>
-            <a:ext cx="3637440" cy="322920"/>
+            <a:ext cx="3637080" cy="322560"/>
           </a:xfrm>
           <a:prstGeom prst="rect">
             <a:avLst/>
@@ -51243,7 +51185,7 @@
         <p:spPr>
           <a:xfrm>
             <a:off x="288000" y="4482720"/>
-            <a:ext cx="8207280" cy="1708560"/>
+            <a:ext cx="8206920" cy="1708200"/>
           </a:xfrm>
           <a:prstGeom prst="rect">
             <a:avLst/>
@@ -51458,14 +51400,14 @@
       </p:grpSpPr>
       <p:sp>
         <p:nvSpPr>
-          <p:cNvPr id="279" name="CustomShape 1"/>
+          <p:cNvPr id="276" name="CustomShape 1"/>
           <p:cNvSpPr/>
           <p:nvPr/>
         </p:nvSpPr>
         <p:spPr>
           <a:xfrm>
             <a:off x="457200" y="274680"/>
-            <a:ext cx="8226000" cy="558360"/>
+            <a:ext cx="8225640" cy="558000"/>
           </a:xfrm>
           <a:prstGeom prst="rect">
             <a:avLst/>
@@ -51515,14 +51457,14 @@
       </p:sp>
       <p:sp>
         <p:nvSpPr>
-          <p:cNvPr id="280" name="TextShape 2"/>
-          <p:cNvSpPr txBox="1"/>
+          <p:cNvPr id="277" name="CustomShape 2"/>
+          <p:cNvSpPr/>
           <p:nvPr/>
         </p:nvSpPr>
         <p:spPr>
           <a:xfrm>
             <a:off x="504000" y="1080000"/>
-            <a:ext cx="6768000" cy="814320"/>
+            <a:ext cx="6767640" cy="813960"/>
           </a:xfrm>
           <a:prstGeom prst="rect">
             <a:avLst/>
@@ -51532,6 +51474,12 @@
             <a:noFill/>
           </a:ln>
         </p:spPr>
+        <p:style>
+          <a:lnRef idx="0"/>
+          <a:fillRef idx="0"/>
+          <a:effectRef idx="0"/>
+          <a:fontRef idx="minor"/>
+        </p:style>
         <p:txBody>
           <a:bodyPr lIns="90000" rIns="90000" tIns="45000" bIns="45000"/>
           <a:p>
@@ -51621,7 +51569,7 @@
       </p:sp>
       <p:pic>
         <p:nvPicPr>
-          <p:cNvPr id="281" name="" descr=""/>
+          <p:cNvPr id="278" name="" descr=""/>
           <p:cNvPicPr/>
           <p:nvPr/>
         </p:nvPicPr>
@@ -51632,7 +51580,7 @@
         <p:spPr>
           <a:xfrm>
             <a:off x="360000" y="1584000"/>
-            <a:ext cx="8404200" cy="1080000"/>
+            <a:ext cx="8403840" cy="1079640"/>
           </a:xfrm>
           <a:prstGeom prst="rect">
             <a:avLst/>
@@ -51693,14 +51641,14 @@
       </p:grpSpPr>
       <p:sp>
         <p:nvSpPr>
-          <p:cNvPr id="282" name="CustomShape 1"/>
+          <p:cNvPr id="279" name="CustomShape 1"/>
           <p:cNvSpPr/>
           <p:nvPr/>
         </p:nvSpPr>
         <p:spPr>
           <a:xfrm>
             <a:off x="539640" y="2709000"/>
-            <a:ext cx="6476400" cy="572400"/>
+            <a:ext cx="6476040" cy="572040"/>
           </a:xfrm>
           <a:prstGeom prst="rect">
             <a:avLst/>
@@ -51768,14 +51716,14 @@
       </p:sp>
       <p:sp>
         <p:nvSpPr>
-          <p:cNvPr id="283" name="CustomShape 2"/>
+          <p:cNvPr id="280" name="CustomShape 2"/>
           <p:cNvSpPr/>
           <p:nvPr/>
         </p:nvSpPr>
         <p:spPr>
           <a:xfrm>
             <a:off x="8712000" y="6436440"/>
-            <a:ext cx="1465200" cy="616320"/>
+            <a:ext cx="1464840" cy="615960"/>
           </a:xfrm>
           <a:prstGeom prst="rect">
             <a:avLst/>
@@ -51879,14 +51827,14 @@
       </p:grpSpPr>
       <p:sp>
         <p:nvSpPr>
-          <p:cNvPr id="284" name="CustomShape 1"/>
+          <p:cNvPr id="281" name="CustomShape 1"/>
           <p:cNvSpPr/>
           <p:nvPr/>
         </p:nvSpPr>
         <p:spPr>
           <a:xfrm>
             <a:off x="539640" y="2709000"/>
-            <a:ext cx="6476400" cy="572400"/>
+            <a:ext cx="6476040" cy="572040"/>
           </a:xfrm>
           <a:prstGeom prst="rect">
             <a:avLst/>
@@ -51954,14 +51902,14 @@
       </p:sp>
       <p:sp>
         <p:nvSpPr>
-          <p:cNvPr id="285" name="CustomShape 2"/>
+          <p:cNvPr id="282" name="CustomShape 2"/>
           <p:cNvSpPr/>
           <p:nvPr/>
         </p:nvSpPr>
         <p:spPr>
           <a:xfrm>
             <a:off x="8712000" y="6436440"/>
-            <a:ext cx="1465200" cy="616320"/>
+            <a:ext cx="1464840" cy="615960"/>
           </a:xfrm>
           <a:prstGeom prst="rect">
             <a:avLst/>
@@ -52065,14 +52013,14 @@
       </p:grpSpPr>
       <p:sp>
         <p:nvSpPr>
-          <p:cNvPr id="286" name="CustomShape 1"/>
+          <p:cNvPr id="283" name="CustomShape 1"/>
           <p:cNvSpPr/>
           <p:nvPr/>
         </p:nvSpPr>
         <p:spPr>
           <a:xfrm>
             <a:off x="539640" y="2709000"/>
-            <a:ext cx="6476400" cy="572400"/>
+            <a:ext cx="6476040" cy="572040"/>
           </a:xfrm>
           <a:prstGeom prst="rect">
             <a:avLst/>
@@ -52140,14 +52088,14 @@
       </p:sp>
       <p:sp>
         <p:nvSpPr>
-          <p:cNvPr id="287" name="CustomShape 2"/>
+          <p:cNvPr id="284" name="CustomShape 2"/>
           <p:cNvSpPr/>
           <p:nvPr/>
         </p:nvSpPr>
         <p:spPr>
           <a:xfrm>
             <a:off x="8712000" y="6436440"/>
-            <a:ext cx="1465200" cy="616320"/>
+            <a:ext cx="1464840" cy="615960"/>
           </a:xfrm>
           <a:prstGeom prst="rect">
             <a:avLst/>
@@ -52258,7 +52206,7 @@
         <p:spPr>
           <a:xfrm>
             <a:off x="457200" y="274680"/>
-            <a:ext cx="8226000" cy="558360"/>
+            <a:ext cx="8225640" cy="558000"/>
           </a:xfrm>
           <a:prstGeom prst="rect">
             <a:avLst/>
@@ -52324,7 +52272,7 @@
         <p:spPr>
           <a:xfrm>
             <a:off x="576000" y="936000"/>
-            <a:ext cx="6870960" cy="2159280"/>
+            <a:ext cx="6870600" cy="2158920"/>
           </a:xfrm>
           <a:prstGeom prst="rect">
             <a:avLst/>
@@ -52347,7 +52295,7 @@
         <p:spPr>
           <a:xfrm>
             <a:off x="568440" y="3296160"/>
-            <a:ext cx="6990840" cy="2391120"/>
+            <a:ext cx="6990480" cy="2390760"/>
           </a:xfrm>
           <a:prstGeom prst="rect">
             <a:avLst/>
@@ -52415,7 +52363,7 @@
         <p:spPr>
           <a:xfrm>
             <a:off x="457200" y="274680"/>
-            <a:ext cx="8226000" cy="558360"/>
+            <a:ext cx="8225640" cy="558000"/>
           </a:xfrm>
           <a:prstGeom prst="rect">
             <a:avLst/>
@@ -52476,7 +52424,7 @@
         <p:spPr>
           <a:xfrm>
             <a:off x="576000" y="1033920"/>
-            <a:ext cx="7989120" cy="3501360"/>
+            <a:ext cx="7988760" cy="3501000"/>
           </a:xfrm>
           <a:prstGeom prst="rect">
             <a:avLst/>
@@ -52544,7 +52492,7 @@
         <p:spPr>
           <a:xfrm>
             <a:off x="457200" y="274680"/>
-            <a:ext cx="8226000" cy="558360"/>
+            <a:ext cx="8225640" cy="558000"/>
           </a:xfrm>
           <a:prstGeom prst="rect">
             <a:avLst/>
@@ -52605,7 +52553,7 @@
         <p:spPr>
           <a:xfrm>
             <a:off x="5040" y="993960"/>
-            <a:ext cx="9142920" cy="3541320"/>
+            <a:ext cx="9142560" cy="3540960"/>
           </a:xfrm>
           <a:prstGeom prst="rect">
             <a:avLst/>
@@ -52624,7 +52572,7 @@
         <p:spPr>
           <a:xfrm>
             <a:off x="88920" y="6192000"/>
-            <a:ext cx="5814360" cy="538920"/>
+            <a:ext cx="5814000" cy="538560"/>
           </a:xfrm>
           <a:prstGeom prst="rect">
             <a:avLst/>
@@ -52758,7 +52706,7 @@
         <p:spPr>
           <a:xfrm>
             <a:off x="457200" y="274680"/>
-            <a:ext cx="8226000" cy="558360"/>
+            <a:ext cx="8225640" cy="558000"/>
           </a:xfrm>
           <a:prstGeom prst="rect">
             <a:avLst/>
@@ -52834,7 +52782,7 @@
         <p:spPr>
           <a:xfrm>
             <a:off x="432000" y="1080000"/>
-            <a:ext cx="3232800" cy="3023280"/>
+            <a:ext cx="3232440" cy="3022920"/>
           </a:xfrm>
           <a:prstGeom prst="rect">
             <a:avLst/>
@@ -52853,7 +52801,7 @@
         <p:spPr>
           <a:xfrm>
             <a:off x="288000" y="4266720"/>
-            <a:ext cx="8207280" cy="1708560"/>
+            <a:ext cx="8206920" cy="1708200"/>
           </a:xfrm>
           <a:prstGeom prst="rect">
             <a:avLst/>
@@ -53000,7 +52948,7 @@
         <p:spPr>
           <a:xfrm>
             <a:off x="4032000" y="1046520"/>
-            <a:ext cx="3887280" cy="2192760"/>
+            <a:ext cx="3886920" cy="2192400"/>
           </a:xfrm>
           <a:prstGeom prst="rect">
             <a:avLst/>
